--- a/Task 3/Muhammad Cikal Merdeka_Mini_Project_4_Task_3.pptx
+++ b/Task 3/Muhammad Cikal Merdeka_Mini_Project_4_Task_3.pptx
@@ -1,28 +1,38 @@
 
 <file path=ppt/presentation.xml><?xml version="1.0" encoding="utf-8"?>
-<p:presentation xmlns:a="http://schemas.openxmlformats.org/drawingml/2006/main" xmlns:r="http://schemas.openxmlformats.org/officeDocument/2006/relationships" xmlns:mc="http://schemas.openxmlformats.org/markup-compatibility/2006" xmlns:mv="urn:schemas-microsoft-com:mac:vml" xmlns:p="http://schemas.openxmlformats.org/presentationml/2006/main" xmlns:c="http://schemas.openxmlformats.org/drawingml/2006/chart" xmlns:dgm="http://schemas.openxmlformats.org/drawingml/2006/diagram" xmlns:o="urn:schemas-microsoft-com:office:office" xmlns:v="urn:schemas-microsoft-com:vml" xmlns:pvml="urn:schemas-microsoft-com:office:powerpoint" xmlns:com="http://schemas.openxmlformats.org/drawingml/2006/compatibility" xmlns:p14="http://schemas.microsoft.com/office/powerpoint/2010/main" xmlns:p15="http://schemas.microsoft.com/office/powerpoint/2012/main" xmlns:ahyp="http://schemas.microsoft.com/office/drawing/2018/hyperlinkcolor" autoCompressPictures="0" embedTrueTypeFonts="1" strictFirstAndLastChars="0" saveSubsetFonts="1">
+<p:presentation xmlns:a="http://schemas.openxmlformats.org/drawingml/2006/main" xmlns:r="http://schemas.openxmlformats.org/officeDocument/2006/relationships" xmlns:p="http://schemas.openxmlformats.org/presentationml/2006/main" strictFirstAndLastChars="0" embedTrueTypeFonts="1" saveSubsetFonts="1" autoCompressPictures="0">
   <p:sldMasterIdLst>
-    <p:sldMasterId id="2147483659" r:id="rId4"/>
+    <p:sldMasterId id="2147483659" r:id="rId1"/>
   </p:sldMasterIdLst>
   <p:notesMasterIdLst>
-    <p:notesMasterId r:id="rId5"/>
+    <p:notesMasterId r:id="rId8"/>
   </p:notesMasterIdLst>
   <p:sldIdLst>
-    <p:sldId id="256" r:id="rId6"/>
+    <p:sldId id="257" r:id="rId2"/>
+    <p:sldId id="262" r:id="rId3"/>
+    <p:sldId id="256" r:id="rId4"/>
+    <p:sldId id="259" r:id="rId5"/>
+    <p:sldId id="260" r:id="rId6"/>
+    <p:sldId id="261" r:id="rId7"/>
   </p:sldIdLst>
-  <p:sldSz cy="5143500" cx="9144000"/>
+  <p:sldSz cx="9144000" cy="5143500" type="screen16x9"/>
   <p:notesSz cx="6858000" cy="9144000"/>
   <p:embeddedFontLst>
     <p:embeddedFont>
-      <p:font typeface="Roboto"/>
-      <p:regular r:id="rId7"/>
-      <p:bold r:id="rId8"/>
-      <p:italic r:id="rId9"/>
-      <p:boldItalic r:id="rId10"/>
+      <p:font typeface="Dosis" pitchFamily="2" charset="0"/>
+      <p:regular r:id="rId9"/>
+      <p:bold r:id="rId10"/>
+    </p:embeddedFont>
+    <p:embeddedFont>
+      <p:font typeface="Roboto" panose="02000000000000000000" pitchFamily="2" charset="0"/>
+      <p:regular r:id="rId11"/>
+      <p:bold r:id="rId12"/>
+      <p:italic r:id="rId13"/>
+      <p:boldItalic r:id="rId14"/>
     </p:embeddedFont>
   </p:embeddedFontLst>
   <p:defaultTextStyle>
-    <a:defPPr lvl="0" marR="0" rtl="0" algn="l">
+    <a:defPPr marR="0" lvl="0" algn="l" rtl="0">
       <a:lnSpc>
         <a:spcPct val="100000"/>
       </a:lnSpc>
@@ -33,7 +43,7 @@
         <a:spcPts val="0"/>
       </a:spcAft>
     </a:defPPr>
-    <a:lvl1pPr lvl="0" marR="0" rtl="0" algn="l">
+    <a:lvl1pPr marR="0" lvl="0" algn="l" rtl="0">
       <a:lnSpc>
         <a:spcPct val="100000"/>
       </a:lnSpc>
@@ -47,7 +57,7 @@
         <a:srgbClr val="000000"/>
       </a:buClr>
       <a:buFont typeface="Arial"/>
-      <a:defRPr b="0" i="0" sz="1400" u="none" cap="none" strike="noStrike">
+      <a:defRPr sz="1400" b="0" i="0" u="none" strike="noStrike" cap="none">
         <a:solidFill>
           <a:srgbClr val="000000"/>
         </a:solidFill>
@@ -57,7 +67,7 @@
         <a:sym typeface="Arial"/>
       </a:defRPr>
     </a:lvl1pPr>
-    <a:lvl2pPr lvl="1" marR="0" rtl="0" algn="l">
+    <a:lvl2pPr marR="0" lvl="1" algn="l" rtl="0">
       <a:lnSpc>
         <a:spcPct val="100000"/>
       </a:lnSpc>
@@ -71,7 +81,7 @@
         <a:srgbClr val="000000"/>
       </a:buClr>
       <a:buFont typeface="Arial"/>
-      <a:defRPr b="0" i="0" sz="1400" u="none" cap="none" strike="noStrike">
+      <a:defRPr sz="1400" b="0" i="0" u="none" strike="noStrike" cap="none">
         <a:solidFill>
           <a:srgbClr val="000000"/>
         </a:solidFill>
@@ -81,7 +91,7 @@
         <a:sym typeface="Arial"/>
       </a:defRPr>
     </a:lvl2pPr>
-    <a:lvl3pPr lvl="2" marR="0" rtl="0" algn="l">
+    <a:lvl3pPr marR="0" lvl="2" algn="l" rtl="0">
       <a:lnSpc>
         <a:spcPct val="100000"/>
       </a:lnSpc>
@@ -95,7 +105,7 @@
         <a:srgbClr val="000000"/>
       </a:buClr>
       <a:buFont typeface="Arial"/>
-      <a:defRPr b="0" i="0" sz="1400" u="none" cap="none" strike="noStrike">
+      <a:defRPr sz="1400" b="0" i="0" u="none" strike="noStrike" cap="none">
         <a:solidFill>
           <a:srgbClr val="000000"/>
         </a:solidFill>
@@ -105,7 +115,7 @@
         <a:sym typeface="Arial"/>
       </a:defRPr>
     </a:lvl3pPr>
-    <a:lvl4pPr lvl="3" marR="0" rtl="0" algn="l">
+    <a:lvl4pPr marR="0" lvl="3" algn="l" rtl="0">
       <a:lnSpc>
         <a:spcPct val="100000"/>
       </a:lnSpc>
@@ -119,7 +129,7 @@
         <a:srgbClr val="000000"/>
       </a:buClr>
       <a:buFont typeface="Arial"/>
-      <a:defRPr b="0" i="0" sz="1400" u="none" cap="none" strike="noStrike">
+      <a:defRPr sz="1400" b="0" i="0" u="none" strike="noStrike" cap="none">
         <a:solidFill>
           <a:srgbClr val="000000"/>
         </a:solidFill>
@@ -129,7 +139,7 @@
         <a:sym typeface="Arial"/>
       </a:defRPr>
     </a:lvl4pPr>
-    <a:lvl5pPr lvl="4" marR="0" rtl="0" algn="l">
+    <a:lvl5pPr marR="0" lvl="4" algn="l" rtl="0">
       <a:lnSpc>
         <a:spcPct val="100000"/>
       </a:lnSpc>
@@ -143,7 +153,7 @@
         <a:srgbClr val="000000"/>
       </a:buClr>
       <a:buFont typeface="Arial"/>
-      <a:defRPr b="0" i="0" sz="1400" u="none" cap="none" strike="noStrike">
+      <a:defRPr sz="1400" b="0" i="0" u="none" strike="noStrike" cap="none">
         <a:solidFill>
           <a:srgbClr val="000000"/>
         </a:solidFill>
@@ -153,7 +163,7 @@
         <a:sym typeface="Arial"/>
       </a:defRPr>
     </a:lvl5pPr>
-    <a:lvl6pPr lvl="5" marR="0" rtl="0" algn="l">
+    <a:lvl6pPr marR="0" lvl="5" algn="l" rtl="0">
       <a:lnSpc>
         <a:spcPct val="100000"/>
       </a:lnSpc>
@@ -167,7 +177,7 @@
         <a:srgbClr val="000000"/>
       </a:buClr>
       <a:buFont typeface="Arial"/>
-      <a:defRPr b="0" i="0" sz="1400" u="none" cap="none" strike="noStrike">
+      <a:defRPr sz="1400" b="0" i="0" u="none" strike="noStrike" cap="none">
         <a:solidFill>
           <a:srgbClr val="000000"/>
         </a:solidFill>
@@ -177,7 +187,7 @@
         <a:sym typeface="Arial"/>
       </a:defRPr>
     </a:lvl6pPr>
-    <a:lvl7pPr lvl="6" marR="0" rtl="0" algn="l">
+    <a:lvl7pPr marR="0" lvl="6" algn="l" rtl="0">
       <a:lnSpc>
         <a:spcPct val="100000"/>
       </a:lnSpc>
@@ -191,7 +201,7 @@
         <a:srgbClr val="000000"/>
       </a:buClr>
       <a:buFont typeface="Arial"/>
-      <a:defRPr b="0" i="0" sz="1400" u="none" cap="none" strike="noStrike">
+      <a:defRPr sz="1400" b="0" i="0" u="none" strike="noStrike" cap="none">
         <a:solidFill>
           <a:srgbClr val="000000"/>
         </a:solidFill>
@@ -201,7 +211,7 @@
         <a:sym typeface="Arial"/>
       </a:defRPr>
     </a:lvl7pPr>
-    <a:lvl8pPr lvl="7" marR="0" rtl="0" algn="l">
+    <a:lvl8pPr marR="0" lvl="7" algn="l" rtl="0">
       <a:lnSpc>
         <a:spcPct val="100000"/>
       </a:lnSpc>
@@ -215,7 +225,7 @@
         <a:srgbClr val="000000"/>
       </a:buClr>
       <a:buFont typeface="Arial"/>
-      <a:defRPr b="0" i="0" sz="1400" u="none" cap="none" strike="noStrike">
+      <a:defRPr sz="1400" b="0" i="0" u="none" strike="noStrike" cap="none">
         <a:solidFill>
           <a:srgbClr val="000000"/>
         </a:solidFill>
@@ -225,7 +235,7 @@
         <a:sym typeface="Arial"/>
       </a:defRPr>
     </a:lvl8pPr>
-    <a:lvl9pPr lvl="8" marR="0" rtl="0" algn="l">
+    <a:lvl9pPr marR="0" lvl="8" algn="l" rtl="0">
       <a:lnSpc>
         <a:spcPct val="100000"/>
       </a:lnSpc>
@@ -239,7 +249,7 @@
         <a:srgbClr val="000000"/>
       </a:buClr>
       <a:buFont typeface="Arial"/>
-      <a:defRPr b="0" i="0" sz="1400" u="none" cap="none" strike="noStrike">
+      <a:defRPr sz="1400" b="0" i="0" u="none" strike="noStrike" cap="none">
         <a:solidFill>
           <a:srgbClr val="000000"/>
         </a:solidFill>
@@ -252,7 +262,7 @@
   </p:defaultTextStyle>
   <p:extLst>
     <p:ext uri="{EFAFB233-063F-42B5-8137-9DF3F51BA10A}">
-      <p15:sldGuideLst>
+      <p15:sldGuideLst xmlns:p15="http://schemas.microsoft.com/office/powerpoint/2012/main">
         <p15:guide id="1" orient="horz" pos="1620">
           <p15:clr>
             <a:srgbClr val="A4A3A4"/>
@@ -270,11 +280,16 @@
 </file>
 
 <file path=ppt/notesMasters/notesMaster1.xml><?xml version="1.0" encoding="utf-8"?>
-<p:notesMaster xmlns:a="http://schemas.openxmlformats.org/drawingml/2006/main" xmlns:r="http://schemas.openxmlformats.org/officeDocument/2006/relationships" xmlns:mc="http://schemas.openxmlformats.org/markup-compatibility/2006" xmlns:mv="urn:schemas-microsoft-com:mac:vml" xmlns:p="http://schemas.openxmlformats.org/presentationml/2006/main" xmlns:c="http://schemas.openxmlformats.org/drawingml/2006/chart" xmlns:dgm="http://schemas.openxmlformats.org/drawingml/2006/diagram" xmlns:o="urn:schemas-microsoft-com:office:office" xmlns:v="urn:schemas-microsoft-com:vml" xmlns:pvml="urn:schemas-microsoft-com:office:powerpoint" xmlns:com="http://schemas.openxmlformats.org/drawingml/2006/compatibility" xmlns:p14="http://schemas.microsoft.com/office/powerpoint/2010/main" xmlns:p15="http://schemas.microsoft.com/office/powerpoint/2012/main" xmlns:ahyp="http://schemas.microsoft.com/office/drawing/2018/hyperlinkcolor">
+<p:notesMaster xmlns:a="http://schemas.openxmlformats.org/drawingml/2006/main" xmlns:r="http://schemas.openxmlformats.org/officeDocument/2006/relationships" xmlns:p="http://schemas.openxmlformats.org/presentationml/2006/main">
   <p:cSld>
+    <p:bg>
+      <p:bgRef idx="1001">
+        <a:schemeClr val="bg1"/>
+      </p:bgRef>
+    </p:bg>
     <p:spTree>
       <p:nvGrpSpPr>
-        <p:cNvPr id="2" name="Shape 2"/>
+        <p:cNvPr id="1" name="Shape 2"/>
         <p:cNvGrpSpPr/>
         <p:nvPr/>
       </p:nvGrpSpPr>
@@ -289,9 +304,11 @@
       <p:sp>
         <p:nvSpPr>
           <p:cNvPr id="3" name="Google Shape;3;n"/>
-          <p:cNvSpPr/>
+          <p:cNvSpPr>
+            <a:spLocks noGrp="1" noRot="1" noChangeAspect="1"/>
+          </p:cNvSpPr>
           <p:nvPr>
-            <p:ph idx="2" type="sldImg"/>
+            <p:ph type="sldImg" idx="2"/>
           </p:nvPr>
         </p:nvSpPr>
         <p:spPr>
@@ -300,9 +317,13 @@
             <a:ext cx="6096075" cy="3429000"/>
           </a:xfrm>
           <a:custGeom>
-            <a:rect b="b" l="l" r="r" t="t"/>
+            <a:avLst/>
+            <a:gdLst/>
+            <a:ahLst/>
+            <a:cxnLst/>
+            <a:rect l="l" t="t" r="r" b="b"/>
             <a:pathLst>
-              <a:path extrusionOk="0" h="120000" w="120000">
+              <a:path w="120000" h="120000" extrusionOk="0">
                 <a:moveTo>
                   <a:pt x="0" y="0"/>
                 </a:moveTo>
@@ -320,23 +341,25 @@
             </a:pathLst>
           </a:custGeom>
           <a:noFill/>
-          <a:ln cap="flat" cmpd="sng" w="9525">
+          <a:ln w="9525" cap="flat" cmpd="sng">
             <a:solidFill>
               <a:srgbClr val="000000"/>
             </a:solidFill>
             <a:prstDash val="solid"/>
             <a:round/>
-            <a:headEnd len="sm" w="sm" type="none"/>
-            <a:tailEnd len="sm" w="sm" type="none"/>
+            <a:headEnd type="none" w="sm" len="sm"/>
+            <a:tailEnd type="none" w="sm" len="sm"/>
           </a:ln>
         </p:spPr>
       </p:sp>
       <p:sp>
         <p:nvSpPr>
           <p:cNvPr id="4" name="Google Shape;4;n"/>
-          <p:cNvSpPr txBox="1"/>
+          <p:cNvSpPr txBox="1">
+            <a:spLocks noGrp="1"/>
+          </p:cNvSpPr>
           <p:nvPr>
-            <p:ph idx="1" type="body"/>
+            <p:ph type="body" idx="1"/>
           </p:nvPr>
         </p:nvSpPr>
         <p:spPr>
@@ -353,11 +376,11 @@
           </a:ln>
         </p:spPr>
         <p:txBody>
-          <a:bodyPr anchorCtr="0" anchor="t" bIns="91425" lIns="91425" spcFirstLastPara="1" rIns="91425" wrap="square" tIns="91425">
+          <a:bodyPr spcFirstLastPara="1" wrap="square" lIns="91425" tIns="91425" rIns="91425" bIns="91425" anchor="t" anchorCtr="0">
             <a:noAutofit/>
           </a:bodyPr>
           <a:lstStyle>
-            <a:lvl1pPr indent="-298450" lvl="0" marL="457200">
+            <a:lvl1pPr marL="457200" lvl="0" indent="-298450">
               <a:spcBef>
                 <a:spcPts val="0"/>
               </a:spcBef>
@@ -368,7 +391,7 @@
               <a:buChar char="●"/>
               <a:defRPr sz="1100"/>
             </a:lvl1pPr>
-            <a:lvl2pPr indent="-298450" lvl="1" marL="914400">
+            <a:lvl2pPr marL="914400" lvl="1" indent="-298450">
               <a:spcBef>
                 <a:spcPts val="0"/>
               </a:spcBef>
@@ -379,7 +402,7 @@
               <a:buChar char="○"/>
               <a:defRPr sz="1100"/>
             </a:lvl2pPr>
-            <a:lvl3pPr indent="-298450" lvl="2" marL="1371600">
+            <a:lvl3pPr marL="1371600" lvl="2" indent="-298450">
               <a:spcBef>
                 <a:spcPts val="0"/>
               </a:spcBef>
@@ -390,7 +413,7 @@
               <a:buChar char="■"/>
               <a:defRPr sz="1100"/>
             </a:lvl3pPr>
-            <a:lvl4pPr indent="-298450" lvl="3" marL="1828800">
+            <a:lvl4pPr marL="1828800" lvl="3" indent="-298450">
               <a:spcBef>
                 <a:spcPts val="0"/>
               </a:spcBef>
@@ -401,7 +424,7 @@
               <a:buChar char="●"/>
               <a:defRPr sz="1100"/>
             </a:lvl4pPr>
-            <a:lvl5pPr indent="-298450" lvl="4" marL="2286000">
+            <a:lvl5pPr marL="2286000" lvl="4" indent="-298450">
               <a:spcBef>
                 <a:spcPts val="0"/>
               </a:spcBef>
@@ -412,7 +435,7 @@
               <a:buChar char="○"/>
               <a:defRPr sz="1100"/>
             </a:lvl5pPr>
-            <a:lvl6pPr indent="-298450" lvl="5" marL="2743200">
+            <a:lvl6pPr marL="2743200" lvl="5" indent="-298450">
               <a:spcBef>
                 <a:spcPts val="0"/>
               </a:spcBef>
@@ -423,7 +446,7 @@
               <a:buChar char="■"/>
               <a:defRPr sz="1100"/>
             </a:lvl6pPr>
-            <a:lvl7pPr indent="-298450" lvl="6" marL="3200400">
+            <a:lvl7pPr marL="3200400" lvl="6" indent="-298450">
               <a:spcBef>
                 <a:spcPts val="0"/>
               </a:spcBef>
@@ -434,7 +457,7 @@
               <a:buChar char="●"/>
               <a:defRPr sz="1100"/>
             </a:lvl7pPr>
-            <a:lvl8pPr indent="-298450" lvl="7" marL="3657600">
+            <a:lvl8pPr marL="3657600" lvl="7" indent="-298450">
               <a:spcBef>
                 <a:spcPts val="0"/>
               </a:spcBef>
@@ -445,7 +468,7 @@
               <a:buChar char="○"/>
               <a:defRPr sz="1100"/>
             </a:lvl8pPr>
-            <a:lvl9pPr indent="-298450" lvl="8" marL="4114800">
+            <a:lvl9pPr marL="4114800" lvl="8" indent="-298450">
               <a:spcBef>
                 <a:spcPts val="0"/>
               </a:spcBef>
@@ -457,14 +480,16 @@
               <a:defRPr sz="1100"/>
             </a:lvl9pPr>
           </a:lstStyle>
-          <a:p/>
+          <a:p>
+            <a:endParaRPr/>
+          </a:p>
         </p:txBody>
       </p:sp>
     </p:spTree>
   </p:cSld>
-  <p:clrMap accent1="accent1" accent2="accent2" accent3="accent3" accent4="accent4" accent5="accent5" accent6="accent6" bg1="lt1" bg2="dk2" tx1="dk1" tx2="lt2" folHlink="folHlink" hlink="hlink"/>
+  <p:clrMap bg1="lt1" tx1="dk1" bg2="dk2" tx2="lt2" accent1="accent1" accent2="accent2" accent3="accent3" accent4="accent4" accent5="accent5" accent6="accent6" hlink="hlink" folHlink="folHlink"/>
   <p:notesStyle>
-    <a:defPPr lvl="0" marR="0" rtl="0" algn="l">
+    <a:defPPr marR="0" lvl="0" algn="l" rtl="0">
       <a:lnSpc>
         <a:spcPct val="100000"/>
       </a:lnSpc>
@@ -475,7 +500,7 @@
         <a:spcPts val="0"/>
       </a:spcAft>
     </a:defPPr>
-    <a:lvl1pPr lvl="0" marR="0" rtl="0" algn="l">
+    <a:lvl1pPr marR="0" lvl="0" algn="l" rtl="0">
       <a:lnSpc>
         <a:spcPct val="100000"/>
       </a:lnSpc>
@@ -489,7 +514,7 @@
         <a:srgbClr val="000000"/>
       </a:buClr>
       <a:buFont typeface="Arial"/>
-      <a:defRPr b="0" i="0" sz="1400" u="none" cap="none" strike="noStrike">
+      <a:defRPr sz="1400" b="0" i="0" u="none" strike="noStrike" cap="none">
         <a:solidFill>
           <a:srgbClr val="000000"/>
         </a:solidFill>
@@ -499,7 +524,7 @@
         <a:sym typeface="Arial"/>
       </a:defRPr>
     </a:lvl1pPr>
-    <a:lvl2pPr lvl="1" marR="0" rtl="0" algn="l">
+    <a:lvl2pPr marR="0" lvl="1" algn="l" rtl="0">
       <a:lnSpc>
         <a:spcPct val="100000"/>
       </a:lnSpc>
@@ -513,7 +538,7 @@
         <a:srgbClr val="000000"/>
       </a:buClr>
       <a:buFont typeface="Arial"/>
-      <a:defRPr b="0" i="0" sz="1400" u="none" cap="none" strike="noStrike">
+      <a:defRPr sz="1400" b="0" i="0" u="none" strike="noStrike" cap="none">
         <a:solidFill>
           <a:srgbClr val="000000"/>
         </a:solidFill>
@@ -523,7 +548,7 @@
         <a:sym typeface="Arial"/>
       </a:defRPr>
     </a:lvl2pPr>
-    <a:lvl3pPr lvl="2" marR="0" rtl="0" algn="l">
+    <a:lvl3pPr marR="0" lvl="2" algn="l" rtl="0">
       <a:lnSpc>
         <a:spcPct val="100000"/>
       </a:lnSpc>
@@ -537,7 +562,7 @@
         <a:srgbClr val="000000"/>
       </a:buClr>
       <a:buFont typeface="Arial"/>
-      <a:defRPr b="0" i="0" sz="1400" u="none" cap="none" strike="noStrike">
+      <a:defRPr sz="1400" b="0" i="0" u="none" strike="noStrike" cap="none">
         <a:solidFill>
           <a:srgbClr val="000000"/>
         </a:solidFill>
@@ -547,7 +572,7 @@
         <a:sym typeface="Arial"/>
       </a:defRPr>
     </a:lvl3pPr>
-    <a:lvl4pPr lvl="3" marR="0" rtl="0" algn="l">
+    <a:lvl4pPr marR="0" lvl="3" algn="l" rtl="0">
       <a:lnSpc>
         <a:spcPct val="100000"/>
       </a:lnSpc>
@@ -561,7 +586,7 @@
         <a:srgbClr val="000000"/>
       </a:buClr>
       <a:buFont typeface="Arial"/>
-      <a:defRPr b="0" i="0" sz="1400" u="none" cap="none" strike="noStrike">
+      <a:defRPr sz="1400" b="0" i="0" u="none" strike="noStrike" cap="none">
         <a:solidFill>
           <a:srgbClr val="000000"/>
         </a:solidFill>
@@ -571,7 +596,7 @@
         <a:sym typeface="Arial"/>
       </a:defRPr>
     </a:lvl4pPr>
-    <a:lvl5pPr lvl="4" marR="0" rtl="0" algn="l">
+    <a:lvl5pPr marR="0" lvl="4" algn="l" rtl="0">
       <a:lnSpc>
         <a:spcPct val="100000"/>
       </a:lnSpc>
@@ -585,7 +610,7 @@
         <a:srgbClr val="000000"/>
       </a:buClr>
       <a:buFont typeface="Arial"/>
-      <a:defRPr b="0" i="0" sz="1400" u="none" cap="none" strike="noStrike">
+      <a:defRPr sz="1400" b="0" i="0" u="none" strike="noStrike" cap="none">
         <a:solidFill>
           <a:srgbClr val="000000"/>
         </a:solidFill>
@@ -595,7 +620,7 @@
         <a:sym typeface="Arial"/>
       </a:defRPr>
     </a:lvl5pPr>
-    <a:lvl6pPr lvl="5" marR="0" rtl="0" algn="l">
+    <a:lvl6pPr marR="0" lvl="5" algn="l" rtl="0">
       <a:lnSpc>
         <a:spcPct val="100000"/>
       </a:lnSpc>
@@ -609,7 +634,7 @@
         <a:srgbClr val="000000"/>
       </a:buClr>
       <a:buFont typeface="Arial"/>
-      <a:defRPr b="0" i="0" sz="1400" u="none" cap="none" strike="noStrike">
+      <a:defRPr sz="1400" b="0" i="0" u="none" strike="noStrike" cap="none">
         <a:solidFill>
           <a:srgbClr val="000000"/>
         </a:solidFill>
@@ -619,7 +644,7 @@
         <a:sym typeface="Arial"/>
       </a:defRPr>
     </a:lvl6pPr>
-    <a:lvl7pPr lvl="6" marR="0" rtl="0" algn="l">
+    <a:lvl7pPr marR="0" lvl="6" algn="l" rtl="0">
       <a:lnSpc>
         <a:spcPct val="100000"/>
       </a:lnSpc>
@@ -633,7 +658,7 @@
         <a:srgbClr val="000000"/>
       </a:buClr>
       <a:buFont typeface="Arial"/>
-      <a:defRPr b="0" i="0" sz="1400" u="none" cap="none" strike="noStrike">
+      <a:defRPr sz="1400" b="0" i="0" u="none" strike="noStrike" cap="none">
         <a:solidFill>
           <a:srgbClr val="000000"/>
         </a:solidFill>
@@ -643,7 +668,7 @@
         <a:sym typeface="Arial"/>
       </a:defRPr>
     </a:lvl7pPr>
-    <a:lvl8pPr lvl="7" marR="0" rtl="0" algn="l">
+    <a:lvl8pPr marR="0" lvl="7" algn="l" rtl="0">
       <a:lnSpc>
         <a:spcPct val="100000"/>
       </a:lnSpc>
@@ -657,7 +682,7 @@
         <a:srgbClr val="000000"/>
       </a:buClr>
       <a:buFont typeface="Arial"/>
-      <a:defRPr b="0" i="0" sz="1400" u="none" cap="none" strike="noStrike">
+      <a:defRPr sz="1400" b="0" i="0" u="none" strike="noStrike" cap="none">
         <a:solidFill>
           <a:srgbClr val="000000"/>
         </a:solidFill>
@@ -667,7 +692,7 @@
         <a:sym typeface="Arial"/>
       </a:defRPr>
     </a:lvl8pPr>
-    <a:lvl9pPr lvl="8" marR="0" rtl="0" algn="l">
+    <a:lvl9pPr marR="0" lvl="8" algn="l" rtl="0">
       <a:lnSpc>
         <a:spcPct val="100000"/>
       </a:lnSpc>
@@ -681,7 +706,7 @@
         <a:srgbClr val="000000"/>
       </a:buClr>
       <a:buFont typeface="Arial"/>
-      <a:defRPr b="0" i="0" sz="1400" u="none" cap="none" strike="noStrike">
+      <a:defRPr sz="1400" b="0" i="0" u="none" strike="noStrike" cap="none">
         <a:solidFill>
           <a:srgbClr val="000000"/>
         </a:solidFill>
@@ -696,11 +721,115 @@
 </file>
 
 <file path=ppt/notesSlides/notesSlide1.xml><?xml version="1.0" encoding="utf-8"?>
-<p:notes xmlns:a="http://schemas.openxmlformats.org/drawingml/2006/main" xmlns:r="http://schemas.openxmlformats.org/officeDocument/2006/relationships" xmlns:mc="http://schemas.openxmlformats.org/markup-compatibility/2006" xmlns:mv="urn:schemas-microsoft-com:mac:vml" xmlns:p="http://schemas.openxmlformats.org/presentationml/2006/main" xmlns:c="http://schemas.openxmlformats.org/drawingml/2006/chart" xmlns:dgm="http://schemas.openxmlformats.org/drawingml/2006/diagram" xmlns:o="urn:schemas-microsoft-com:office:office" xmlns:v="urn:schemas-microsoft-com:vml" xmlns:pvml="urn:schemas-microsoft-com:office:powerpoint" xmlns:com="http://schemas.openxmlformats.org/drawingml/2006/compatibility" xmlns:p14="http://schemas.microsoft.com/office/powerpoint/2010/main" xmlns:p15="http://schemas.microsoft.com/office/powerpoint/2012/main" xmlns:ahyp="http://schemas.microsoft.com/office/drawing/2018/hyperlinkcolor" showMasterPhAnim="0" showMasterSp="0">
+<p:notes xmlns:a="http://schemas.openxmlformats.org/drawingml/2006/main" xmlns:r="http://schemas.openxmlformats.org/officeDocument/2006/relationships" xmlns:p="http://schemas.openxmlformats.org/presentationml/2006/main" showMasterSp="0" showMasterPhAnim="0">
   <p:cSld>
     <p:spTree>
       <p:nvGrpSpPr>
-        <p:cNvPr id="50" name="Shape 50"/>
+        <p:cNvPr id="1" name="Shape 95"/>
+        <p:cNvGrpSpPr/>
+        <p:nvPr/>
+      </p:nvGrpSpPr>
+      <p:grpSpPr>
+        <a:xfrm>
+          <a:off x="0" y="0"/>
+          <a:ext cx="0" cy="0"/>
+          <a:chOff x="0" y="0"/>
+          <a:chExt cx="0" cy="0"/>
+        </a:xfrm>
+      </p:grpSpPr>
+      <p:sp>
+        <p:nvSpPr>
+          <p:cNvPr id="96" name="Google Shape;96;gf84eb88aa7_0_0:notes"/>
+          <p:cNvSpPr>
+            <a:spLocks noGrp="1" noRot="1" noChangeAspect="1"/>
+          </p:cNvSpPr>
+          <p:nvPr>
+            <p:ph type="sldImg" idx="2"/>
+          </p:nvPr>
+        </p:nvSpPr>
+        <p:spPr>
+          <a:xfrm>
+            <a:off x="381000" y="685800"/>
+            <a:ext cx="6096000" cy="3429000"/>
+          </a:xfrm>
+          <a:custGeom>
+            <a:avLst/>
+            <a:gdLst/>
+            <a:ahLst/>
+            <a:cxnLst/>
+            <a:rect l="l" t="t" r="r" b="b"/>
+            <a:pathLst>
+              <a:path w="120000" h="120000" extrusionOk="0">
+                <a:moveTo>
+                  <a:pt x="0" y="0"/>
+                </a:moveTo>
+                <a:lnTo>
+                  <a:pt x="120000" y="0"/>
+                </a:lnTo>
+                <a:lnTo>
+                  <a:pt x="120000" y="120000"/>
+                </a:lnTo>
+                <a:lnTo>
+                  <a:pt x="0" y="120000"/>
+                </a:lnTo>
+                <a:close/>
+              </a:path>
+            </a:pathLst>
+          </a:custGeom>
+        </p:spPr>
+      </p:sp>
+      <p:sp>
+        <p:nvSpPr>
+          <p:cNvPr id="97" name="Google Shape;97;gf84eb88aa7_0_0:notes"/>
+          <p:cNvSpPr txBox="1">
+            <a:spLocks noGrp="1"/>
+          </p:cNvSpPr>
+          <p:nvPr>
+            <p:ph type="body" idx="1"/>
+          </p:nvPr>
+        </p:nvSpPr>
+        <p:spPr>
+          <a:xfrm>
+            <a:off x="685800" y="4343400"/>
+            <a:ext cx="5486400" cy="4114800"/>
+          </a:xfrm>
+          <a:prstGeom prst="rect">
+            <a:avLst/>
+          </a:prstGeom>
+        </p:spPr>
+        <p:txBody>
+          <a:bodyPr spcFirstLastPara="1" wrap="square" lIns="91425" tIns="91425" rIns="91425" bIns="91425" anchor="t" anchorCtr="0">
+            <a:noAutofit/>
+          </a:bodyPr>
+          <a:lstStyle/>
+          <a:p>
+            <a:pPr marL="0" lvl="0" indent="0" algn="l" rtl="0">
+              <a:spcBef>
+                <a:spcPts val="0"/>
+              </a:spcBef>
+              <a:spcAft>
+                <a:spcPts val="0"/>
+              </a:spcAft>
+              <a:buNone/>
+            </a:pPr>
+            <a:endParaRPr/>
+          </a:p>
+        </p:txBody>
+      </p:sp>
+    </p:spTree>
+  </p:cSld>
+  <p:clrMapOvr>
+    <a:masterClrMapping/>
+  </p:clrMapOvr>
+</p:notes>
+</file>
+
+<file path=ppt/notesSlides/notesSlide2.xml><?xml version="1.0" encoding="utf-8"?>
+<p:notes xmlns:a="http://schemas.openxmlformats.org/drawingml/2006/main" xmlns:r="http://schemas.openxmlformats.org/officeDocument/2006/relationships" xmlns:p="http://schemas.openxmlformats.org/presentationml/2006/main" showMasterSp="0" showMasterPhAnim="0">
+  <p:cSld>
+    <p:spTree>
+      <p:nvGrpSpPr>
+        <p:cNvPr id="1" name="Shape 50"/>
         <p:cNvGrpSpPr/>
         <p:nvPr/>
       </p:nvGrpSpPr>
@@ -715,20 +844,26 @@
       <p:sp>
         <p:nvSpPr>
           <p:cNvPr id="51" name="Google Shape;51;g109baabb656_0_0:notes"/>
-          <p:cNvSpPr/>
+          <p:cNvSpPr>
+            <a:spLocks noGrp="1" noRot="1" noChangeAspect="1"/>
+          </p:cNvSpPr>
           <p:nvPr>
-            <p:ph idx="2" type="sldImg"/>
+            <p:ph type="sldImg" idx="2"/>
           </p:nvPr>
         </p:nvSpPr>
         <p:spPr>
           <a:xfrm>
-            <a:off x="381300" y="685800"/>
+            <a:off x="381000" y="685800"/>
             <a:ext cx="6096000" cy="3429000"/>
           </a:xfrm>
           <a:custGeom>
-            <a:rect b="b" l="l" r="r" t="t"/>
+            <a:avLst/>
+            <a:gdLst/>
+            <a:ahLst/>
+            <a:cxnLst/>
+            <a:rect l="l" t="t" r="r" b="b"/>
             <a:pathLst>
-              <a:path extrusionOk="0" h="120000" w="120000">
+              <a:path w="120000" h="120000" extrusionOk="0">
                 <a:moveTo>
                   <a:pt x="0" y="0"/>
                 </a:moveTo>
@@ -750,9 +885,11 @@
       <p:sp>
         <p:nvSpPr>
           <p:cNvPr id="52" name="Google Shape;52;g109baabb656_0_0:notes"/>
-          <p:cNvSpPr txBox="1"/>
+          <p:cNvSpPr txBox="1">
+            <a:spLocks noGrp="1"/>
+          </p:cNvSpPr>
           <p:nvPr>
-            <p:ph idx="1" type="body"/>
+            <p:ph type="body" idx="1"/>
           </p:nvPr>
         </p:nvSpPr>
         <p:spPr>
@@ -765,12 +902,12 @@
           </a:prstGeom>
         </p:spPr>
         <p:txBody>
-          <a:bodyPr anchorCtr="0" anchor="t" bIns="91425" lIns="91425" spcFirstLastPara="1" rIns="91425" wrap="square" tIns="91425">
+          <a:bodyPr spcFirstLastPara="1" wrap="square" lIns="91425" tIns="91425" rIns="91425" bIns="91425" anchor="t" anchorCtr="0">
             <a:noAutofit/>
           </a:bodyPr>
           <a:lstStyle/>
           <a:p>
-            <a:pPr indent="0" lvl="0" marL="0" rtl="0" algn="l">
+            <a:pPr marL="0" lvl="0" indent="0" algn="l" rtl="0">
               <a:spcBef>
                 <a:spcPts val="0"/>
               </a:spcBef>
@@ -779,9 +916,115 @@
               </a:spcAft>
               <a:buNone/>
             </a:pPr>
-            <a:r>
-              <a:t/>
-            </a:r>
+            <a:endParaRPr/>
+          </a:p>
+        </p:txBody>
+      </p:sp>
+    </p:spTree>
+    <p:extLst>
+      <p:ext uri="{BB962C8B-B14F-4D97-AF65-F5344CB8AC3E}">
+        <p14:creationId xmlns:p14="http://schemas.microsoft.com/office/powerpoint/2010/main" val="4292383251"/>
+      </p:ext>
+    </p:extLst>
+  </p:cSld>
+  <p:clrMapOvr>
+    <a:masterClrMapping/>
+  </p:clrMapOvr>
+</p:notes>
+</file>
+
+<file path=ppt/notesSlides/notesSlide3.xml><?xml version="1.0" encoding="utf-8"?>
+<p:notes xmlns:a="http://schemas.openxmlformats.org/drawingml/2006/main" xmlns:r="http://schemas.openxmlformats.org/officeDocument/2006/relationships" xmlns:p="http://schemas.openxmlformats.org/presentationml/2006/main" showMasterSp="0" showMasterPhAnim="0">
+  <p:cSld>
+    <p:spTree>
+      <p:nvGrpSpPr>
+        <p:cNvPr id="1" name="Shape 50"/>
+        <p:cNvGrpSpPr/>
+        <p:nvPr/>
+      </p:nvGrpSpPr>
+      <p:grpSpPr>
+        <a:xfrm>
+          <a:off x="0" y="0"/>
+          <a:ext cx="0" cy="0"/>
+          <a:chOff x="0" y="0"/>
+          <a:chExt cx="0" cy="0"/>
+        </a:xfrm>
+      </p:grpSpPr>
+      <p:sp>
+        <p:nvSpPr>
+          <p:cNvPr id="51" name="Google Shape;51;g109baabb656_0_0:notes"/>
+          <p:cNvSpPr>
+            <a:spLocks noGrp="1" noRot="1" noChangeAspect="1"/>
+          </p:cNvSpPr>
+          <p:nvPr>
+            <p:ph type="sldImg" idx="2"/>
+          </p:nvPr>
+        </p:nvSpPr>
+        <p:spPr>
+          <a:xfrm>
+            <a:off x="381000" y="685800"/>
+            <a:ext cx="6096000" cy="3429000"/>
+          </a:xfrm>
+          <a:custGeom>
+            <a:avLst/>
+            <a:gdLst/>
+            <a:ahLst/>
+            <a:cxnLst/>
+            <a:rect l="l" t="t" r="r" b="b"/>
+            <a:pathLst>
+              <a:path w="120000" h="120000" extrusionOk="0">
+                <a:moveTo>
+                  <a:pt x="0" y="0"/>
+                </a:moveTo>
+                <a:lnTo>
+                  <a:pt x="120000" y="0"/>
+                </a:lnTo>
+                <a:lnTo>
+                  <a:pt x="120000" y="120000"/>
+                </a:lnTo>
+                <a:lnTo>
+                  <a:pt x="0" y="120000"/>
+                </a:lnTo>
+                <a:close/>
+              </a:path>
+            </a:pathLst>
+          </a:custGeom>
+        </p:spPr>
+      </p:sp>
+      <p:sp>
+        <p:nvSpPr>
+          <p:cNvPr id="52" name="Google Shape;52;g109baabb656_0_0:notes"/>
+          <p:cNvSpPr txBox="1">
+            <a:spLocks noGrp="1"/>
+          </p:cNvSpPr>
+          <p:nvPr>
+            <p:ph type="body" idx="1"/>
+          </p:nvPr>
+        </p:nvSpPr>
+        <p:spPr>
+          <a:xfrm>
+            <a:off x="685800" y="4343400"/>
+            <a:ext cx="5486400" cy="4114800"/>
+          </a:xfrm>
+          <a:prstGeom prst="rect">
+            <a:avLst/>
+          </a:prstGeom>
+        </p:spPr>
+        <p:txBody>
+          <a:bodyPr spcFirstLastPara="1" wrap="square" lIns="91425" tIns="91425" rIns="91425" bIns="91425" anchor="t" anchorCtr="0">
+            <a:noAutofit/>
+          </a:bodyPr>
+          <a:lstStyle/>
+          <a:p>
+            <a:pPr marL="0" lvl="0" indent="0" algn="l" rtl="0">
+              <a:spcBef>
+                <a:spcPts val="0"/>
+              </a:spcBef>
+              <a:spcAft>
+                <a:spcPts val="0"/>
+              </a:spcAft>
+              <a:buNone/>
+            </a:pPr>
             <a:endParaRPr/>
           </a:p>
         </p:txBody>
@@ -794,8 +1037,335 @@
 </p:notes>
 </file>
 
+<file path=ppt/notesSlides/notesSlide4.xml><?xml version="1.0" encoding="utf-8"?>
+<p:notes xmlns:a="http://schemas.openxmlformats.org/drawingml/2006/main" xmlns:r="http://schemas.openxmlformats.org/officeDocument/2006/relationships" xmlns:p="http://schemas.openxmlformats.org/presentationml/2006/main" showMasterSp="0" showMasterPhAnim="0">
+  <p:cSld>
+    <p:spTree>
+      <p:nvGrpSpPr>
+        <p:cNvPr id="1" name="Shape 50"/>
+        <p:cNvGrpSpPr/>
+        <p:nvPr/>
+      </p:nvGrpSpPr>
+      <p:grpSpPr>
+        <a:xfrm>
+          <a:off x="0" y="0"/>
+          <a:ext cx="0" cy="0"/>
+          <a:chOff x="0" y="0"/>
+          <a:chExt cx="0" cy="0"/>
+        </a:xfrm>
+      </p:grpSpPr>
+      <p:sp>
+        <p:nvSpPr>
+          <p:cNvPr id="51" name="Google Shape;51;g109baabb656_0_0:notes"/>
+          <p:cNvSpPr>
+            <a:spLocks noGrp="1" noRot="1" noChangeAspect="1"/>
+          </p:cNvSpPr>
+          <p:nvPr>
+            <p:ph type="sldImg" idx="2"/>
+          </p:nvPr>
+        </p:nvSpPr>
+        <p:spPr>
+          <a:xfrm>
+            <a:off x="381000" y="685800"/>
+            <a:ext cx="6096000" cy="3429000"/>
+          </a:xfrm>
+          <a:custGeom>
+            <a:avLst/>
+            <a:gdLst/>
+            <a:ahLst/>
+            <a:cxnLst/>
+            <a:rect l="l" t="t" r="r" b="b"/>
+            <a:pathLst>
+              <a:path w="120000" h="120000" extrusionOk="0">
+                <a:moveTo>
+                  <a:pt x="0" y="0"/>
+                </a:moveTo>
+                <a:lnTo>
+                  <a:pt x="120000" y="0"/>
+                </a:lnTo>
+                <a:lnTo>
+                  <a:pt x="120000" y="120000"/>
+                </a:lnTo>
+                <a:lnTo>
+                  <a:pt x="0" y="120000"/>
+                </a:lnTo>
+                <a:close/>
+              </a:path>
+            </a:pathLst>
+          </a:custGeom>
+        </p:spPr>
+      </p:sp>
+      <p:sp>
+        <p:nvSpPr>
+          <p:cNvPr id="52" name="Google Shape;52;g109baabb656_0_0:notes"/>
+          <p:cNvSpPr txBox="1">
+            <a:spLocks noGrp="1"/>
+          </p:cNvSpPr>
+          <p:nvPr>
+            <p:ph type="body" idx="1"/>
+          </p:nvPr>
+        </p:nvSpPr>
+        <p:spPr>
+          <a:xfrm>
+            <a:off x="685800" y="4343400"/>
+            <a:ext cx="5486400" cy="4114800"/>
+          </a:xfrm>
+          <a:prstGeom prst="rect">
+            <a:avLst/>
+          </a:prstGeom>
+        </p:spPr>
+        <p:txBody>
+          <a:bodyPr spcFirstLastPara="1" wrap="square" lIns="91425" tIns="91425" rIns="91425" bIns="91425" anchor="t" anchorCtr="0">
+            <a:noAutofit/>
+          </a:bodyPr>
+          <a:lstStyle/>
+          <a:p>
+            <a:pPr marL="0" lvl="0" indent="0" algn="l" rtl="0">
+              <a:spcBef>
+                <a:spcPts val="0"/>
+              </a:spcBef>
+              <a:spcAft>
+                <a:spcPts val="0"/>
+              </a:spcAft>
+              <a:buNone/>
+            </a:pPr>
+            <a:endParaRPr/>
+          </a:p>
+        </p:txBody>
+      </p:sp>
+    </p:spTree>
+    <p:extLst>
+      <p:ext uri="{BB962C8B-B14F-4D97-AF65-F5344CB8AC3E}">
+        <p14:creationId xmlns:p14="http://schemas.microsoft.com/office/powerpoint/2010/main" val="1804146159"/>
+      </p:ext>
+    </p:extLst>
+  </p:cSld>
+  <p:clrMapOvr>
+    <a:masterClrMapping/>
+  </p:clrMapOvr>
+</p:notes>
+</file>
+
+<file path=ppt/notesSlides/notesSlide5.xml><?xml version="1.0" encoding="utf-8"?>
+<p:notes xmlns:a="http://schemas.openxmlformats.org/drawingml/2006/main" xmlns:r="http://schemas.openxmlformats.org/officeDocument/2006/relationships" xmlns:p="http://schemas.openxmlformats.org/presentationml/2006/main" showMasterSp="0" showMasterPhAnim="0">
+  <p:cSld>
+    <p:spTree>
+      <p:nvGrpSpPr>
+        <p:cNvPr id="1" name="Shape 50"/>
+        <p:cNvGrpSpPr/>
+        <p:nvPr/>
+      </p:nvGrpSpPr>
+      <p:grpSpPr>
+        <a:xfrm>
+          <a:off x="0" y="0"/>
+          <a:ext cx="0" cy="0"/>
+          <a:chOff x="0" y="0"/>
+          <a:chExt cx="0" cy="0"/>
+        </a:xfrm>
+      </p:grpSpPr>
+      <p:sp>
+        <p:nvSpPr>
+          <p:cNvPr id="51" name="Google Shape;51;g109baabb656_0_0:notes"/>
+          <p:cNvSpPr>
+            <a:spLocks noGrp="1" noRot="1" noChangeAspect="1"/>
+          </p:cNvSpPr>
+          <p:nvPr>
+            <p:ph type="sldImg" idx="2"/>
+          </p:nvPr>
+        </p:nvSpPr>
+        <p:spPr>
+          <a:xfrm>
+            <a:off x="381000" y="685800"/>
+            <a:ext cx="6096000" cy="3429000"/>
+          </a:xfrm>
+          <a:custGeom>
+            <a:avLst/>
+            <a:gdLst/>
+            <a:ahLst/>
+            <a:cxnLst/>
+            <a:rect l="l" t="t" r="r" b="b"/>
+            <a:pathLst>
+              <a:path w="120000" h="120000" extrusionOk="0">
+                <a:moveTo>
+                  <a:pt x="0" y="0"/>
+                </a:moveTo>
+                <a:lnTo>
+                  <a:pt x="120000" y="0"/>
+                </a:lnTo>
+                <a:lnTo>
+                  <a:pt x="120000" y="120000"/>
+                </a:lnTo>
+                <a:lnTo>
+                  <a:pt x="0" y="120000"/>
+                </a:lnTo>
+                <a:close/>
+              </a:path>
+            </a:pathLst>
+          </a:custGeom>
+        </p:spPr>
+      </p:sp>
+      <p:sp>
+        <p:nvSpPr>
+          <p:cNvPr id="52" name="Google Shape;52;g109baabb656_0_0:notes"/>
+          <p:cNvSpPr txBox="1">
+            <a:spLocks noGrp="1"/>
+          </p:cNvSpPr>
+          <p:nvPr>
+            <p:ph type="body" idx="1"/>
+          </p:nvPr>
+        </p:nvSpPr>
+        <p:spPr>
+          <a:xfrm>
+            <a:off x="685800" y="4343400"/>
+            <a:ext cx="5486400" cy="4114800"/>
+          </a:xfrm>
+          <a:prstGeom prst="rect">
+            <a:avLst/>
+          </a:prstGeom>
+        </p:spPr>
+        <p:txBody>
+          <a:bodyPr spcFirstLastPara="1" wrap="square" lIns="91425" tIns="91425" rIns="91425" bIns="91425" anchor="t" anchorCtr="0">
+            <a:noAutofit/>
+          </a:bodyPr>
+          <a:lstStyle/>
+          <a:p>
+            <a:pPr marL="0" lvl="0" indent="0" algn="l" rtl="0">
+              <a:spcBef>
+                <a:spcPts val="0"/>
+              </a:spcBef>
+              <a:spcAft>
+                <a:spcPts val="0"/>
+              </a:spcAft>
+              <a:buNone/>
+            </a:pPr>
+            <a:endParaRPr/>
+          </a:p>
+        </p:txBody>
+      </p:sp>
+    </p:spTree>
+    <p:extLst>
+      <p:ext uri="{BB962C8B-B14F-4D97-AF65-F5344CB8AC3E}">
+        <p14:creationId xmlns:p14="http://schemas.microsoft.com/office/powerpoint/2010/main" val="751084900"/>
+      </p:ext>
+    </p:extLst>
+  </p:cSld>
+  <p:clrMapOvr>
+    <a:masterClrMapping/>
+  </p:clrMapOvr>
+</p:notes>
+</file>
+
+<file path=ppt/notesSlides/notesSlide6.xml><?xml version="1.0" encoding="utf-8"?>
+<p:notes xmlns:a="http://schemas.openxmlformats.org/drawingml/2006/main" xmlns:r="http://schemas.openxmlformats.org/officeDocument/2006/relationships" xmlns:p="http://schemas.openxmlformats.org/presentationml/2006/main" showMasterSp="0" showMasterPhAnim="0">
+  <p:cSld>
+    <p:spTree>
+      <p:nvGrpSpPr>
+        <p:cNvPr id="1" name="Shape 50"/>
+        <p:cNvGrpSpPr/>
+        <p:nvPr/>
+      </p:nvGrpSpPr>
+      <p:grpSpPr>
+        <a:xfrm>
+          <a:off x="0" y="0"/>
+          <a:ext cx="0" cy="0"/>
+          <a:chOff x="0" y="0"/>
+          <a:chExt cx="0" cy="0"/>
+        </a:xfrm>
+      </p:grpSpPr>
+      <p:sp>
+        <p:nvSpPr>
+          <p:cNvPr id="51" name="Google Shape;51;g109baabb656_0_0:notes"/>
+          <p:cNvSpPr>
+            <a:spLocks noGrp="1" noRot="1" noChangeAspect="1"/>
+          </p:cNvSpPr>
+          <p:nvPr>
+            <p:ph type="sldImg" idx="2"/>
+          </p:nvPr>
+        </p:nvSpPr>
+        <p:spPr>
+          <a:xfrm>
+            <a:off x="381000" y="685800"/>
+            <a:ext cx="6096000" cy="3429000"/>
+          </a:xfrm>
+          <a:custGeom>
+            <a:avLst/>
+            <a:gdLst/>
+            <a:ahLst/>
+            <a:cxnLst/>
+            <a:rect l="l" t="t" r="r" b="b"/>
+            <a:pathLst>
+              <a:path w="120000" h="120000" extrusionOk="0">
+                <a:moveTo>
+                  <a:pt x="0" y="0"/>
+                </a:moveTo>
+                <a:lnTo>
+                  <a:pt x="120000" y="0"/>
+                </a:lnTo>
+                <a:lnTo>
+                  <a:pt x="120000" y="120000"/>
+                </a:lnTo>
+                <a:lnTo>
+                  <a:pt x="0" y="120000"/>
+                </a:lnTo>
+                <a:close/>
+              </a:path>
+            </a:pathLst>
+          </a:custGeom>
+        </p:spPr>
+      </p:sp>
+      <p:sp>
+        <p:nvSpPr>
+          <p:cNvPr id="52" name="Google Shape;52;g109baabb656_0_0:notes"/>
+          <p:cNvSpPr txBox="1">
+            <a:spLocks noGrp="1"/>
+          </p:cNvSpPr>
+          <p:nvPr>
+            <p:ph type="body" idx="1"/>
+          </p:nvPr>
+        </p:nvSpPr>
+        <p:spPr>
+          <a:xfrm>
+            <a:off x="685800" y="4343400"/>
+            <a:ext cx="5486400" cy="4114800"/>
+          </a:xfrm>
+          <a:prstGeom prst="rect">
+            <a:avLst/>
+          </a:prstGeom>
+        </p:spPr>
+        <p:txBody>
+          <a:bodyPr spcFirstLastPara="1" wrap="square" lIns="91425" tIns="91425" rIns="91425" bIns="91425" anchor="t" anchorCtr="0">
+            <a:noAutofit/>
+          </a:bodyPr>
+          <a:lstStyle/>
+          <a:p>
+            <a:pPr marL="0" lvl="0" indent="0" algn="l" rtl="0">
+              <a:spcBef>
+                <a:spcPts val="0"/>
+              </a:spcBef>
+              <a:spcAft>
+                <a:spcPts val="0"/>
+              </a:spcAft>
+              <a:buNone/>
+            </a:pPr>
+            <a:endParaRPr/>
+          </a:p>
+        </p:txBody>
+      </p:sp>
+    </p:spTree>
+    <p:extLst>
+      <p:ext uri="{BB962C8B-B14F-4D97-AF65-F5344CB8AC3E}">
+        <p14:creationId xmlns:p14="http://schemas.microsoft.com/office/powerpoint/2010/main" val="3486504461"/>
+      </p:ext>
+    </p:extLst>
+  </p:cSld>
+  <p:clrMapOvr>
+    <a:masterClrMapping/>
+  </p:clrMapOvr>
+</p:notes>
+</file>
+
 <file path=ppt/slideLayouts/slideLayout1.xml><?xml version="1.0" encoding="utf-8"?>
-<p:sldLayout xmlns:a="http://schemas.openxmlformats.org/drawingml/2006/main" xmlns:r="http://schemas.openxmlformats.org/officeDocument/2006/relationships" xmlns:mc="http://schemas.openxmlformats.org/markup-compatibility/2006" xmlns:mv="urn:schemas-microsoft-com:mac:vml" xmlns:p="http://schemas.openxmlformats.org/presentationml/2006/main" xmlns:c="http://schemas.openxmlformats.org/drawingml/2006/chart" xmlns:dgm="http://schemas.openxmlformats.org/drawingml/2006/diagram" xmlns:o="urn:schemas-microsoft-com:office:office" xmlns:v="urn:schemas-microsoft-com:vml" xmlns:pvml="urn:schemas-microsoft-com:office:powerpoint" xmlns:com="http://schemas.openxmlformats.org/drawingml/2006/compatibility" xmlns:p14="http://schemas.microsoft.com/office/powerpoint/2010/main" xmlns:p15="http://schemas.microsoft.com/office/powerpoint/2012/main" xmlns:ahyp="http://schemas.microsoft.com/office/drawing/2018/hyperlinkcolor" matchingName="Title slide" type="title">
+<p:sldLayout xmlns:a="http://schemas.openxmlformats.org/drawingml/2006/main" xmlns:r="http://schemas.openxmlformats.org/officeDocument/2006/relationships" xmlns:p="http://schemas.openxmlformats.org/presentationml/2006/main" matchingName="Title slide" type="title">
   <p:cSld name="TITLE">
     <p:bg>
       <p:bgPr>
@@ -807,11 +1377,12 @@
             <a:fillRect/>
           </a:stretch>
         </a:blipFill>
+        <a:effectLst/>
       </p:bgPr>
     </p:bg>
     <p:spTree>
       <p:nvGrpSpPr>
-        <p:cNvPr id="9" name="Shape 9"/>
+        <p:cNvPr id="1" name="Shape 9"/>
         <p:cNvGrpSpPr/>
         <p:nvPr/>
       </p:nvGrpSpPr>
@@ -826,7 +1397,9 @@
       <p:sp>
         <p:nvSpPr>
           <p:cNvPr id="10" name="Google Shape;10;p2"/>
-          <p:cNvSpPr txBox="1"/>
+          <p:cNvSpPr txBox="1">
+            <a:spLocks noGrp="1"/>
+          </p:cNvSpPr>
           <p:nvPr>
             <p:ph type="ctrTitle"/>
           </p:nvPr>
@@ -841,7 +1414,7 @@
           </a:prstGeom>
         </p:spPr>
         <p:txBody>
-          <a:bodyPr anchorCtr="0" anchor="b" bIns="91425" lIns="91425" spcFirstLastPara="1" rIns="91425" wrap="square" tIns="91425">
+          <a:bodyPr spcFirstLastPara="1" wrap="square" lIns="91425" tIns="91425" rIns="91425" bIns="91425" anchor="b" anchorCtr="0">
             <a:normAutofit/>
           </a:bodyPr>
           <a:lstStyle>
@@ -857,7 +1430,7 @@
               </a:buClr>
               <a:buSzPts val="3300"/>
               <a:buNone/>
-              <a:defRPr b="1" sz="3300">
+              <a:defRPr sz="3300" b="1">
                 <a:solidFill>
                   <a:schemeClr val="lt1"/>
                 </a:solidFill>
@@ -875,7 +1448,7 @@
               </a:buClr>
               <a:buSzPts val="3300"/>
               <a:buNone/>
-              <a:defRPr b="1" sz="3300">
+              <a:defRPr sz="3300" b="1">
                 <a:solidFill>
                   <a:schemeClr val="lt1"/>
                 </a:solidFill>
@@ -893,7 +1466,7 @@
               </a:buClr>
               <a:buSzPts val="3300"/>
               <a:buNone/>
-              <a:defRPr b="1" sz="3300">
+              <a:defRPr sz="3300" b="1">
                 <a:solidFill>
                   <a:schemeClr val="lt1"/>
                 </a:solidFill>
@@ -911,7 +1484,7 @@
               </a:buClr>
               <a:buSzPts val="3300"/>
               <a:buNone/>
-              <a:defRPr b="1" sz="3300">
+              <a:defRPr sz="3300" b="1">
                 <a:solidFill>
                   <a:schemeClr val="lt1"/>
                 </a:solidFill>
@@ -929,7 +1502,7 @@
               </a:buClr>
               <a:buSzPts val="3300"/>
               <a:buNone/>
-              <a:defRPr b="1" sz="3300">
+              <a:defRPr sz="3300" b="1">
                 <a:solidFill>
                   <a:schemeClr val="lt1"/>
                 </a:solidFill>
@@ -947,7 +1520,7 @@
               </a:buClr>
               <a:buSzPts val="3300"/>
               <a:buNone/>
-              <a:defRPr b="1" sz="3300">
+              <a:defRPr sz="3300" b="1">
                 <a:solidFill>
                   <a:schemeClr val="lt1"/>
                 </a:solidFill>
@@ -965,7 +1538,7 @@
               </a:buClr>
               <a:buSzPts val="3300"/>
               <a:buNone/>
-              <a:defRPr b="1" sz="3300">
+              <a:defRPr sz="3300" b="1">
                 <a:solidFill>
                   <a:schemeClr val="lt1"/>
                 </a:solidFill>
@@ -983,7 +1556,7 @@
               </a:buClr>
               <a:buSzPts val="3300"/>
               <a:buNone/>
-              <a:defRPr b="1" sz="3300">
+              <a:defRPr sz="3300" b="1">
                 <a:solidFill>
                   <a:schemeClr val="lt1"/>
                 </a:solidFill>
@@ -1001,22 +1574,26 @@
               </a:buClr>
               <a:buSzPts val="3300"/>
               <a:buNone/>
-              <a:defRPr b="1" sz="3300">
+              <a:defRPr sz="3300" b="1">
                 <a:solidFill>
                   <a:schemeClr val="lt1"/>
                 </a:solidFill>
               </a:defRPr>
             </a:lvl9pPr>
           </a:lstStyle>
-          <a:p/>
+          <a:p>
+            <a:endParaRPr/>
+          </a:p>
         </p:txBody>
       </p:sp>
       <p:sp>
         <p:nvSpPr>
           <p:cNvPr id="11" name="Google Shape;11;p2"/>
-          <p:cNvSpPr txBox="1"/>
+          <p:cNvSpPr txBox="1">
+            <a:spLocks noGrp="1"/>
+          </p:cNvSpPr>
           <p:nvPr>
-            <p:ph idx="1" type="subTitle"/>
+            <p:ph type="subTitle" idx="1"/>
           </p:nvPr>
         </p:nvSpPr>
         <p:spPr>
@@ -1029,7 +1606,7 @@
           </a:prstGeom>
         </p:spPr>
         <p:txBody>
-          <a:bodyPr anchorCtr="0" anchor="t" bIns="91425" lIns="91425" spcFirstLastPara="1" rIns="91425" wrap="square" tIns="91425">
+          <a:bodyPr spcFirstLastPara="1" wrap="square" lIns="91425" tIns="91425" rIns="91425" bIns="91425" anchor="t" anchorCtr="0">
             <a:normAutofit/>
           </a:bodyPr>
           <a:lstStyle>
@@ -1223,15 +1800,19 @@
               </a:defRPr>
             </a:lvl9pPr>
           </a:lstStyle>
-          <a:p/>
+          <a:p>
+            <a:endParaRPr/>
+          </a:p>
         </p:txBody>
       </p:sp>
       <p:sp>
         <p:nvSpPr>
           <p:cNvPr id="12" name="Google Shape;12;p2"/>
-          <p:cNvSpPr txBox="1"/>
+          <p:cNvSpPr txBox="1">
+            <a:spLocks noGrp="1"/>
+          </p:cNvSpPr>
           <p:nvPr>
-            <p:ph idx="12" type="sldNum"/>
+            <p:ph type="sldNum" idx="12"/>
           </p:nvPr>
         </p:nvSpPr>
         <p:spPr>
@@ -1244,7 +1825,7 @@
           </a:prstGeom>
         </p:spPr>
         <p:txBody>
-          <a:bodyPr anchorCtr="0" anchor="ctr" bIns="91425" lIns="91425" spcFirstLastPara="1" rIns="91425" wrap="square" tIns="91425">
+          <a:bodyPr spcFirstLastPara="1" wrap="square" lIns="91425" tIns="91425" rIns="91425" bIns="91425" anchor="ctr" anchorCtr="0">
             <a:normAutofit/>
           </a:bodyPr>
           <a:lstStyle>
@@ -1286,7 +1867,7 @@
             </a:lvl9pPr>
           </a:lstStyle>
           <a:p>
-            <a:pPr indent="0" lvl="0" marL="0" rtl="0" algn="r">
+            <a:pPr marL="0" lvl="0" indent="0" algn="r" rtl="0">
               <a:spcBef>
                 <a:spcPts val="0"/>
               </a:spcBef>
@@ -1312,11 +1893,11 @@
 </file>
 
 <file path=ppt/slideLayouts/slideLayout10.xml><?xml version="1.0" encoding="utf-8"?>
-<p:sldLayout xmlns:a="http://schemas.openxmlformats.org/drawingml/2006/main" xmlns:r="http://schemas.openxmlformats.org/officeDocument/2006/relationships" xmlns:mc="http://schemas.openxmlformats.org/markup-compatibility/2006" xmlns:mv="urn:schemas-microsoft-com:mac:vml" xmlns:p="http://schemas.openxmlformats.org/presentationml/2006/main" xmlns:c="http://schemas.openxmlformats.org/drawingml/2006/chart" xmlns:dgm="http://schemas.openxmlformats.org/drawingml/2006/diagram" xmlns:o="urn:schemas-microsoft-com:office:office" xmlns:v="urn:schemas-microsoft-com:vml" xmlns:pvml="urn:schemas-microsoft-com:office:powerpoint" xmlns:com="http://schemas.openxmlformats.org/drawingml/2006/compatibility" xmlns:p14="http://schemas.microsoft.com/office/powerpoint/2010/main" xmlns:p15="http://schemas.microsoft.com/office/powerpoint/2012/main" xmlns:ahyp="http://schemas.microsoft.com/office/drawing/2018/hyperlinkcolor" matchingName="Big number">
+<p:sldLayout xmlns:a="http://schemas.openxmlformats.org/drawingml/2006/main" xmlns:r="http://schemas.openxmlformats.org/officeDocument/2006/relationships" xmlns:p="http://schemas.openxmlformats.org/presentationml/2006/main" matchingName="Big number">
   <p:cSld name="BIG_NUMBER">
     <p:spTree>
       <p:nvGrpSpPr>
-        <p:cNvPr id="44" name="Shape 44"/>
+        <p:cNvPr id="1" name="Shape 44"/>
         <p:cNvGrpSpPr/>
         <p:nvPr/>
       </p:nvGrpSpPr>
@@ -1331,9 +1912,11 @@
       <p:sp>
         <p:nvSpPr>
           <p:cNvPr id="45" name="Google Shape;45;p11"/>
-          <p:cNvSpPr txBox="1"/>
+          <p:cNvSpPr txBox="1">
+            <a:spLocks noGrp="1"/>
+          </p:cNvSpPr>
           <p:nvPr>
-            <p:ph hasCustomPrompt="1" type="title"/>
+            <p:ph type="title" hasCustomPrompt="1"/>
           </p:nvPr>
         </p:nvSpPr>
         <p:spPr>
@@ -1346,7 +1929,7 @@
           </a:prstGeom>
         </p:spPr>
         <p:txBody>
-          <a:bodyPr anchorCtr="0" anchor="b" bIns="91425" lIns="91425" spcFirstLastPara="1" rIns="91425" wrap="square" tIns="91425">
+          <a:bodyPr spcFirstLastPara="1" wrap="square" lIns="91425" tIns="91425" rIns="91425" bIns="91425" anchor="b" anchorCtr="0">
             <a:normAutofit/>
           </a:bodyPr>
           <a:lstStyle>
@@ -1460,9 +2043,11 @@
       <p:sp>
         <p:nvSpPr>
           <p:cNvPr id="46" name="Google Shape;46;p11"/>
-          <p:cNvSpPr txBox="1"/>
+          <p:cNvSpPr txBox="1">
+            <a:spLocks noGrp="1"/>
+          </p:cNvSpPr>
           <p:nvPr>
-            <p:ph idx="1" type="body"/>
+            <p:ph type="body" idx="1"/>
           </p:nvPr>
         </p:nvSpPr>
         <p:spPr>
@@ -1475,11 +2060,11 @@
           </a:prstGeom>
         </p:spPr>
         <p:txBody>
-          <a:bodyPr anchorCtr="0" anchor="t" bIns="91425" lIns="91425" spcFirstLastPara="1" rIns="91425" wrap="square" tIns="91425">
+          <a:bodyPr spcFirstLastPara="1" wrap="square" lIns="91425" tIns="91425" rIns="91425" bIns="91425" anchor="t" anchorCtr="0">
             <a:normAutofit/>
           </a:bodyPr>
           <a:lstStyle>
-            <a:lvl1pPr indent="-342900" lvl="0" marL="457200" algn="ctr">
+            <a:lvl1pPr marL="457200" lvl="0" indent="-342900" algn="ctr">
               <a:spcBef>
                 <a:spcPts val="0"/>
               </a:spcBef>
@@ -1490,7 +2075,7 @@
               <a:buChar char="●"/>
               <a:defRPr/>
             </a:lvl1pPr>
-            <a:lvl2pPr indent="-317500" lvl="1" marL="914400" algn="ctr">
+            <a:lvl2pPr marL="914400" lvl="1" indent="-317500" algn="ctr">
               <a:spcBef>
                 <a:spcPts val="0"/>
               </a:spcBef>
@@ -1501,7 +2086,7 @@
               <a:buChar char="○"/>
               <a:defRPr/>
             </a:lvl2pPr>
-            <a:lvl3pPr indent="-317500" lvl="2" marL="1371600" algn="ctr">
+            <a:lvl3pPr marL="1371600" lvl="2" indent="-317500" algn="ctr">
               <a:spcBef>
                 <a:spcPts val="0"/>
               </a:spcBef>
@@ -1512,7 +2097,7 @@
               <a:buChar char="■"/>
               <a:defRPr/>
             </a:lvl3pPr>
-            <a:lvl4pPr indent="-317500" lvl="3" marL="1828800" algn="ctr">
+            <a:lvl4pPr marL="1828800" lvl="3" indent="-317500" algn="ctr">
               <a:spcBef>
                 <a:spcPts val="0"/>
               </a:spcBef>
@@ -1523,7 +2108,7 @@
               <a:buChar char="●"/>
               <a:defRPr/>
             </a:lvl4pPr>
-            <a:lvl5pPr indent="-317500" lvl="4" marL="2286000" algn="ctr">
+            <a:lvl5pPr marL="2286000" lvl="4" indent="-317500" algn="ctr">
               <a:spcBef>
                 <a:spcPts val="0"/>
               </a:spcBef>
@@ -1534,7 +2119,7 @@
               <a:buChar char="○"/>
               <a:defRPr/>
             </a:lvl5pPr>
-            <a:lvl6pPr indent="-317500" lvl="5" marL="2743200" algn="ctr">
+            <a:lvl6pPr marL="2743200" lvl="5" indent="-317500" algn="ctr">
               <a:spcBef>
                 <a:spcPts val="0"/>
               </a:spcBef>
@@ -1545,7 +2130,7 @@
               <a:buChar char="■"/>
               <a:defRPr/>
             </a:lvl6pPr>
-            <a:lvl7pPr indent="-317500" lvl="6" marL="3200400" algn="ctr">
+            <a:lvl7pPr marL="3200400" lvl="6" indent="-317500" algn="ctr">
               <a:spcBef>
                 <a:spcPts val="0"/>
               </a:spcBef>
@@ -1556,7 +2141,7 @@
               <a:buChar char="●"/>
               <a:defRPr/>
             </a:lvl7pPr>
-            <a:lvl8pPr indent="-317500" lvl="7" marL="3657600" algn="ctr">
+            <a:lvl8pPr marL="3657600" lvl="7" indent="-317500" algn="ctr">
               <a:spcBef>
                 <a:spcPts val="0"/>
               </a:spcBef>
@@ -1567,7 +2152,7 @@
               <a:buChar char="○"/>
               <a:defRPr/>
             </a:lvl8pPr>
-            <a:lvl9pPr indent="-317500" lvl="8" marL="4114800" algn="ctr">
+            <a:lvl9pPr marL="4114800" lvl="8" indent="-317500" algn="ctr">
               <a:spcBef>
                 <a:spcPts val="0"/>
               </a:spcBef>
@@ -1579,15 +2164,19 @@
               <a:defRPr/>
             </a:lvl9pPr>
           </a:lstStyle>
-          <a:p/>
+          <a:p>
+            <a:endParaRPr/>
+          </a:p>
         </p:txBody>
       </p:sp>
       <p:sp>
         <p:nvSpPr>
           <p:cNvPr id="47" name="Google Shape;47;p11"/>
-          <p:cNvSpPr txBox="1"/>
+          <p:cNvSpPr txBox="1">
+            <a:spLocks noGrp="1"/>
+          </p:cNvSpPr>
           <p:nvPr>
-            <p:ph idx="12" type="sldNum"/>
+            <p:ph type="sldNum" idx="12"/>
           </p:nvPr>
         </p:nvSpPr>
         <p:spPr>
@@ -1600,7 +2189,7 @@
           </a:prstGeom>
         </p:spPr>
         <p:txBody>
-          <a:bodyPr anchorCtr="0" anchor="ctr" bIns="91425" lIns="91425" spcFirstLastPara="1" rIns="91425" wrap="square" tIns="91425">
+          <a:bodyPr spcFirstLastPara="1" wrap="square" lIns="91425" tIns="91425" rIns="91425" bIns="91425" anchor="ctr" anchorCtr="0">
             <a:normAutofit/>
           </a:bodyPr>
           <a:lstStyle>
@@ -1642,7 +2231,7 @@
             </a:lvl9pPr>
           </a:lstStyle>
           <a:p>
-            <a:pPr indent="0" lvl="0" marL="0" rtl="0" algn="r">
+            <a:pPr marL="0" lvl="0" indent="0" algn="r" rtl="0">
               <a:spcBef>
                 <a:spcPts val="0"/>
               </a:spcBef>
@@ -1668,11 +2257,11 @@
 </file>
 
 <file path=ppt/slideLayouts/slideLayout11.xml><?xml version="1.0" encoding="utf-8"?>
-<p:sldLayout xmlns:a="http://schemas.openxmlformats.org/drawingml/2006/main" xmlns:r="http://schemas.openxmlformats.org/officeDocument/2006/relationships" xmlns:mc="http://schemas.openxmlformats.org/markup-compatibility/2006" xmlns:mv="urn:schemas-microsoft-com:mac:vml" xmlns:p="http://schemas.openxmlformats.org/presentationml/2006/main" xmlns:c="http://schemas.openxmlformats.org/drawingml/2006/chart" xmlns:dgm="http://schemas.openxmlformats.org/drawingml/2006/diagram" xmlns:o="urn:schemas-microsoft-com:office:office" xmlns:v="urn:schemas-microsoft-com:vml" xmlns:pvml="urn:schemas-microsoft-com:office:powerpoint" xmlns:com="http://schemas.openxmlformats.org/drawingml/2006/compatibility" xmlns:p14="http://schemas.microsoft.com/office/powerpoint/2010/main" xmlns:p15="http://schemas.microsoft.com/office/powerpoint/2012/main" xmlns:ahyp="http://schemas.microsoft.com/office/drawing/2018/hyperlinkcolor" matchingName="Blank" type="blank">
+<p:sldLayout xmlns:a="http://schemas.openxmlformats.org/drawingml/2006/main" xmlns:r="http://schemas.openxmlformats.org/officeDocument/2006/relationships" xmlns:p="http://schemas.openxmlformats.org/presentationml/2006/main" matchingName="Blank" type="blank">
   <p:cSld name="BLANK">
     <p:spTree>
       <p:nvGrpSpPr>
-        <p:cNvPr id="48" name="Shape 48"/>
+        <p:cNvPr id="1" name="Shape 48"/>
         <p:cNvGrpSpPr/>
         <p:nvPr/>
       </p:nvGrpSpPr>
@@ -1687,9 +2276,11 @@
       <p:sp>
         <p:nvSpPr>
           <p:cNvPr id="49" name="Google Shape;49;p12"/>
-          <p:cNvSpPr txBox="1"/>
+          <p:cNvSpPr txBox="1">
+            <a:spLocks noGrp="1"/>
+          </p:cNvSpPr>
           <p:nvPr>
-            <p:ph idx="12" type="sldNum"/>
+            <p:ph type="sldNum" idx="12"/>
           </p:nvPr>
         </p:nvSpPr>
         <p:spPr>
@@ -1702,7 +2293,7 @@
           </a:prstGeom>
         </p:spPr>
         <p:txBody>
-          <a:bodyPr anchorCtr="0" anchor="ctr" bIns="91425" lIns="91425" spcFirstLastPara="1" rIns="91425" wrap="square" tIns="91425">
+          <a:bodyPr spcFirstLastPara="1" wrap="square" lIns="91425" tIns="91425" rIns="91425" bIns="91425" anchor="ctr" anchorCtr="0">
             <a:normAutofit/>
           </a:bodyPr>
           <a:lstStyle>
@@ -1744,7 +2335,7 @@
             </a:lvl9pPr>
           </a:lstStyle>
           <a:p>
-            <a:pPr indent="0" lvl="0" marL="0" rtl="0" algn="r">
+            <a:pPr marL="0" lvl="0" indent="0" algn="r" rtl="0">
               <a:spcBef>
                 <a:spcPts val="0"/>
               </a:spcBef>
@@ -1770,11 +2361,11 @@
 </file>
 
 <file path=ppt/slideLayouts/slideLayout2.xml><?xml version="1.0" encoding="utf-8"?>
-<p:sldLayout xmlns:a="http://schemas.openxmlformats.org/drawingml/2006/main" xmlns:r="http://schemas.openxmlformats.org/officeDocument/2006/relationships" xmlns:mc="http://schemas.openxmlformats.org/markup-compatibility/2006" xmlns:mv="urn:schemas-microsoft-com:mac:vml" xmlns:p="http://schemas.openxmlformats.org/presentationml/2006/main" xmlns:c="http://schemas.openxmlformats.org/drawingml/2006/chart" xmlns:dgm="http://schemas.openxmlformats.org/drawingml/2006/diagram" xmlns:o="urn:schemas-microsoft-com:office:office" xmlns:v="urn:schemas-microsoft-com:vml" xmlns:pvml="urn:schemas-microsoft-com:office:powerpoint" xmlns:com="http://schemas.openxmlformats.org/drawingml/2006/compatibility" xmlns:p14="http://schemas.microsoft.com/office/powerpoint/2010/main" xmlns:p15="http://schemas.microsoft.com/office/powerpoint/2012/main" xmlns:ahyp="http://schemas.microsoft.com/office/drawing/2018/hyperlinkcolor" matchingName="Section header" type="secHead">
+<p:sldLayout xmlns:a="http://schemas.openxmlformats.org/drawingml/2006/main" xmlns:r="http://schemas.openxmlformats.org/officeDocument/2006/relationships" xmlns:p="http://schemas.openxmlformats.org/presentationml/2006/main" matchingName="Section header" type="secHead">
   <p:cSld name="SECTION_HEADER">
     <p:spTree>
       <p:nvGrpSpPr>
-        <p:cNvPr id="13" name="Shape 13"/>
+        <p:cNvPr id="1" name="Shape 13"/>
         <p:cNvGrpSpPr/>
         <p:nvPr/>
       </p:nvGrpSpPr>
@@ -1789,7 +2380,9 @@
       <p:sp>
         <p:nvSpPr>
           <p:cNvPr id="14" name="Google Shape;14;p3"/>
-          <p:cNvSpPr txBox="1"/>
+          <p:cNvSpPr txBox="1">
+            <a:spLocks noGrp="1"/>
+          </p:cNvSpPr>
           <p:nvPr>
             <p:ph type="title"/>
           </p:nvPr>
@@ -1804,7 +2397,7 @@
           </a:prstGeom>
         </p:spPr>
         <p:txBody>
-          <a:bodyPr anchorCtr="0" anchor="ctr" bIns="91425" lIns="91425" spcFirstLastPara="1" rIns="91425" wrap="square" tIns="91425">
+          <a:bodyPr spcFirstLastPara="1" wrap="square" lIns="91425" tIns="91425" rIns="91425" bIns="91425" anchor="ctr" anchorCtr="0">
             <a:normAutofit/>
           </a:bodyPr>
           <a:lstStyle>
@@ -1908,15 +2501,19 @@
               <a:defRPr sz="3600"/>
             </a:lvl9pPr>
           </a:lstStyle>
-          <a:p/>
+          <a:p>
+            <a:endParaRPr/>
+          </a:p>
         </p:txBody>
       </p:sp>
       <p:sp>
         <p:nvSpPr>
           <p:cNvPr id="15" name="Google Shape;15;p3"/>
-          <p:cNvSpPr txBox="1"/>
+          <p:cNvSpPr txBox="1">
+            <a:spLocks noGrp="1"/>
+          </p:cNvSpPr>
           <p:nvPr>
-            <p:ph idx="12" type="sldNum"/>
+            <p:ph type="sldNum" idx="12"/>
           </p:nvPr>
         </p:nvSpPr>
         <p:spPr>
@@ -1929,7 +2526,7 @@
           </a:prstGeom>
         </p:spPr>
         <p:txBody>
-          <a:bodyPr anchorCtr="0" anchor="ctr" bIns="91425" lIns="91425" spcFirstLastPara="1" rIns="91425" wrap="square" tIns="91425">
+          <a:bodyPr spcFirstLastPara="1" wrap="square" lIns="91425" tIns="91425" rIns="91425" bIns="91425" anchor="ctr" anchorCtr="0">
             <a:normAutofit/>
           </a:bodyPr>
           <a:lstStyle>
@@ -1971,7 +2568,7 @@
             </a:lvl9pPr>
           </a:lstStyle>
           <a:p>
-            <a:pPr indent="0" lvl="0" marL="0" rtl="0" algn="r">
+            <a:pPr marL="0" lvl="0" indent="0" algn="r" rtl="0">
               <a:spcBef>
                 <a:spcPts val="0"/>
               </a:spcBef>
@@ -1997,7 +2594,7 @@
 </file>
 
 <file path=ppt/slideLayouts/slideLayout3.xml><?xml version="1.0" encoding="utf-8"?>
-<p:sldLayout xmlns:a="http://schemas.openxmlformats.org/drawingml/2006/main" xmlns:r="http://schemas.openxmlformats.org/officeDocument/2006/relationships" xmlns:mc="http://schemas.openxmlformats.org/markup-compatibility/2006" xmlns:mv="urn:schemas-microsoft-com:mac:vml" xmlns:p="http://schemas.openxmlformats.org/presentationml/2006/main" xmlns:c="http://schemas.openxmlformats.org/drawingml/2006/chart" xmlns:dgm="http://schemas.openxmlformats.org/drawingml/2006/diagram" xmlns:o="urn:schemas-microsoft-com:office:office" xmlns:v="urn:schemas-microsoft-com:vml" xmlns:pvml="urn:schemas-microsoft-com:office:powerpoint" xmlns:com="http://schemas.openxmlformats.org/drawingml/2006/compatibility" xmlns:p14="http://schemas.microsoft.com/office/powerpoint/2010/main" xmlns:p15="http://schemas.microsoft.com/office/powerpoint/2012/main" xmlns:ahyp="http://schemas.microsoft.com/office/drawing/2018/hyperlinkcolor" matchingName="Title and body" type="tx">
+<p:sldLayout xmlns:a="http://schemas.openxmlformats.org/drawingml/2006/main" xmlns:r="http://schemas.openxmlformats.org/officeDocument/2006/relationships" xmlns:p="http://schemas.openxmlformats.org/presentationml/2006/main" matchingName="Title and body" type="tx">
   <p:cSld name="TITLE_AND_BODY">
     <p:bg>
       <p:bgPr>
@@ -2009,11 +2606,12 @@
             <a:fillRect/>
           </a:stretch>
         </a:blipFill>
+        <a:effectLst/>
       </p:bgPr>
     </p:bg>
     <p:spTree>
       <p:nvGrpSpPr>
-        <p:cNvPr id="16" name="Shape 16"/>
+        <p:cNvPr id="1" name="Shape 16"/>
         <p:cNvGrpSpPr/>
         <p:nvPr/>
       </p:nvGrpSpPr>
@@ -2028,7 +2626,9 @@
       <p:sp>
         <p:nvSpPr>
           <p:cNvPr id="17" name="Google Shape;17;p4"/>
-          <p:cNvSpPr txBox="1"/>
+          <p:cNvSpPr txBox="1">
+            <a:spLocks noGrp="1"/>
+          </p:cNvSpPr>
           <p:nvPr>
             <p:ph type="title"/>
           </p:nvPr>
@@ -2043,7 +2643,7 @@
           </a:prstGeom>
         </p:spPr>
         <p:txBody>
-          <a:bodyPr anchorCtr="0" anchor="t" bIns="91425" lIns="91425" spcFirstLastPara="1" rIns="91425" wrap="square" tIns="91425">
+          <a:bodyPr spcFirstLastPara="1" wrap="square" lIns="91425" tIns="91425" rIns="91425" bIns="91425" anchor="t" anchorCtr="0">
             <a:normAutofit/>
           </a:bodyPr>
           <a:lstStyle>
@@ -2210,15 +2810,19 @@
               </a:defRPr>
             </a:lvl9pPr>
           </a:lstStyle>
-          <a:p/>
+          <a:p>
+            <a:endParaRPr/>
+          </a:p>
         </p:txBody>
       </p:sp>
       <p:sp>
         <p:nvSpPr>
           <p:cNvPr id="18" name="Google Shape;18;p4"/>
-          <p:cNvSpPr txBox="1"/>
+          <p:cNvSpPr txBox="1">
+            <a:spLocks noGrp="1"/>
+          </p:cNvSpPr>
           <p:nvPr>
-            <p:ph idx="1" type="body"/>
+            <p:ph type="body" idx="1"/>
           </p:nvPr>
         </p:nvSpPr>
         <p:spPr>
@@ -2231,11 +2835,11 @@
           </a:prstGeom>
         </p:spPr>
         <p:txBody>
-          <a:bodyPr anchorCtr="0" anchor="t" bIns="91425" lIns="91425" spcFirstLastPara="1" rIns="91425" wrap="square" tIns="91425">
+          <a:bodyPr spcFirstLastPara="1" wrap="square" lIns="91425" tIns="91425" rIns="91425" bIns="91425" anchor="t" anchorCtr="0">
             <a:normAutofit/>
           </a:bodyPr>
           <a:lstStyle>
-            <a:lvl1pPr indent="-342900" lvl="0" marL="457200">
+            <a:lvl1pPr marL="457200" lvl="0" indent="-342900">
               <a:spcBef>
                 <a:spcPts val="0"/>
               </a:spcBef>
@@ -2246,7 +2850,7 @@
               <a:buChar char="●"/>
               <a:defRPr/>
             </a:lvl1pPr>
-            <a:lvl2pPr indent="-317500" lvl="1" marL="914400">
+            <a:lvl2pPr marL="914400" lvl="1" indent="-317500">
               <a:spcBef>
                 <a:spcPts val="0"/>
               </a:spcBef>
@@ -2257,7 +2861,7 @@
               <a:buChar char="○"/>
               <a:defRPr/>
             </a:lvl2pPr>
-            <a:lvl3pPr indent="-317500" lvl="2" marL="1371600">
+            <a:lvl3pPr marL="1371600" lvl="2" indent="-317500">
               <a:spcBef>
                 <a:spcPts val="0"/>
               </a:spcBef>
@@ -2268,7 +2872,7 @@
               <a:buChar char="■"/>
               <a:defRPr/>
             </a:lvl3pPr>
-            <a:lvl4pPr indent="-317500" lvl="3" marL="1828800">
+            <a:lvl4pPr marL="1828800" lvl="3" indent="-317500">
               <a:spcBef>
                 <a:spcPts val="0"/>
               </a:spcBef>
@@ -2279,7 +2883,7 @@
               <a:buChar char="●"/>
               <a:defRPr/>
             </a:lvl4pPr>
-            <a:lvl5pPr indent="-317500" lvl="4" marL="2286000">
+            <a:lvl5pPr marL="2286000" lvl="4" indent="-317500">
               <a:spcBef>
                 <a:spcPts val="0"/>
               </a:spcBef>
@@ -2290,7 +2894,7 @@
               <a:buChar char="○"/>
               <a:defRPr/>
             </a:lvl5pPr>
-            <a:lvl6pPr indent="-317500" lvl="5" marL="2743200">
+            <a:lvl6pPr marL="2743200" lvl="5" indent="-317500">
               <a:spcBef>
                 <a:spcPts val="0"/>
               </a:spcBef>
@@ -2301,7 +2905,7 @@
               <a:buChar char="■"/>
               <a:defRPr/>
             </a:lvl6pPr>
-            <a:lvl7pPr indent="-317500" lvl="6" marL="3200400">
+            <a:lvl7pPr marL="3200400" lvl="6" indent="-317500">
               <a:spcBef>
                 <a:spcPts val="0"/>
               </a:spcBef>
@@ -2312,7 +2916,7 @@
               <a:buChar char="●"/>
               <a:defRPr/>
             </a:lvl7pPr>
-            <a:lvl8pPr indent="-317500" lvl="7" marL="3657600">
+            <a:lvl8pPr marL="3657600" lvl="7" indent="-317500">
               <a:spcBef>
                 <a:spcPts val="0"/>
               </a:spcBef>
@@ -2323,7 +2927,7 @@
               <a:buChar char="○"/>
               <a:defRPr/>
             </a:lvl8pPr>
-            <a:lvl9pPr indent="-317500" lvl="8" marL="4114800">
+            <a:lvl9pPr marL="4114800" lvl="8" indent="-317500">
               <a:spcBef>
                 <a:spcPts val="0"/>
               </a:spcBef>
@@ -2335,15 +2939,19 @@
               <a:defRPr/>
             </a:lvl9pPr>
           </a:lstStyle>
-          <a:p/>
+          <a:p>
+            <a:endParaRPr/>
+          </a:p>
         </p:txBody>
       </p:sp>
       <p:sp>
         <p:nvSpPr>
           <p:cNvPr id="19" name="Google Shape;19;p4"/>
-          <p:cNvSpPr txBox="1"/>
+          <p:cNvSpPr txBox="1">
+            <a:spLocks noGrp="1"/>
+          </p:cNvSpPr>
           <p:nvPr>
-            <p:ph idx="12" type="sldNum"/>
+            <p:ph type="sldNum" idx="12"/>
           </p:nvPr>
         </p:nvSpPr>
         <p:spPr>
@@ -2356,7 +2964,7 @@
           </a:prstGeom>
         </p:spPr>
         <p:txBody>
-          <a:bodyPr anchorCtr="0" anchor="ctr" bIns="91425" lIns="91425" spcFirstLastPara="1" rIns="91425" wrap="square" tIns="91425">
+          <a:bodyPr spcFirstLastPara="1" wrap="square" lIns="91425" tIns="91425" rIns="91425" bIns="91425" anchor="ctr" anchorCtr="0">
             <a:normAutofit/>
           </a:bodyPr>
           <a:lstStyle>
@@ -2398,7 +3006,7 @@
             </a:lvl9pPr>
           </a:lstStyle>
           <a:p>
-            <a:pPr indent="0" lvl="0" marL="0" rtl="0" algn="r">
+            <a:pPr marL="0" lvl="0" indent="0" algn="r" rtl="0">
               <a:spcBef>
                 <a:spcPts val="0"/>
               </a:spcBef>
@@ -2424,11 +3032,11 @@
 </file>
 
 <file path=ppt/slideLayouts/slideLayout4.xml><?xml version="1.0" encoding="utf-8"?>
-<p:sldLayout xmlns:a="http://schemas.openxmlformats.org/drawingml/2006/main" xmlns:r="http://schemas.openxmlformats.org/officeDocument/2006/relationships" xmlns:mc="http://schemas.openxmlformats.org/markup-compatibility/2006" xmlns:mv="urn:schemas-microsoft-com:mac:vml" xmlns:p="http://schemas.openxmlformats.org/presentationml/2006/main" xmlns:c="http://schemas.openxmlformats.org/drawingml/2006/chart" xmlns:dgm="http://schemas.openxmlformats.org/drawingml/2006/diagram" xmlns:o="urn:schemas-microsoft-com:office:office" xmlns:v="urn:schemas-microsoft-com:vml" xmlns:pvml="urn:schemas-microsoft-com:office:powerpoint" xmlns:com="http://schemas.openxmlformats.org/drawingml/2006/compatibility" xmlns:p14="http://schemas.microsoft.com/office/powerpoint/2010/main" xmlns:p15="http://schemas.microsoft.com/office/powerpoint/2012/main" xmlns:ahyp="http://schemas.microsoft.com/office/drawing/2018/hyperlinkcolor" matchingName="Title and two columns" type="twoColTx">
+<p:sldLayout xmlns:a="http://schemas.openxmlformats.org/drawingml/2006/main" xmlns:r="http://schemas.openxmlformats.org/officeDocument/2006/relationships" xmlns:p="http://schemas.openxmlformats.org/presentationml/2006/main" matchingName="Title and two columns" type="twoColTx">
   <p:cSld name="TITLE_AND_TWO_COLUMNS">
     <p:spTree>
       <p:nvGrpSpPr>
-        <p:cNvPr id="20" name="Shape 20"/>
+        <p:cNvPr id="1" name="Shape 20"/>
         <p:cNvGrpSpPr/>
         <p:nvPr/>
       </p:nvGrpSpPr>
@@ -2443,7 +3051,9 @@
       <p:sp>
         <p:nvSpPr>
           <p:cNvPr id="21" name="Google Shape;21;p5"/>
-          <p:cNvSpPr txBox="1"/>
+          <p:cNvSpPr txBox="1">
+            <a:spLocks noGrp="1"/>
+          </p:cNvSpPr>
           <p:nvPr>
             <p:ph type="title"/>
           </p:nvPr>
@@ -2458,7 +3068,7 @@
           </a:prstGeom>
         </p:spPr>
         <p:txBody>
-          <a:bodyPr anchorCtr="0" anchor="t" bIns="91425" lIns="91425" spcFirstLastPara="1" rIns="91425" wrap="square" tIns="91425">
+          <a:bodyPr spcFirstLastPara="1" wrap="square" lIns="91425" tIns="91425" rIns="91425" bIns="91425" anchor="t" anchorCtr="0">
             <a:normAutofit/>
           </a:bodyPr>
           <a:lstStyle>
@@ -2562,15 +3172,19 @@
               <a:defRPr/>
             </a:lvl9pPr>
           </a:lstStyle>
-          <a:p/>
+          <a:p>
+            <a:endParaRPr/>
+          </a:p>
         </p:txBody>
       </p:sp>
       <p:sp>
         <p:nvSpPr>
           <p:cNvPr id="22" name="Google Shape;22;p5"/>
-          <p:cNvSpPr txBox="1"/>
+          <p:cNvSpPr txBox="1">
+            <a:spLocks noGrp="1"/>
+          </p:cNvSpPr>
           <p:nvPr>
-            <p:ph idx="1" type="body"/>
+            <p:ph type="body" idx="1"/>
           </p:nvPr>
         </p:nvSpPr>
         <p:spPr>
@@ -2583,11 +3197,11 @@
           </a:prstGeom>
         </p:spPr>
         <p:txBody>
-          <a:bodyPr anchorCtr="0" anchor="t" bIns="91425" lIns="91425" spcFirstLastPara="1" rIns="91425" wrap="square" tIns="91425">
+          <a:bodyPr spcFirstLastPara="1" wrap="square" lIns="91425" tIns="91425" rIns="91425" bIns="91425" anchor="t" anchorCtr="0">
             <a:normAutofit/>
           </a:bodyPr>
           <a:lstStyle>
-            <a:lvl1pPr indent="-317500" lvl="0" marL="457200">
+            <a:lvl1pPr marL="457200" lvl="0" indent="-317500">
               <a:spcBef>
                 <a:spcPts val="0"/>
               </a:spcBef>
@@ -2598,7 +3212,7 @@
               <a:buChar char="●"/>
               <a:defRPr sz="1400"/>
             </a:lvl1pPr>
-            <a:lvl2pPr indent="-304800" lvl="1" marL="914400">
+            <a:lvl2pPr marL="914400" lvl="1" indent="-304800">
               <a:spcBef>
                 <a:spcPts val="0"/>
               </a:spcBef>
@@ -2609,7 +3223,7 @@
               <a:buChar char="○"/>
               <a:defRPr sz="1200"/>
             </a:lvl2pPr>
-            <a:lvl3pPr indent="-304800" lvl="2" marL="1371600">
+            <a:lvl3pPr marL="1371600" lvl="2" indent="-304800">
               <a:spcBef>
                 <a:spcPts val="0"/>
               </a:spcBef>
@@ -2620,7 +3234,7 @@
               <a:buChar char="■"/>
               <a:defRPr sz="1200"/>
             </a:lvl3pPr>
-            <a:lvl4pPr indent="-304800" lvl="3" marL="1828800">
+            <a:lvl4pPr marL="1828800" lvl="3" indent="-304800">
               <a:spcBef>
                 <a:spcPts val="0"/>
               </a:spcBef>
@@ -2631,7 +3245,7 @@
               <a:buChar char="●"/>
               <a:defRPr sz="1200"/>
             </a:lvl4pPr>
-            <a:lvl5pPr indent="-304800" lvl="4" marL="2286000">
+            <a:lvl5pPr marL="2286000" lvl="4" indent="-304800">
               <a:spcBef>
                 <a:spcPts val="0"/>
               </a:spcBef>
@@ -2642,7 +3256,7 @@
               <a:buChar char="○"/>
               <a:defRPr sz="1200"/>
             </a:lvl5pPr>
-            <a:lvl6pPr indent="-304800" lvl="5" marL="2743200">
+            <a:lvl6pPr marL="2743200" lvl="5" indent="-304800">
               <a:spcBef>
                 <a:spcPts val="0"/>
               </a:spcBef>
@@ -2653,7 +3267,7 @@
               <a:buChar char="■"/>
               <a:defRPr sz="1200"/>
             </a:lvl6pPr>
-            <a:lvl7pPr indent="-304800" lvl="6" marL="3200400">
+            <a:lvl7pPr marL="3200400" lvl="6" indent="-304800">
               <a:spcBef>
                 <a:spcPts val="0"/>
               </a:spcBef>
@@ -2664,7 +3278,7 @@
               <a:buChar char="●"/>
               <a:defRPr sz="1200"/>
             </a:lvl7pPr>
-            <a:lvl8pPr indent="-304800" lvl="7" marL="3657600">
+            <a:lvl8pPr marL="3657600" lvl="7" indent="-304800">
               <a:spcBef>
                 <a:spcPts val="0"/>
               </a:spcBef>
@@ -2675,7 +3289,7 @@
               <a:buChar char="○"/>
               <a:defRPr sz="1200"/>
             </a:lvl8pPr>
-            <a:lvl9pPr indent="-304800" lvl="8" marL="4114800">
+            <a:lvl9pPr marL="4114800" lvl="8" indent="-304800">
               <a:spcBef>
                 <a:spcPts val="0"/>
               </a:spcBef>
@@ -2687,15 +3301,19 @@
               <a:defRPr sz="1200"/>
             </a:lvl9pPr>
           </a:lstStyle>
-          <a:p/>
+          <a:p>
+            <a:endParaRPr/>
+          </a:p>
         </p:txBody>
       </p:sp>
       <p:sp>
         <p:nvSpPr>
           <p:cNvPr id="23" name="Google Shape;23;p5"/>
-          <p:cNvSpPr txBox="1"/>
+          <p:cNvSpPr txBox="1">
+            <a:spLocks noGrp="1"/>
+          </p:cNvSpPr>
           <p:nvPr>
-            <p:ph idx="2" type="body"/>
+            <p:ph type="body" idx="2"/>
           </p:nvPr>
         </p:nvSpPr>
         <p:spPr>
@@ -2708,11 +3326,11 @@
           </a:prstGeom>
         </p:spPr>
         <p:txBody>
-          <a:bodyPr anchorCtr="0" anchor="t" bIns="91425" lIns="91425" spcFirstLastPara="1" rIns="91425" wrap="square" tIns="91425">
+          <a:bodyPr spcFirstLastPara="1" wrap="square" lIns="91425" tIns="91425" rIns="91425" bIns="91425" anchor="t" anchorCtr="0">
             <a:normAutofit/>
           </a:bodyPr>
           <a:lstStyle>
-            <a:lvl1pPr indent="-317500" lvl="0" marL="457200">
+            <a:lvl1pPr marL="457200" lvl="0" indent="-317500">
               <a:spcBef>
                 <a:spcPts val="0"/>
               </a:spcBef>
@@ -2723,7 +3341,7 @@
               <a:buChar char="●"/>
               <a:defRPr sz="1400"/>
             </a:lvl1pPr>
-            <a:lvl2pPr indent="-304800" lvl="1" marL="914400">
+            <a:lvl2pPr marL="914400" lvl="1" indent="-304800">
               <a:spcBef>
                 <a:spcPts val="0"/>
               </a:spcBef>
@@ -2734,7 +3352,7 @@
               <a:buChar char="○"/>
               <a:defRPr sz="1200"/>
             </a:lvl2pPr>
-            <a:lvl3pPr indent="-304800" lvl="2" marL="1371600">
+            <a:lvl3pPr marL="1371600" lvl="2" indent="-304800">
               <a:spcBef>
                 <a:spcPts val="0"/>
               </a:spcBef>
@@ -2745,7 +3363,7 @@
               <a:buChar char="■"/>
               <a:defRPr sz="1200"/>
             </a:lvl3pPr>
-            <a:lvl4pPr indent="-304800" lvl="3" marL="1828800">
+            <a:lvl4pPr marL="1828800" lvl="3" indent="-304800">
               <a:spcBef>
                 <a:spcPts val="0"/>
               </a:spcBef>
@@ -2756,7 +3374,7 @@
               <a:buChar char="●"/>
               <a:defRPr sz="1200"/>
             </a:lvl4pPr>
-            <a:lvl5pPr indent="-304800" lvl="4" marL="2286000">
+            <a:lvl5pPr marL="2286000" lvl="4" indent="-304800">
               <a:spcBef>
                 <a:spcPts val="0"/>
               </a:spcBef>
@@ -2767,7 +3385,7 @@
               <a:buChar char="○"/>
               <a:defRPr sz="1200"/>
             </a:lvl5pPr>
-            <a:lvl6pPr indent="-304800" lvl="5" marL="2743200">
+            <a:lvl6pPr marL="2743200" lvl="5" indent="-304800">
               <a:spcBef>
                 <a:spcPts val="0"/>
               </a:spcBef>
@@ -2778,7 +3396,7 @@
               <a:buChar char="■"/>
               <a:defRPr sz="1200"/>
             </a:lvl6pPr>
-            <a:lvl7pPr indent="-304800" lvl="6" marL="3200400">
+            <a:lvl7pPr marL="3200400" lvl="6" indent="-304800">
               <a:spcBef>
                 <a:spcPts val="0"/>
               </a:spcBef>
@@ -2789,7 +3407,7 @@
               <a:buChar char="●"/>
               <a:defRPr sz="1200"/>
             </a:lvl7pPr>
-            <a:lvl8pPr indent="-304800" lvl="7" marL="3657600">
+            <a:lvl8pPr marL="3657600" lvl="7" indent="-304800">
               <a:spcBef>
                 <a:spcPts val="0"/>
               </a:spcBef>
@@ -2800,7 +3418,7 @@
               <a:buChar char="○"/>
               <a:defRPr sz="1200"/>
             </a:lvl8pPr>
-            <a:lvl9pPr indent="-304800" lvl="8" marL="4114800">
+            <a:lvl9pPr marL="4114800" lvl="8" indent="-304800">
               <a:spcBef>
                 <a:spcPts val="0"/>
               </a:spcBef>
@@ -2812,15 +3430,19 @@
               <a:defRPr sz="1200"/>
             </a:lvl9pPr>
           </a:lstStyle>
-          <a:p/>
+          <a:p>
+            <a:endParaRPr/>
+          </a:p>
         </p:txBody>
       </p:sp>
       <p:sp>
         <p:nvSpPr>
           <p:cNvPr id="24" name="Google Shape;24;p5"/>
-          <p:cNvSpPr txBox="1"/>
+          <p:cNvSpPr txBox="1">
+            <a:spLocks noGrp="1"/>
+          </p:cNvSpPr>
           <p:nvPr>
-            <p:ph idx="12" type="sldNum"/>
+            <p:ph type="sldNum" idx="12"/>
           </p:nvPr>
         </p:nvSpPr>
         <p:spPr>
@@ -2833,7 +3455,7 @@
           </a:prstGeom>
         </p:spPr>
         <p:txBody>
-          <a:bodyPr anchorCtr="0" anchor="ctr" bIns="91425" lIns="91425" spcFirstLastPara="1" rIns="91425" wrap="square" tIns="91425">
+          <a:bodyPr spcFirstLastPara="1" wrap="square" lIns="91425" tIns="91425" rIns="91425" bIns="91425" anchor="ctr" anchorCtr="0">
             <a:normAutofit/>
           </a:bodyPr>
           <a:lstStyle>
@@ -2875,7 +3497,7 @@
             </a:lvl9pPr>
           </a:lstStyle>
           <a:p>
-            <a:pPr indent="0" lvl="0" marL="0" rtl="0" algn="r">
+            <a:pPr marL="0" lvl="0" indent="0" algn="r" rtl="0">
               <a:spcBef>
                 <a:spcPts val="0"/>
               </a:spcBef>
@@ -2901,11 +3523,11 @@
 </file>
 
 <file path=ppt/slideLayouts/slideLayout5.xml><?xml version="1.0" encoding="utf-8"?>
-<p:sldLayout xmlns:a="http://schemas.openxmlformats.org/drawingml/2006/main" xmlns:r="http://schemas.openxmlformats.org/officeDocument/2006/relationships" xmlns:mc="http://schemas.openxmlformats.org/markup-compatibility/2006" xmlns:mv="urn:schemas-microsoft-com:mac:vml" xmlns:p="http://schemas.openxmlformats.org/presentationml/2006/main" xmlns:c="http://schemas.openxmlformats.org/drawingml/2006/chart" xmlns:dgm="http://schemas.openxmlformats.org/drawingml/2006/diagram" xmlns:o="urn:schemas-microsoft-com:office:office" xmlns:v="urn:schemas-microsoft-com:vml" xmlns:pvml="urn:schemas-microsoft-com:office:powerpoint" xmlns:com="http://schemas.openxmlformats.org/drawingml/2006/compatibility" xmlns:p14="http://schemas.microsoft.com/office/powerpoint/2010/main" xmlns:p15="http://schemas.microsoft.com/office/powerpoint/2012/main" xmlns:ahyp="http://schemas.microsoft.com/office/drawing/2018/hyperlinkcolor" matchingName="Title only" type="titleOnly">
+<p:sldLayout xmlns:a="http://schemas.openxmlformats.org/drawingml/2006/main" xmlns:r="http://schemas.openxmlformats.org/officeDocument/2006/relationships" xmlns:p="http://schemas.openxmlformats.org/presentationml/2006/main" matchingName="Title only" type="titleOnly">
   <p:cSld name="TITLE_ONLY">
     <p:spTree>
       <p:nvGrpSpPr>
-        <p:cNvPr id="25" name="Shape 25"/>
+        <p:cNvPr id="1" name="Shape 25"/>
         <p:cNvGrpSpPr/>
         <p:nvPr/>
       </p:nvGrpSpPr>
@@ -2920,7 +3542,9 @@
       <p:sp>
         <p:nvSpPr>
           <p:cNvPr id="26" name="Google Shape;26;p6"/>
-          <p:cNvSpPr txBox="1"/>
+          <p:cNvSpPr txBox="1">
+            <a:spLocks noGrp="1"/>
+          </p:cNvSpPr>
           <p:nvPr>
             <p:ph type="title"/>
           </p:nvPr>
@@ -2935,7 +3559,7 @@
           </a:prstGeom>
         </p:spPr>
         <p:txBody>
-          <a:bodyPr anchorCtr="0" anchor="t" bIns="91425" lIns="91425" spcFirstLastPara="1" rIns="91425" wrap="square" tIns="91425">
+          <a:bodyPr spcFirstLastPara="1" wrap="square" lIns="91425" tIns="91425" rIns="91425" bIns="91425" anchor="t" anchorCtr="0">
             <a:normAutofit/>
           </a:bodyPr>
           <a:lstStyle>
@@ -3039,15 +3663,19 @@
               <a:defRPr/>
             </a:lvl9pPr>
           </a:lstStyle>
-          <a:p/>
+          <a:p>
+            <a:endParaRPr/>
+          </a:p>
         </p:txBody>
       </p:sp>
       <p:sp>
         <p:nvSpPr>
           <p:cNvPr id="27" name="Google Shape;27;p6"/>
-          <p:cNvSpPr txBox="1"/>
+          <p:cNvSpPr txBox="1">
+            <a:spLocks noGrp="1"/>
+          </p:cNvSpPr>
           <p:nvPr>
-            <p:ph idx="12" type="sldNum"/>
+            <p:ph type="sldNum" idx="12"/>
           </p:nvPr>
         </p:nvSpPr>
         <p:spPr>
@@ -3060,7 +3688,7 @@
           </a:prstGeom>
         </p:spPr>
         <p:txBody>
-          <a:bodyPr anchorCtr="0" anchor="ctr" bIns="91425" lIns="91425" spcFirstLastPara="1" rIns="91425" wrap="square" tIns="91425">
+          <a:bodyPr spcFirstLastPara="1" wrap="square" lIns="91425" tIns="91425" rIns="91425" bIns="91425" anchor="ctr" anchorCtr="0">
             <a:normAutofit/>
           </a:bodyPr>
           <a:lstStyle>
@@ -3102,7 +3730,7 @@
             </a:lvl9pPr>
           </a:lstStyle>
           <a:p>
-            <a:pPr indent="0" lvl="0" marL="0" rtl="0" algn="r">
+            <a:pPr marL="0" lvl="0" indent="0" algn="r" rtl="0">
               <a:spcBef>
                 <a:spcPts val="0"/>
               </a:spcBef>
@@ -3128,11 +3756,11 @@
 </file>
 
 <file path=ppt/slideLayouts/slideLayout6.xml><?xml version="1.0" encoding="utf-8"?>
-<p:sldLayout xmlns:a="http://schemas.openxmlformats.org/drawingml/2006/main" xmlns:r="http://schemas.openxmlformats.org/officeDocument/2006/relationships" xmlns:mc="http://schemas.openxmlformats.org/markup-compatibility/2006" xmlns:mv="urn:schemas-microsoft-com:mac:vml" xmlns:p="http://schemas.openxmlformats.org/presentationml/2006/main" xmlns:c="http://schemas.openxmlformats.org/drawingml/2006/chart" xmlns:dgm="http://schemas.openxmlformats.org/drawingml/2006/diagram" xmlns:o="urn:schemas-microsoft-com:office:office" xmlns:v="urn:schemas-microsoft-com:vml" xmlns:pvml="urn:schemas-microsoft-com:office:powerpoint" xmlns:com="http://schemas.openxmlformats.org/drawingml/2006/compatibility" xmlns:p14="http://schemas.microsoft.com/office/powerpoint/2010/main" xmlns:p15="http://schemas.microsoft.com/office/powerpoint/2012/main" xmlns:ahyp="http://schemas.microsoft.com/office/drawing/2018/hyperlinkcolor" matchingName="One column text">
+<p:sldLayout xmlns:a="http://schemas.openxmlformats.org/drawingml/2006/main" xmlns:r="http://schemas.openxmlformats.org/officeDocument/2006/relationships" xmlns:p="http://schemas.openxmlformats.org/presentationml/2006/main" matchingName="One column text">
   <p:cSld name="ONE_COLUMN_TEXT">
     <p:spTree>
       <p:nvGrpSpPr>
-        <p:cNvPr id="28" name="Shape 28"/>
+        <p:cNvPr id="1" name="Shape 28"/>
         <p:cNvGrpSpPr/>
         <p:nvPr/>
       </p:nvGrpSpPr>
@@ -3147,7 +3775,9 @@
       <p:sp>
         <p:nvSpPr>
           <p:cNvPr id="29" name="Google Shape;29;p7"/>
-          <p:cNvSpPr txBox="1"/>
+          <p:cNvSpPr txBox="1">
+            <a:spLocks noGrp="1"/>
+          </p:cNvSpPr>
           <p:nvPr>
             <p:ph type="title"/>
           </p:nvPr>
@@ -3162,7 +3792,7 @@
           </a:prstGeom>
         </p:spPr>
         <p:txBody>
-          <a:bodyPr anchorCtr="0" anchor="b" bIns="91425" lIns="91425" spcFirstLastPara="1" rIns="91425" wrap="square" tIns="91425">
+          <a:bodyPr spcFirstLastPara="1" wrap="square" lIns="91425" tIns="91425" rIns="91425" bIns="91425" anchor="b" anchorCtr="0">
             <a:normAutofit/>
           </a:bodyPr>
           <a:lstStyle>
@@ -3266,15 +3896,19 @@
               <a:defRPr sz="2400"/>
             </a:lvl9pPr>
           </a:lstStyle>
-          <a:p/>
+          <a:p>
+            <a:endParaRPr/>
+          </a:p>
         </p:txBody>
       </p:sp>
       <p:sp>
         <p:nvSpPr>
           <p:cNvPr id="30" name="Google Shape;30;p7"/>
-          <p:cNvSpPr txBox="1"/>
+          <p:cNvSpPr txBox="1">
+            <a:spLocks noGrp="1"/>
+          </p:cNvSpPr>
           <p:nvPr>
-            <p:ph idx="1" type="body"/>
+            <p:ph type="body" idx="1"/>
           </p:nvPr>
         </p:nvSpPr>
         <p:spPr>
@@ -3287,11 +3921,11 @@
           </a:prstGeom>
         </p:spPr>
         <p:txBody>
-          <a:bodyPr anchorCtr="0" anchor="t" bIns="91425" lIns="91425" spcFirstLastPara="1" rIns="91425" wrap="square" tIns="91425">
+          <a:bodyPr spcFirstLastPara="1" wrap="square" lIns="91425" tIns="91425" rIns="91425" bIns="91425" anchor="t" anchorCtr="0">
             <a:normAutofit/>
           </a:bodyPr>
           <a:lstStyle>
-            <a:lvl1pPr indent="-304800" lvl="0" marL="457200">
+            <a:lvl1pPr marL="457200" lvl="0" indent="-304800">
               <a:spcBef>
                 <a:spcPts val="0"/>
               </a:spcBef>
@@ -3302,7 +3936,7 @@
               <a:buChar char="●"/>
               <a:defRPr sz="1200"/>
             </a:lvl1pPr>
-            <a:lvl2pPr indent="-304800" lvl="1" marL="914400">
+            <a:lvl2pPr marL="914400" lvl="1" indent="-304800">
               <a:spcBef>
                 <a:spcPts val="0"/>
               </a:spcBef>
@@ -3313,7 +3947,7 @@
               <a:buChar char="○"/>
               <a:defRPr sz="1200"/>
             </a:lvl2pPr>
-            <a:lvl3pPr indent="-304800" lvl="2" marL="1371600">
+            <a:lvl3pPr marL="1371600" lvl="2" indent="-304800">
               <a:spcBef>
                 <a:spcPts val="0"/>
               </a:spcBef>
@@ -3324,7 +3958,7 @@
               <a:buChar char="■"/>
               <a:defRPr sz="1200"/>
             </a:lvl3pPr>
-            <a:lvl4pPr indent="-304800" lvl="3" marL="1828800">
+            <a:lvl4pPr marL="1828800" lvl="3" indent="-304800">
               <a:spcBef>
                 <a:spcPts val="0"/>
               </a:spcBef>
@@ -3335,7 +3969,7 @@
               <a:buChar char="●"/>
               <a:defRPr sz="1200"/>
             </a:lvl4pPr>
-            <a:lvl5pPr indent="-304800" lvl="4" marL="2286000">
+            <a:lvl5pPr marL="2286000" lvl="4" indent="-304800">
               <a:spcBef>
                 <a:spcPts val="0"/>
               </a:spcBef>
@@ -3346,7 +3980,7 @@
               <a:buChar char="○"/>
               <a:defRPr sz="1200"/>
             </a:lvl5pPr>
-            <a:lvl6pPr indent="-304800" lvl="5" marL="2743200">
+            <a:lvl6pPr marL="2743200" lvl="5" indent="-304800">
               <a:spcBef>
                 <a:spcPts val="0"/>
               </a:spcBef>
@@ -3357,7 +3991,7 @@
               <a:buChar char="■"/>
               <a:defRPr sz="1200"/>
             </a:lvl6pPr>
-            <a:lvl7pPr indent="-304800" lvl="6" marL="3200400">
+            <a:lvl7pPr marL="3200400" lvl="6" indent="-304800">
               <a:spcBef>
                 <a:spcPts val="0"/>
               </a:spcBef>
@@ -3368,7 +4002,7 @@
               <a:buChar char="●"/>
               <a:defRPr sz="1200"/>
             </a:lvl7pPr>
-            <a:lvl8pPr indent="-304800" lvl="7" marL="3657600">
+            <a:lvl8pPr marL="3657600" lvl="7" indent="-304800">
               <a:spcBef>
                 <a:spcPts val="0"/>
               </a:spcBef>
@@ -3379,7 +4013,7 @@
               <a:buChar char="○"/>
               <a:defRPr sz="1200"/>
             </a:lvl8pPr>
-            <a:lvl9pPr indent="-304800" lvl="8" marL="4114800">
+            <a:lvl9pPr marL="4114800" lvl="8" indent="-304800">
               <a:spcBef>
                 <a:spcPts val="0"/>
               </a:spcBef>
@@ -3391,15 +4025,19 @@
               <a:defRPr sz="1200"/>
             </a:lvl9pPr>
           </a:lstStyle>
-          <a:p/>
+          <a:p>
+            <a:endParaRPr/>
+          </a:p>
         </p:txBody>
       </p:sp>
       <p:sp>
         <p:nvSpPr>
           <p:cNvPr id="31" name="Google Shape;31;p7"/>
-          <p:cNvSpPr txBox="1"/>
+          <p:cNvSpPr txBox="1">
+            <a:spLocks noGrp="1"/>
+          </p:cNvSpPr>
           <p:nvPr>
-            <p:ph idx="12" type="sldNum"/>
+            <p:ph type="sldNum" idx="12"/>
           </p:nvPr>
         </p:nvSpPr>
         <p:spPr>
@@ -3412,7 +4050,7 @@
           </a:prstGeom>
         </p:spPr>
         <p:txBody>
-          <a:bodyPr anchorCtr="0" anchor="ctr" bIns="91425" lIns="91425" spcFirstLastPara="1" rIns="91425" wrap="square" tIns="91425">
+          <a:bodyPr spcFirstLastPara="1" wrap="square" lIns="91425" tIns="91425" rIns="91425" bIns="91425" anchor="ctr" anchorCtr="0">
             <a:normAutofit/>
           </a:bodyPr>
           <a:lstStyle>
@@ -3454,7 +4092,7 @@
             </a:lvl9pPr>
           </a:lstStyle>
           <a:p>
-            <a:pPr indent="0" lvl="0" marL="0" rtl="0" algn="r">
+            <a:pPr marL="0" lvl="0" indent="0" algn="r" rtl="0">
               <a:spcBef>
                 <a:spcPts val="0"/>
               </a:spcBef>
@@ -3480,11 +4118,11 @@
 </file>
 
 <file path=ppt/slideLayouts/slideLayout7.xml><?xml version="1.0" encoding="utf-8"?>
-<p:sldLayout xmlns:a="http://schemas.openxmlformats.org/drawingml/2006/main" xmlns:r="http://schemas.openxmlformats.org/officeDocument/2006/relationships" xmlns:mc="http://schemas.openxmlformats.org/markup-compatibility/2006" xmlns:mv="urn:schemas-microsoft-com:mac:vml" xmlns:p="http://schemas.openxmlformats.org/presentationml/2006/main" xmlns:c="http://schemas.openxmlformats.org/drawingml/2006/chart" xmlns:dgm="http://schemas.openxmlformats.org/drawingml/2006/diagram" xmlns:o="urn:schemas-microsoft-com:office:office" xmlns:v="urn:schemas-microsoft-com:vml" xmlns:pvml="urn:schemas-microsoft-com:office:powerpoint" xmlns:com="http://schemas.openxmlformats.org/drawingml/2006/compatibility" xmlns:p14="http://schemas.microsoft.com/office/powerpoint/2010/main" xmlns:p15="http://schemas.microsoft.com/office/powerpoint/2012/main" xmlns:ahyp="http://schemas.microsoft.com/office/drawing/2018/hyperlinkcolor" matchingName="Main point">
+<p:sldLayout xmlns:a="http://schemas.openxmlformats.org/drawingml/2006/main" xmlns:r="http://schemas.openxmlformats.org/officeDocument/2006/relationships" xmlns:p="http://schemas.openxmlformats.org/presentationml/2006/main" matchingName="Main point">
   <p:cSld name="MAIN_POINT">
     <p:spTree>
       <p:nvGrpSpPr>
-        <p:cNvPr id="32" name="Shape 32"/>
+        <p:cNvPr id="1" name="Shape 32"/>
         <p:cNvGrpSpPr/>
         <p:nvPr/>
       </p:nvGrpSpPr>
@@ -3499,7 +4137,9 @@
       <p:sp>
         <p:nvSpPr>
           <p:cNvPr id="33" name="Google Shape;33;p8"/>
-          <p:cNvSpPr txBox="1"/>
+          <p:cNvSpPr txBox="1">
+            <a:spLocks noGrp="1"/>
+          </p:cNvSpPr>
           <p:nvPr>
             <p:ph type="title"/>
           </p:nvPr>
@@ -3514,7 +4154,7 @@
           </a:prstGeom>
         </p:spPr>
         <p:txBody>
-          <a:bodyPr anchorCtr="0" anchor="ctr" bIns="91425" lIns="91425" spcFirstLastPara="1" rIns="91425" wrap="square" tIns="91425">
+          <a:bodyPr spcFirstLastPara="1" wrap="square" lIns="91425" tIns="91425" rIns="91425" bIns="91425" anchor="ctr" anchorCtr="0">
             <a:normAutofit/>
           </a:bodyPr>
           <a:lstStyle>
@@ -3618,15 +4258,19 @@
               <a:defRPr sz="4800"/>
             </a:lvl9pPr>
           </a:lstStyle>
-          <a:p/>
+          <a:p>
+            <a:endParaRPr/>
+          </a:p>
         </p:txBody>
       </p:sp>
       <p:sp>
         <p:nvSpPr>
           <p:cNvPr id="34" name="Google Shape;34;p8"/>
-          <p:cNvSpPr txBox="1"/>
+          <p:cNvSpPr txBox="1">
+            <a:spLocks noGrp="1"/>
+          </p:cNvSpPr>
           <p:nvPr>
-            <p:ph idx="12" type="sldNum"/>
+            <p:ph type="sldNum" idx="12"/>
           </p:nvPr>
         </p:nvSpPr>
         <p:spPr>
@@ -3639,7 +4283,7 @@
           </a:prstGeom>
         </p:spPr>
         <p:txBody>
-          <a:bodyPr anchorCtr="0" anchor="ctr" bIns="91425" lIns="91425" spcFirstLastPara="1" rIns="91425" wrap="square" tIns="91425">
+          <a:bodyPr spcFirstLastPara="1" wrap="square" lIns="91425" tIns="91425" rIns="91425" bIns="91425" anchor="ctr" anchorCtr="0">
             <a:normAutofit/>
           </a:bodyPr>
           <a:lstStyle>
@@ -3681,7 +4325,7 @@
             </a:lvl9pPr>
           </a:lstStyle>
           <a:p>
-            <a:pPr indent="0" lvl="0" marL="0" rtl="0" algn="r">
+            <a:pPr marL="0" lvl="0" indent="0" algn="r" rtl="0">
               <a:spcBef>
                 <a:spcPts val="0"/>
               </a:spcBef>
@@ -3707,11 +4351,11 @@
 </file>
 
 <file path=ppt/slideLayouts/slideLayout8.xml><?xml version="1.0" encoding="utf-8"?>
-<p:sldLayout xmlns:a="http://schemas.openxmlformats.org/drawingml/2006/main" xmlns:r="http://schemas.openxmlformats.org/officeDocument/2006/relationships" xmlns:mc="http://schemas.openxmlformats.org/markup-compatibility/2006" xmlns:mv="urn:schemas-microsoft-com:mac:vml" xmlns:p="http://schemas.openxmlformats.org/presentationml/2006/main" xmlns:c="http://schemas.openxmlformats.org/drawingml/2006/chart" xmlns:dgm="http://schemas.openxmlformats.org/drawingml/2006/diagram" xmlns:o="urn:schemas-microsoft-com:office:office" xmlns:v="urn:schemas-microsoft-com:vml" xmlns:pvml="urn:schemas-microsoft-com:office:powerpoint" xmlns:com="http://schemas.openxmlformats.org/drawingml/2006/compatibility" xmlns:p14="http://schemas.microsoft.com/office/powerpoint/2010/main" xmlns:p15="http://schemas.microsoft.com/office/powerpoint/2012/main" xmlns:ahyp="http://schemas.microsoft.com/office/drawing/2018/hyperlinkcolor" matchingName="Section title and description">
+<p:sldLayout xmlns:a="http://schemas.openxmlformats.org/drawingml/2006/main" xmlns:r="http://schemas.openxmlformats.org/officeDocument/2006/relationships" xmlns:p="http://schemas.openxmlformats.org/presentationml/2006/main" matchingName="Section title and description">
   <p:cSld name="SECTION_TITLE_AND_DESCRIPTION">
     <p:spTree>
       <p:nvGrpSpPr>
-        <p:cNvPr id="35" name="Shape 35"/>
+        <p:cNvPr id="1" name="Shape 35"/>
         <p:cNvGrpSpPr/>
         <p:nvPr/>
       </p:nvGrpSpPr>
@@ -3745,12 +4389,12 @@
           </a:ln>
         </p:spPr>
         <p:txBody>
-          <a:bodyPr anchorCtr="0" anchor="ctr" bIns="91425" lIns="91425" spcFirstLastPara="1" rIns="91425" wrap="square" tIns="91425">
+          <a:bodyPr spcFirstLastPara="1" wrap="square" lIns="91425" tIns="91425" rIns="91425" bIns="91425" anchor="ctr" anchorCtr="0">
             <a:noAutofit/>
           </a:bodyPr>
           <a:lstStyle/>
           <a:p>
-            <a:pPr indent="0" lvl="0" marL="0" rtl="0" algn="l">
+            <a:pPr marL="0" lvl="0" indent="0" algn="l" rtl="0">
               <a:spcBef>
                 <a:spcPts val="0"/>
               </a:spcBef>
@@ -3759,9 +4403,6 @@
               </a:spcAft>
               <a:buNone/>
             </a:pPr>
-            <a:r>
-              <a:t/>
-            </a:r>
             <a:endParaRPr/>
           </a:p>
         </p:txBody>
@@ -3769,7 +4410,9 @@
       <p:sp>
         <p:nvSpPr>
           <p:cNvPr id="37" name="Google Shape;37;p9"/>
-          <p:cNvSpPr txBox="1"/>
+          <p:cNvSpPr txBox="1">
+            <a:spLocks noGrp="1"/>
+          </p:cNvSpPr>
           <p:nvPr>
             <p:ph type="title"/>
           </p:nvPr>
@@ -3784,7 +4427,7 @@
           </a:prstGeom>
         </p:spPr>
         <p:txBody>
-          <a:bodyPr anchorCtr="0" anchor="b" bIns="91425" lIns="91425" spcFirstLastPara="1" rIns="91425" wrap="square" tIns="91425">
+          <a:bodyPr spcFirstLastPara="1" wrap="square" lIns="91425" tIns="91425" rIns="91425" bIns="91425" anchor="b" anchorCtr="0">
             <a:normAutofit/>
           </a:bodyPr>
           <a:lstStyle>
@@ -3888,15 +4531,19 @@
               <a:defRPr sz="4200"/>
             </a:lvl9pPr>
           </a:lstStyle>
-          <a:p/>
+          <a:p>
+            <a:endParaRPr/>
+          </a:p>
         </p:txBody>
       </p:sp>
       <p:sp>
         <p:nvSpPr>
           <p:cNvPr id="38" name="Google Shape;38;p9"/>
-          <p:cNvSpPr txBox="1"/>
+          <p:cNvSpPr txBox="1">
+            <a:spLocks noGrp="1"/>
+          </p:cNvSpPr>
           <p:nvPr>
-            <p:ph idx="1" type="subTitle"/>
+            <p:ph type="subTitle" idx="1"/>
           </p:nvPr>
         </p:nvSpPr>
         <p:spPr>
@@ -3909,7 +4556,7 @@
           </a:prstGeom>
         </p:spPr>
         <p:txBody>
-          <a:bodyPr anchorCtr="0" anchor="t" bIns="91425" lIns="91425" spcFirstLastPara="1" rIns="91425" wrap="square" tIns="91425">
+          <a:bodyPr spcFirstLastPara="1" wrap="square" lIns="91425" tIns="91425" rIns="91425" bIns="91425" anchor="t" anchorCtr="0">
             <a:normAutofit/>
           </a:bodyPr>
           <a:lstStyle>
@@ -4040,15 +4687,19 @@
               <a:defRPr sz="2100"/>
             </a:lvl9pPr>
           </a:lstStyle>
-          <a:p/>
+          <a:p>
+            <a:endParaRPr/>
+          </a:p>
         </p:txBody>
       </p:sp>
       <p:sp>
         <p:nvSpPr>
           <p:cNvPr id="39" name="Google Shape;39;p9"/>
-          <p:cNvSpPr txBox="1"/>
+          <p:cNvSpPr txBox="1">
+            <a:spLocks noGrp="1"/>
+          </p:cNvSpPr>
           <p:nvPr>
-            <p:ph idx="2" type="body"/>
+            <p:ph type="body" idx="2"/>
           </p:nvPr>
         </p:nvSpPr>
         <p:spPr>
@@ -4061,11 +4712,11 @@
           </a:prstGeom>
         </p:spPr>
         <p:txBody>
-          <a:bodyPr anchorCtr="0" anchor="ctr" bIns="91425" lIns="91425" spcFirstLastPara="1" rIns="91425" wrap="square" tIns="91425">
+          <a:bodyPr spcFirstLastPara="1" wrap="square" lIns="91425" tIns="91425" rIns="91425" bIns="91425" anchor="ctr" anchorCtr="0">
             <a:normAutofit/>
           </a:bodyPr>
           <a:lstStyle>
-            <a:lvl1pPr indent="-342900" lvl="0" marL="457200">
+            <a:lvl1pPr marL="457200" lvl="0" indent="-342900">
               <a:spcBef>
                 <a:spcPts val="0"/>
               </a:spcBef>
@@ -4076,7 +4727,7 @@
               <a:buChar char="●"/>
               <a:defRPr/>
             </a:lvl1pPr>
-            <a:lvl2pPr indent="-317500" lvl="1" marL="914400">
+            <a:lvl2pPr marL="914400" lvl="1" indent="-317500">
               <a:spcBef>
                 <a:spcPts val="0"/>
               </a:spcBef>
@@ -4087,7 +4738,7 @@
               <a:buChar char="○"/>
               <a:defRPr/>
             </a:lvl2pPr>
-            <a:lvl3pPr indent="-317500" lvl="2" marL="1371600">
+            <a:lvl3pPr marL="1371600" lvl="2" indent="-317500">
               <a:spcBef>
                 <a:spcPts val="0"/>
               </a:spcBef>
@@ -4098,7 +4749,7 @@
               <a:buChar char="■"/>
               <a:defRPr/>
             </a:lvl3pPr>
-            <a:lvl4pPr indent="-317500" lvl="3" marL="1828800">
+            <a:lvl4pPr marL="1828800" lvl="3" indent="-317500">
               <a:spcBef>
                 <a:spcPts val="0"/>
               </a:spcBef>
@@ -4109,7 +4760,7 @@
               <a:buChar char="●"/>
               <a:defRPr/>
             </a:lvl4pPr>
-            <a:lvl5pPr indent="-317500" lvl="4" marL="2286000">
+            <a:lvl5pPr marL="2286000" lvl="4" indent="-317500">
               <a:spcBef>
                 <a:spcPts val="0"/>
               </a:spcBef>
@@ -4120,7 +4771,7 @@
               <a:buChar char="○"/>
               <a:defRPr/>
             </a:lvl5pPr>
-            <a:lvl6pPr indent="-317500" lvl="5" marL="2743200">
+            <a:lvl6pPr marL="2743200" lvl="5" indent="-317500">
               <a:spcBef>
                 <a:spcPts val="0"/>
               </a:spcBef>
@@ -4131,7 +4782,7 @@
               <a:buChar char="■"/>
               <a:defRPr/>
             </a:lvl6pPr>
-            <a:lvl7pPr indent="-317500" lvl="6" marL="3200400">
+            <a:lvl7pPr marL="3200400" lvl="6" indent="-317500">
               <a:spcBef>
                 <a:spcPts val="0"/>
               </a:spcBef>
@@ -4142,7 +4793,7 @@
               <a:buChar char="●"/>
               <a:defRPr/>
             </a:lvl7pPr>
-            <a:lvl8pPr indent="-317500" lvl="7" marL="3657600">
+            <a:lvl8pPr marL="3657600" lvl="7" indent="-317500">
               <a:spcBef>
                 <a:spcPts val="0"/>
               </a:spcBef>
@@ -4153,7 +4804,7 @@
               <a:buChar char="○"/>
               <a:defRPr/>
             </a:lvl8pPr>
-            <a:lvl9pPr indent="-317500" lvl="8" marL="4114800">
+            <a:lvl9pPr marL="4114800" lvl="8" indent="-317500">
               <a:spcBef>
                 <a:spcPts val="0"/>
               </a:spcBef>
@@ -4165,15 +4816,19 @@
               <a:defRPr/>
             </a:lvl9pPr>
           </a:lstStyle>
-          <a:p/>
+          <a:p>
+            <a:endParaRPr/>
+          </a:p>
         </p:txBody>
       </p:sp>
       <p:sp>
         <p:nvSpPr>
           <p:cNvPr id="40" name="Google Shape;40;p9"/>
-          <p:cNvSpPr txBox="1"/>
+          <p:cNvSpPr txBox="1">
+            <a:spLocks noGrp="1"/>
+          </p:cNvSpPr>
           <p:nvPr>
-            <p:ph idx="12" type="sldNum"/>
+            <p:ph type="sldNum" idx="12"/>
           </p:nvPr>
         </p:nvSpPr>
         <p:spPr>
@@ -4186,7 +4841,7 @@
           </a:prstGeom>
         </p:spPr>
         <p:txBody>
-          <a:bodyPr anchorCtr="0" anchor="ctr" bIns="91425" lIns="91425" spcFirstLastPara="1" rIns="91425" wrap="square" tIns="91425">
+          <a:bodyPr spcFirstLastPara="1" wrap="square" lIns="91425" tIns="91425" rIns="91425" bIns="91425" anchor="ctr" anchorCtr="0">
             <a:normAutofit/>
           </a:bodyPr>
           <a:lstStyle>
@@ -4228,7 +4883,7 @@
             </a:lvl9pPr>
           </a:lstStyle>
           <a:p>
-            <a:pPr indent="0" lvl="0" marL="0" rtl="0" algn="r">
+            <a:pPr marL="0" lvl="0" indent="0" algn="r" rtl="0">
               <a:spcBef>
                 <a:spcPts val="0"/>
               </a:spcBef>
@@ -4254,11 +4909,11 @@
 </file>
 
 <file path=ppt/slideLayouts/slideLayout9.xml><?xml version="1.0" encoding="utf-8"?>
-<p:sldLayout xmlns:a="http://schemas.openxmlformats.org/drawingml/2006/main" xmlns:r="http://schemas.openxmlformats.org/officeDocument/2006/relationships" xmlns:mc="http://schemas.openxmlformats.org/markup-compatibility/2006" xmlns:mv="urn:schemas-microsoft-com:mac:vml" xmlns:p="http://schemas.openxmlformats.org/presentationml/2006/main" xmlns:c="http://schemas.openxmlformats.org/drawingml/2006/chart" xmlns:dgm="http://schemas.openxmlformats.org/drawingml/2006/diagram" xmlns:o="urn:schemas-microsoft-com:office:office" xmlns:v="urn:schemas-microsoft-com:vml" xmlns:pvml="urn:schemas-microsoft-com:office:powerpoint" xmlns:com="http://schemas.openxmlformats.org/drawingml/2006/compatibility" xmlns:p14="http://schemas.microsoft.com/office/powerpoint/2010/main" xmlns:p15="http://schemas.microsoft.com/office/powerpoint/2012/main" xmlns:ahyp="http://schemas.microsoft.com/office/drawing/2018/hyperlinkcolor" matchingName="Caption">
+<p:sldLayout xmlns:a="http://schemas.openxmlformats.org/drawingml/2006/main" xmlns:r="http://schemas.openxmlformats.org/officeDocument/2006/relationships" xmlns:p="http://schemas.openxmlformats.org/presentationml/2006/main" matchingName="Caption">
   <p:cSld name="CAPTION_ONLY">
     <p:spTree>
       <p:nvGrpSpPr>
-        <p:cNvPr id="41" name="Shape 41"/>
+        <p:cNvPr id="1" name="Shape 41"/>
         <p:cNvGrpSpPr/>
         <p:nvPr/>
       </p:nvGrpSpPr>
@@ -4273,9 +4928,11 @@
       <p:sp>
         <p:nvSpPr>
           <p:cNvPr id="42" name="Google Shape;42;p10"/>
-          <p:cNvSpPr txBox="1"/>
+          <p:cNvSpPr txBox="1">
+            <a:spLocks noGrp="1"/>
+          </p:cNvSpPr>
           <p:nvPr>
-            <p:ph idx="1" type="body"/>
+            <p:ph type="body" idx="1"/>
           </p:nvPr>
         </p:nvSpPr>
         <p:spPr>
@@ -4288,11 +4945,11 @@
           </a:prstGeom>
         </p:spPr>
         <p:txBody>
-          <a:bodyPr anchorCtr="0" anchor="ctr" bIns="91425" lIns="91425" spcFirstLastPara="1" rIns="91425" wrap="square" tIns="91425">
+          <a:bodyPr spcFirstLastPara="1" wrap="square" lIns="91425" tIns="91425" rIns="91425" bIns="91425" anchor="ctr" anchorCtr="0">
             <a:normAutofit/>
           </a:bodyPr>
           <a:lstStyle>
-            <a:lvl1pPr indent="-228600" lvl="0" marL="457200">
+            <a:lvl1pPr marL="457200" lvl="0" indent="-228600">
               <a:lnSpc>
                 <a:spcPct val="100000"/>
               </a:lnSpc>
@@ -4307,15 +4964,19 @@
               <a:defRPr/>
             </a:lvl1pPr>
           </a:lstStyle>
-          <a:p/>
+          <a:p>
+            <a:endParaRPr/>
+          </a:p>
         </p:txBody>
       </p:sp>
       <p:sp>
         <p:nvSpPr>
           <p:cNvPr id="43" name="Google Shape;43;p10"/>
-          <p:cNvSpPr txBox="1"/>
+          <p:cNvSpPr txBox="1">
+            <a:spLocks noGrp="1"/>
+          </p:cNvSpPr>
           <p:nvPr>
-            <p:ph idx="12" type="sldNum"/>
+            <p:ph type="sldNum" idx="12"/>
           </p:nvPr>
         </p:nvSpPr>
         <p:spPr>
@@ -4328,7 +4989,7 @@
           </a:prstGeom>
         </p:spPr>
         <p:txBody>
-          <a:bodyPr anchorCtr="0" anchor="ctr" bIns="91425" lIns="91425" spcFirstLastPara="1" rIns="91425" wrap="square" tIns="91425">
+          <a:bodyPr spcFirstLastPara="1" wrap="square" lIns="91425" tIns="91425" rIns="91425" bIns="91425" anchor="ctr" anchorCtr="0">
             <a:normAutofit/>
           </a:bodyPr>
           <a:lstStyle>
@@ -4370,7 +5031,7 @@
             </a:lvl9pPr>
           </a:lstStyle>
           <a:p>
-            <a:pPr indent="0" lvl="0" marL="0" rtl="0" algn="r">
+            <a:pPr marL="0" lvl="0" indent="0" algn="r" rtl="0">
               <a:spcBef>
                 <a:spcPts val="0"/>
               </a:spcBef>
@@ -4396,23 +5057,24 @@
 </file>
 
 <file path=ppt/slideMasters/slideMaster1.xml><?xml version="1.0" encoding="utf-8"?>
-<p:sldMaster xmlns:a="http://schemas.openxmlformats.org/drawingml/2006/main" xmlns:r="http://schemas.openxmlformats.org/officeDocument/2006/relationships" xmlns:mc="http://schemas.openxmlformats.org/markup-compatibility/2006" xmlns:mv="urn:schemas-microsoft-com:mac:vml" xmlns:p="http://schemas.openxmlformats.org/presentationml/2006/main" xmlns:c="http://schemas.openxmlformats.org/drawingml/2006/chart" xmlns:dgm="http://schemas.openxmlformats.org/drawingml/2006/diagram" xmlns:o="urn:schemas-microsoft-com:office:office" xmlns:v="urn:schemas-microsoft-com:vml" xmlns:pvml="urn:schemas-microsoft-com:office:powerpoint" xmlns:com="http://schemas.openxmlformats.org/drawingml/2006/compatibility" xmlns:p14="http://schemas.microsoft.com/office/powerpoint/2010/main" xmlns:p15="http://schemas.microsoft.com/office/powerpoint/2012/main" xmlns:ahyp="http://schemas.microsoft.com/office/drawing/2018/hyperlinkcolor">
+<p:sldMaster xmlns:a="http://schemas.openxmlformats.org/drawingml/2006/main" xmlns:r="http://schemas.openxmlformats.org/officeDocument/2006/relationships" xmlns:p="http://schemas.openxmlformats.org/presentationml/2006/main">
   <p:cSld name="simple-light-2">
     <p:bg>
       <p:bgPr>
         <a:blipFill>
-          <a:blip r:embed="rId1">
+          <a:blip r:embed="rId13">
             <a:alphaModFix/>
           </a:blip>
           <a:stretch>
             <a:fillRect/>
           </a:stretch>
         </a:blipFill>
+        <a:effectLst/>
       </p:bgPr>
     </p:bg>
     <p:spTree>
       <p:nvGrpSpPr>
-        <p:cNvPr id="5" name="Shape 5"/>
+        <p:cNvPr id="1" name="Shape 5"/>
         <p:cNvGrpSpPr/>
         <p:nvPr/>
       </p:nvGrpSpPr>
@@ -4427,7 +5089,9 @@
       <p:sp>
         <p:nvSpPr>
           <p:cNvPr id="6" name="Google Shape;6;p1"/>
-          <p:cNvSpPr txBox="1"/>
+          <p:cNvSpPr txBox="1">
+            <a:spLocks noGrp="1"/>
+          </p:cNvSpPr>
           <p:nvPr>
             <p:ph type="title"/>
           </p:nvPr>
@@ -4446,7 +5110,7 @@
           </a:ln>
         </p:spPr>
         <p:txBody>
-          <a:bodyPr anchorCtr="0" anchor="t" bIns="91425" lIns="91425" spcFirstLastPara="1" rIns="91425" wrap="square" tIns="91425">
+          <a:bodyPr spcFirstLastPara="1" wrap="square" lIns="91425" tIns="91425" rIns="91425" bIns="91425" anchor="t" anchorCtr="0">
             <a:normAutofit/>
           </a:bodyPr>
           <a:lstStyle>
@@ -4613,15 +5277,19 @@
               </a:defRPr>
             </a:lvl9pPr>
           </a:lstStyle>
-          <a:p/>
+          <a:p>
+            <a:endParaRPr/>
+          </a:p>
         </p:txBody>
       </p:sp>
       <p:sp>
         <p:nvSpPr>
           <p:cNvPr id="7" name="Google Shape;7;p1"/>
-          <p:cNvSpPr txBox="1"/>
+          <p:cNvSpPr txBox="1">
+            <a:spLocks noGrp="1"/>
+          </p:cNvSpPr>
           <p:nvPr>
-            <p:ph idx="1" type="body"/>
+            <p:ph type="body" idx="1"/>
           </p:nvPr>
         </p:nvSpPr>
         <p:spPr>
@@ -4638,11 +5306,11 @@
           </a:ln>
         </p:spPr>
         <p:txBody>
-          <a:bodyPr anchorCtr="0" anchor="t" bIns="91425" lIns="91425" spcFirstLastPara="1" rIns="91425" wrap="square" tIns="91425">
+          <a:bodyPr spcFirstLastPara="1" wrap="square" lIns="91425" tIns="91425" rIns="91425" bIns="91425" anchor="t" anchorCtr="0">
             <a:normAutofit/>
           </a:bodyPr>
           <a:lstStyle>
-            <a:lvl1pPr indent="-342900" lvl="0" marL="457200">
+            <a:lvl1pPr marL="457200" lvl="0" indent="-342900">
               <a:lnSpc>
                 <a:spcPct val="115000"/>
               </a:lnSpc>
@@ -4663,7 +5331,7 @@
                 </a:solidFill>
               </a:defRPr>
             </a:lvl1pPr>
-            <a:lvl2pPr indent="-317500" lvl="1" marL="914400">
+            <a:lvl2pPr marL="914400" lvl="1" indent="-317500">
               <a:lnSpc>
                 <a:spcPct val="115000"/>
               </a:lnSpc>
@@ -4684,7 +5352,7 @@
                 </a:solidFill>
               </a:defRPr>
             </a:lvl2pPr>
-            <a:lvl3pPr indent="-317500" lvl="2" marL="1371600">
+            <a:lvl3pPr marL="1371600" lvl="2" indent="-317500">
               <a:lnSpc>
                 <a:spcPct val="115000"/>
               </a:lnSpc>
@@ -4705,7 +5373,7 @@
                 </a:solidFill>
               </a:defRPr>
             </a:lvl3pPr>
-            <a:lvl4pPr indent="-317500" lvl="3" marL="1828800">
+            <a:lvl4pPr marL="1828800" lvl="3" indent="-317500">
               <a:lnSpc>
                 <a:spcPct val="115000"/>
               </a:lnSpc>
@@ -4726,7 +5394,7 @@
                 </a:solidFill>
               </a:defRPr>
             </a:lvl4pPr>
-            <a:lvl5pPr indent="-317500" lvl="4" marL="2286000">
+            <a:lvl5pPr marL="2286000" lvl="4" indent="-317500">
               <a:lnSpc>
                 <a:spcPct val="115000"/>
               </a:lnSpc>
@@ -4747,7 +5415,7 @@
                 </a:solidFill>
               </a:defRPr>
             </a:lvl5pPr>
-            <a:lvl6pPr indent="-317500" lvl="5" marL="2743200">
+            <a:lvl6pPr marL="2743200" lvl="5" indent="-317500">
               <a:lnSpc>
                 <a:spcPct val="115000"/>
               </a:lnSpc>
@@ -4768,7 +5436,7 @@
                 </a:solidFill>
               </a:defRPr>
             </a:lvl6pPr>
-            <a:lvl7pPr indent="-317500" lvl="6" marL="3200400">
+            <a:lvl7pPr marL="3200400" lvl="6" indent="-317500">
               <a:lnSpc>
                 <a:spcPct val="115000"/>
               </a:lnSpc>
@@ -4789,7 +5457,7 @@
                 </a:solidFill>
               </a:defRPr>
             </a:lvl7pPr>
-            <a:lvl8pPr indent="-317500" lvl="7" marL="3657600">
+            <a:lvl8pPr marL="3657600" lvl="7" indent="-317500">
               <a:lnSpc>
                 <a:spcPct val="115000"/>
               </a:lnSpc>
@@ -4810,7 +5478,7 @@
                 </a:solidFill>
               </a:defRPr>
             </a:lvl8pPr>
-            <a:lvl9pPr indent="-317500" lvl="8" marL="4114800">
+            <a:lvl9pPr marL="4114800" lvl="8" indent="-317500">
               <a:lnSpc>
                 <a:spcPct val="115000"/>
               </a:lnSpc>
@@ -4832,15 +5500,19 @@
               </a:defRPr>
             </a:lvl9pPr>
           </a:lstStyle>
-          <a:p/>
+          <a:p>
+            <a:endParaRPr/>
+          </a:p>
         </p:txBody>
       </p:sp>
       <p:sp>
         <p:nvSpPr>
           <p:cNvPr id="8" name="Google Shape;8;p1"/>
-          <p:cNvSpPr txBox="1"/>
+          <p:cNvSpPr txBox="1">
+            <a:spLocks noGrp="1"/>
+          </p:cNvSpPr>
           <p:nvPr>
-            <p:ph idx="12" type="sldNum"/>
+            <p:ph type="sldNum" idx="12"/>
           </p:nvPr>
         </p:nvSpPr>
         <p:spPr>
@@ -4857,7 +5529,7 @@
           </a:ln>
         </p:spPr>
         <p:txBody>
-          <a:bodyPr anchorCtr="0" anchor="ctr" bIns="91425" lIns="91425" spcFirstLastPara="1" rIns="91425" wrap="square" tIns="91425">
+          <a:bodyPr spcFirstLastPara="1" wrap="square" lIns="91425" tIns="91425" rIns="91425" bIns="91425" anchor="ctr" anchorCtr="0">
             <a:normAutofit/>
           </a:bodyPr>
           <a:lstStyle>
@@ -4935,7 +5607,7 @@
             </a:lvl9pPr>
           </a:lstStyle>
           <a:p>
-            <a:pPr indent="0" lvl="0" marL="0" rtl="0" algn="r">
+            <a:pPr marL="0" lvl="0" indent="0" algn="r" rtl="0">
               <a:spcBef>
                 <a:spcPts val="0"/>
               </a:spcBef>
@@ -4954,24 +5626,24 @@
       </p:sp>
     </p:spTree>
   </p:cSld>
-  <p:clrMap accent1="accent1" accent2="accent2" accent3="accent3" accent4="accent4" accent5="accent5" accent6="accent6" bg1="lt1" bg2="dk2" tx1="dk1" tx2="lt2" folHlink="folHlink" hlink="hlink"/>
+  <p:clrMap bg1="lt1" tx1="dk1" bg2="dk2" tx2="lt2" accent1="accent1" accent2="accent2" accent3="accent3" accent4="accent4" accent5="accent5" accent6="accent6" hlink="hlink" folHlink="folHlink"/>
   <p:sldLayoutIdLst>
-    <p:sldLayoutId id="2147483648" r:id="rId2"/>
-    <p:sldLayoutId id="2147483649" r:id="rId3"/>
-    <p:sldLayoutId id="2147483650" r:id="rId4"/>
-    <p:sldLayoutId id="2147483651" r:id="rId5"/>
-    <p:sldLayoutId id="2147483652" r:id="rId6"/>
-    <p:sldLayoutId id="2147483653" r:id="rId7"/>
-    <p:sldLayoutId id="2147483654" r:id="rId8"/>
-    <p:sldLayoutId id="2147483655" r:id="rId9"/>
-    <p:sldLayoutId id="2147483656" r:id="rId10"/>
-    <p:sldLayoutId id="2147483657" r:id="rId11"/>
-    <p:sldLayoutId id="2147483658" r:id="rId12"/>
+    <p:sldLayoutId id="2147483648" r:id="rId1"/>
+    <p:sldLayoutId id="2147483649" r:id="rId2"/>
+    <p:sldLayoutId id="2147483650" r:id="rId3"/>
+    <p:sldLayoutId id="2147483651" r:id="rId4"/>
+    <p:sldLayoutId id="2147483652" r:id="rId5"/>
+    <p:sldLayoutId id="2147483653" r:id="rId6"/>
+    <p:sldLayoutId id="2147483654" r:id="rId7"/>
+    <p:sldLayoutId id="2147483655" r:id="rId8"/>
+    <p:sldLayoutId id="2147483656" r:id="rId9"/>
+    <p:sldLayoutId id="2147483657" r:id="rId10"/>
+    <p:sldLayoutId id="2147483658" r:id="rId11"/>
   </p:sldLayoutIdLst>
-  <p:hf dt="0" ftr="0" hdr="0" sldNum="0"/>
+  <p:hf sldNum="0" hdr="0" ftr="0" dt="0"/>
   <p:txStyles>
     <p:titleStyle>
-      <a:defPPr lvl="0" marR="0" rtl="0" algn="l">
+      <a:defPPr marR="0" lvl="0" algn="l" rtl="0">
         <a:lnSpc>
           <a:spcPct val="100000"/>
         </a:lnSpc>
@@ -4982,7 +5654,7 @@
           <a:spcPts val="0"/>
         </a:spcAft>
       </a:defPPr>
-      <a:lvl1pPr lvl="0" marR="0" rtl="0" algn="l">
+      <a:lvl1pPr marR="0" lvl="0" algn="l" rtl="0">
         <a:lnSpc>
           <a:spcPct val="100000"/>
         </a:lnSpc>
@@ -4996,7 +5668,7 @@
           <a:srgbClr val="000000"/>
         </a:buClr>
         <a:buFont typeface="Arial"/>
-        <a:defRPr b="0" i="0" sz="1400" u="none" cap="none" strike="noStrike">
+        <a:defRPr sz="1400" b="0" i="0" u="none" strike="noStrike" cap="none">
           <a:solidFill>
             <a:srgbClr val="000000"/>
           </a:solidFill>
@@ -5006,7 +5678,7 @@
           <a:sym typeface="Arial"/>
         </a:defRPr>
       </a:lvl1pPr>
-      <a:lvl2pPr lvl="1" marR="0" rtl="0" algn="l">
+      <a:lvl2pPr marR="0" lvl="1" algn="l" rtl="0">
         <a:lnSpc>
           <a:spcPct val="100000"/>
         </a:lnSpc>
@@ -5020,7 +5692,7 @@
           <a:srgbClr val="000000"/>
         </a:buClr>
         <a:buFont typeface="Arial"/>
-        <a:defRPr b="0" i="0" sz="1400" u="none" cap="none" strike="noStrike">
+        <a:defRPr sz="1400" b="0" i="0" u="none" strike="noStrike" cap="none">
           <a:solidFill>
             <a:srgbClr val="000000"/>
           </a:solidFill>
@@ -5030,7 +5702,7 @@
           <a:sym typeface="Arial"/>
         </a:defRPr>
       </a:lvl2pPr>
-      <a:lvl3pPr lvl="2" marR="0" rtl="0" algn="l">
+      <a:lvl3pPr marR="0" lvl="2" algn="l" rtl="0">
         <a:lnSpc>
           <a:spcPct val="100000"/>
         </a:lnSpc>
@@ -5044,7 +5716,7 @@
           <a:srgbClr val="000000"/>
         </a:buClr>
         <a:buFont typeface="Arial"/>
-        <a:defRPr b="0" i="0" sz="1400" u="none" cap="none" strike="noStrike">
+        <a:defRPr sz="1400" b="0" i="0" u="none" strike="noStrike" cap="none">
           <a:solidFill>
             <a:srgbClr val="000000"/>
           </a:solidFill>
@@ -5054,7 +5726,7 @@
           <a:sym typeface="Arial"/>
         </a:defRPr>
       </a:lvl3pPr>
-      <a:lvl4pPr lvl="3" marR="0" rtl="0" algn="l">
+      <a:lvl4pPr marR="0" lvl="3" algn="l" rtl="0">
         <a:lnSpc>
           <a:spcPct val="100000"/>
         </a:lnSpc>
@@ -5068,7 +5740,7 @@
           <a:srgbClr val="000000"/>
         </a:buClr>
         <a:buFont typeface="Arial"/>
-        <a:defRPr b="0" i="0" sz="1400" u="none" cap="none" strike="noStrike">
+        <a:defRPr sz="1400" b="0" i="0" u="none" strike="noStrike" cap="none">
           <a:solidFill>
             <a:srgbClr val="000000"/>
           </a:solidFill>
@@ -5078,7 +5750,7 @@
           <a:sym typeface="Arial"/>
         </a:defRPr>
       </a:lvl4pPr>
-      <a:lvl5pPr lvl="4" marR="0" rtl="0" algn="l">
+      <a:lvl5pPr marR="0" lvl="4" algn="l" rtl="0">
         <a:lnSpc>
           <a:spcPct val="100000"/>
         </a:lnSpc>
@@ -5092,7 +5764,7 @@
           <a:srgbClr val="000000"/>
         </a:buClr>
         <a:buFont typeface="Arial"/>
-        <a:defRPr b="0" i="0" sz="1400" u="none" cap="none" strike="noStrike">
+        <a:defRPr sz="1400" b="0" i="0" u="none" strike="noStrike" cap="none">
           <a:solidFill>
             <a:srgbClr val="000000"/>
           </a:solidFill>
@@ -5102,7 +5774,7 @@
           <a:sym typeface="Arial"/>
         </a:defRPr>
       </a:lvl5pPr>
-      <a:lvl6pPr lvl="5" marR="0" rtl="0" algn="l">
+      <a:lvl6pPr marR="0" lvl="5" algn="l" rtl="0">
         <a:lnSpc>
           <a:spcPct val="100000"/>
         </a:lnSpc>
@@ -5116,7 +5788,7 @@
           <a:srgbClr val="000000"/>
         </a:buClr>
         <a:buFont typeface="Arial"/>
-        <a:defRPr b="0" i="0" sz="1400" u="none" cap="none" strike="noStrike">
+        <a:defRPr sz="1400" b="0" i="0" u="none" strike="noStrike" cap="none">
           <a:solidFill>
             <a:srgbClr val="000000"/>
           </a:solidFill>
@@ -5126,7 +5798,7 @@
           <a:sym typeface="Arial"/>
         </a:defRPr>
       </a:lvl6pPr>
-      <a:lvl7pPr lvl="6" marR="0" rtl="0" algn="l">
+      <a:lvl7pPr marR="0" lvl="6" algn="l" rtl="0">
         <a:lnSpc>
           <a:spcPct val="100000"/>
         </a:lnSpc>
@@ -5140,7 +5812,7 @@
           <a:srgbClr val="000000"/>
         </a:buClr>
         <a:buFont typeface="Arial"/>
-        <a:defRPr b="0" i="0" sz="1400" u="none" cap="none" strike="noStrike">
+        <a:defRPr sz="1400" b="0" i="0" u="none" strike="noStrike" cap="none">
           <a:solidFill>
             <a:srgbClr val="000000"/>
           </a:solidFill>
@@ -5150,7 +5822,7 @@
           <a:sym typeface="Arial"/>
         </a:defRPr>
       </a:lvl7pPr>
-      <a:lvl8pPr lvl="7" marR="0" rtl="0" algn="l">
+      <a:lvl8pPr marR="0" lvl="7" algn="l" rtl="0">
         <a:lnSpc>
           <a:spcPct val="100000"/>
         </a:lnSpc>
@@ -5164,7 +5836,7 @@
           <a:srgbClr val="000000"/>
         </a:buClr>
         <a:buFont typeface="Arial"/>
-        <a:defRPr b="0" i="0" sz="1400" u="none" cap="none" strike="noStrike">
+        <a:defRPr sz="1400" b="0" i="0" u="none" strike="noStrike" cap="none">
           <a:solidFill>
             <a:srgbClr val="000000"/>
           </a:solidFill>
@@ -5174,7 +5846,7 @@
           <a:sym typeface="Arial"/>
         </a:defRPr>
       </a:lvl8pPr>
-      <a:lvl9pPr lvl="8" marR="0" rtl="0" algn="l">
+      <a:lvl9pPr marR="0" lvl="8" algn="l" rtl="0">
         <a:lnSpc>
           <a:spcPct val="100000"/>
         </a:lnSpc>
@@ -5188,7 +5860,7 @@
           <a:srgbClr val="000000"/>
         </a:buClr>
         <a:buFont typeface="Arial"/>
-        <a:defRPr b="0" i="0" sz="1400" u="none" cap="none" strike="noStrike">
+        <a:defRPr sz="1400" b="0" i="0" u="none" strike="noStrike" cap="none">
           <a:solidFill>
             <a:srgbClr val="000000"/>
           </a:solidFill>
@@ -5200,7 +5872,7 @@
       </a:lvl9pPr>
     </p:titleStyle>
     <p:bodyStyle>
-      <a:defPPr lvl="0" marR="0" rtl="0" algn="l">
+      <a:defPPr marR="0" lvl="0" algn="l" rtl="0">
         <a:lnSpc>
           <a:spcPct val="100000"/>
         </a:lnSpc>
@@ -5211,7 +5883,7 @@
           <a:spcPts val="0"/>
         </a:spcAft>
       </a:defPPr>
-      <a:lvl1pPr lvl="0" marR="0" rtl="0" algn="l">
+      <a:lvl1pPr marR="0" lvl="0" algn="l" rtl="0">
         <a:lnSpc>
           <a:spcPct val="100000"/>
         </a:lnSpc>
@@ -5225,7 +5897,7 @@
           <a:srgbClr val="000000"/>
         </a:buClr>
         <a:buFont typeface="Arial"/>
-        <a:defRPr b="0" i="0" sz="1400" u="none" cap="none" strike="noStrike">
+        <a:defRPr sz="1400" b="0" i="0" u="none" strike="noStrike" cap="none">
           <a:solidFill>
             <a:srgbClr val="000000"/>
           </a:solidFill>
@@ -5235,7 +5907,7 @@
           <a:sym typeface="Arial"/>
         </a:defRPr>
       </a:lvl1pPr>
-      <a:lvl2pPr lvl="1" marR="0" rtl="0" algn="l">
+      <a:lvl2pPr marR="0" lvl="1" algn="l" rtl="0">
         <a:lnSpc>
           <a:spcPct val="100000"/>
         </a:lnSpc>
@@ -5249,7 +5921,7 @@
           <a:srgbClr val="000000"/>
         </a:buClr>
         <a:buFont typeface="Arial"/>
-        <a:defRPr b="0" i="0" sz="1400" u="none" cap="none" strike="noStrike">
+        <a:defRPr sz="1400" b="0" i="0" u="none" strike="noStrike" cap="none">
           <a:solidFill>
             <a:srgbClr val="000000"/>
           </a:solidFill>
@@ -5259,7 +5931,7 @@
           <a:sym typeface="Arial"/>
         </a:defRPr>
       </a:lvl2pPr>
-      <a:lvl3pPr lvl="2" marR="0" rtl="0" algn="l">
+      <a:lvl3pPr marR="0" lvl="2" algn="l" rtl="0">
         <a:lnSpc>
           <a:spcPct val="100000"/>
         </a:lnSpc>
@@ -5273,7 +5945,7 @@
           <a:srgbClr val="000000"/>
         </a:buClr>
         <a:buFont typeface="Arial"/>
-        <a:defRPr b="0" i="0" sz="1400" u="none" cap="none" strike="noStrike">
+        <a:defRPr sz="1400" b="0" i="0" u="none" strike="noStrike" cap="none">
           <a:solidFill>
             <a:srgbClr val="000000"/>
           </a:solidFill>
@@ -5283,7 +5955,7 @@
           <a:sym typeface="Arial"/>
         </a:defRPr>
       </a:lvl3pPr>
-      <a:lvl4pPr lvl="3" marR="0" rtl="0" algn="l">
+      <a:lvl4pPr marR="0" lvl="3" algn="l" rtl="0">
         <a:lnSpc>
           <a:spcPct val="100000"/>
         </a:lnSpc>
@@ -5297,7 +5969,7 @@
           <a:srgbClr val="000000"/>
         </a:buClr>
         <a:buFont typeface="Arial"/>
-        <a:defRPr b="0" i="0" sz="1400" u="none" cap="none" strike="noStrike">
+        <a:defRPr sz="1400" b="0" i="0" u="none" strike="noStrike" cap="none">
           <a:solidFill>
             <a:srgbClr val="000000"/>
           </a:solidFill>
@@ -5307,7 +5979,7 @@
           <a:sym typeface="Arial"/>
         </a:defRPr>
       </a:lvl4pPr>
-      <a:lvl5pPr lvl="4" marR="0" rtl="0" algn="l">
+      <a:lvl5pPr marR="0" lvl="4" algn="l" rtl="0">
         <a:lnSpc>
           <a:spcPct val="100000"/>
         </a:lnSpc>
@@ -5321,7 +5993,7 @@
           <a:srgbClr val="000000"/>
         </a:buClr>
         <a:buFont typeface="Arial"/>
-        <a:defRPr b="0" i="0" sz="1400" u="none" cap="none" strike="noStrike">
+        <a:defRPr sz="1400" b="0" i="0" u="none" strike="noStrike" cap="none">
           <a:solidFill>
             <a:srgbClr val="000000"/>
           </a:solidFill>
@@ -5331,7 +6003,7 @@
           <a:sym typeface="Arial"/>
         </a:defRPr>
       </a:lvl5pPr>
-      <a:lvl6pPr lvl="5" marR="0" rtl="0" algn="l">
+      <a:lvl6pPr marR="0" lvl="5" algn="l" rtl="0">
         <a:lnSpc>
           <a:spcPct val="100000"/>
         </a:lnSpc>
@@ -5345,7 +6017,7 @@
           <a:srgbClr val="000000"/>
         </a:buClr>
         <a:buFont typeface="Arial"/>
-        <a:defRPr b="0" i="0" sz="1400" u="none" cap="none" strike="noStrike">
+        <a:defRPr sz="1400" b="0" i="0" u="none" strike="noStrike" cap="none">
           <a:solidFill>
             <a:srgbClr val="000000"/>
           </a:solidFill>
@@ -5355,7 +6027,7 @@
           <a:sym typeface="Arial"/>
         </a:defRPr>
       </a:lvl6pPr>
-      <a:lvl7pPr lvl="6" marR="0" rtl="0" algn="l">
+      <a:lvl7pPr marR="0" lvl="6" algn="l" rtl="0">
         <a:lnSpc>
           <a:spcPct val="100000"/>
         </a:lnSpc>
@@ -5369,7 +6041,7 @@
           <a:srgbClr val="000000"/>
         </a:buClr>
         <a:buFont typeface="Arial"/>
-        <a:defRPr b="0" i="0" sz="1400" u="none" cap="none" strike="noStrike">
+        <a:defRPr sz="1400" b="0" i="0" u="none" strike="noStrike" cap="none">
           <a:solidFill>
             <a:srgbClr val="000000"/>
           </a:solidFill>
@@ -5379,7 +6051,7 @@
           <a:sym typeface="Arial"/>
         </a:defRPr>
       </a:lvl7pPr>
-      <a:lvl8pPr lvl="7" marR="0" rtl="0" algn="l">
+      <a:lvl8pPr marR="0" lvl="7" algn="l" rtl="0">
         <a:lnSpc>
           <a:spcPct val="100000"/>
         </a:lnSpc>
@@ -5393,7 +6065,7 @@
           <a:srgbClr val="000000"/>
         </a:buClr>
         <a:buFont typeface="Arial"/>
-        <a:defRPr b="0" i="0" sz="1400" u="none" cap="none" strike="noStrike">
+        <a:defRPr sz="1400" b="0" i="0" u="none" strike="noStrike" cap="none">
           <a:solidFill>
             <a:srgbClr val="000000"/>
           </a:solidFill>
@@ -5403,7 +6075,7 @@
           <a:sym typeface="Arial"/>
         </a:defRPr>
       </a:lvl8pPr>
-      <a:lvl9pPr lvl="8" marR="0" rtl="0" algn="l">
+      <a:lvl9pPr marR="0" lvl="8" algn="l" rtl="0">
         <a:lnSpc>
           <a:spcPct val="100000"/>
         </a:lnSpc>
@@ -5417,7 +6089,7 @@
           <a:srgbClr val="000000"/>
         </a:buClr>
         <a:buFont typeface="Arial"/>
-        <a:defRPr b="0" i="0" sz="1400" u="none" cap="none" strike="noStrike">
+        <a:defRPr sz="1400" b="0" i="0" u="none" strike="noStrike" cap="none">
           <a:solidFill>
             <a:srgbClr val="000000"/>
           </a:solidFill>
@@ -5429,7 +6101,7 @@
       </a:lvl9pPr>
     </p:bodyStyle>
     <p:otherStyle>
-      <a:defPPr lvl="0" marR="0" rtl="0" algn="l">
+      <a:defPPr marR="0" lvl="0" algn="l" rtl="0">
         <a:lnSpc>
           <a:spcPct val="100000"/>
         </a:lnSpc>
@@ -5440,7 +6112,7 @@
           <a:spcPts val="0"/>
         </a:spcAft>
       </a:defPPr>
-      <a:lvl1pPr lvl="0" marR="0" rtl="0" algn="l">
+      <a:lvl1pPr marR="0" lvl="0" algn="l" rtl="0">
         <a:lnSpc>
           <a:spcPct val="100000"/>
         </a:lnSpc>
@@ -5454,7 +6126,7 @@
           <a:srgbClr val="000000"/>
         </a:buClr>
         <a:buFont typeface="Arial"/>
-        <a:defRPr b="0" i="0" sz="1400" u="none" cap="none" strike="noStrike">
+        <a:defRPr sz="1400" b="0" i="0" u="none" strike="noStrike" cap="none">
           <a:solidFill>
             <a:srgbClr val="000000"/>
           </a:solidFill>
@@ -5464,7 +6136,7 @@
           <a:sym typeface="Arial"/>
         </a:defRPr>
       </a:lvl1pPr>
-      <a:lvl2pPr lvl="1" marR="0" rtl="0" algn="l">
+      <a:lvl2pPr marR="0" lvl="1" algn="l" rtl="0">
         <a:lnSpc>
           <a:spcPct val="100000"/>
         </a:lnSpc>
@@ -5478,7 +6150,7 @@
           <a:srgbClr val="000000"/>
         </a:buClr>
         <a:buFont typeface="Arial"/>
-        <a:defRPr b="0" i="0" sz="1400" u="none" cap="none" strike="noStrike">
+        <a:defRPr sz="1400" b="0" i="0" u="none" strike="noStrike" cap="none">
           <a:solidFill>
             <a:srgbClr val="000000"/>
           </a:solidFill>
@@ -5488,7 +6160,7 @@
           <a:sym typeface="Arial"/>
         </a:defRPr>
       </a:lvl2pPr>
-      <a:lvl3pPr lvl="2" marR="0" rtl="0" algn="l">
+      <a:lvl3pPr marR="0" lvl="2" algn="l" rtl="0">
         <a:lnSpc>
           <a:spcPct val="100000"/>
         </a:lnSpc>
@@ -5502,7 +6174,7 @@
           <a:srgbClr val="000000"/>
         </a:buClr>
         <a:buFont typeface="Arial"/>
-        <a:defRPr b="0" i="0" sz="1400" u="none" cap="none" strike="noStrike">
+        <a:defRPr sz="1400" b="0" i="0" u="none" strike="noStrike" cap="none">
           <a:solidFill>
             <a:srgbClr val="000000"/>
           </a:solidFill>
@@ -5512,7 +6184,7 @@
           <a:sym typeface="Arial"/>
         </a:defRPr>
       </a:lvl3pPr>
-      <a:lvl4pPr lvl="3" marR="0" rtl="0" algn="l">
+      <a:lvl4pPr marR="0" lvl="3" algn="l" rtl="0">
         <a:lnSpc>
           <a:spcPct val="100000"/>
         </a:lnSpc>
@@ -5526,7 +6198,7 @@
           <a:srgbClr val="000000"/>
         </a:buClr>
         <a:buFont typeface="Arial"/>
-        <a:defRPr b="0" i="0" sz="1400" u="none" cap="none" strike="noStrike">
+        <a:defRPr sz="1400" b="0" i="0" u="none" strike="noStrike" cap="none">
           <a:solidFill>
             <a:srgbClr val="000000"/>
           </a:solidFill>
@@ -5536,7 +6208,7 @@
           <a:sym typeface="Arial"/>
         </a:defRPr>
       </a:lvl4pPr>
-      <a:lvl5pPr lvl="4" marR="0" rtl="0" algn="l">
+      <a:lvl5pPr marR="0" lvl="4" algn="l" rtl="0">
         <a:lnSpc>
           <a:spcPct val="100000"/>
         </a:lnSpc>
@@ -5550,7 +6222,7 @@
           <a:srgbClr val="000000"/>
         </a:buClr>
         <a:buFont typeface="Arial"/>
-        <a:defRPr b="0" i="0" sz="1400" u="none" cap="none" strike="noStrike">
+        <a:defRPr sz="1400" b="0" i="0" u="none" strike="noStrike" cap="none">
           <a:solidFill>
             <a:srgbClr val="000000"/>
           </a:solidFill>
@@ -5560,7 +6232,7 @@
           <a:sym typeface="Arial"/>
         </a:defRPr>
       </a:lvl5pPr>
-      <a:lvl6pPr lvl="5" marR="0" rtl="0" algn="l">
+      <a:lvl6pPr marR="0" lvl="5" algn="l" rtl="0">
         <a:lnSpc>
           <a:spcPct val="100000"/>
         </a:lnSpc>
@@ -5574,7 +6246,7 @@
           <a:srgbClr val="000000"/>
         </a:buClr>
         <a:buFont typeface="Arial"/>
-        <a:defRPr b="0" i="0" sz="1400" u="none" cap="none" strike="noStrike">
+        <a:defRPr sz="1400" b="0" i="0" u="none" strike="noStrike" cap="none">
           <a:solidFill>
             <a:srgbClr val="000000"/>
           </a:solidFill>
@@ -5584,7 +6256,7 @@
           <a:sym typeface="Arial"/>
         </a:defRPr>
       </a:lvl6pPr>
-      <a:lvl7pPr lvl="6" marR="0" rtl="0" algn="l">
+      <a:lvl7pPr marR="0" lvl="6" algn="l" rtl="0">
         <a:lnSpc>
           <a:spcPct val="100000"/>
         </a:lnSpc>
@@ -5598,7 +6270,7 @@
           <a:srgbClr val="000000"/>
         </a:buClr>
         <a:buFont typeface="Arial"/>
-        <a:defRPr b="0" i="0" sz="1400" u="none" cap="none" strike="noStrike">
+        <a:defRPr sz="1400" b="0" i="0" u="none" strike="noStrike" cap="none">
           <a:solidFill>
             <a:srgbClr val="000000"/>
           </a:solidFill>
@@ -5608,7 +6280,7 @@
           <a:sym typeface="Arial"/>
         </a:defRPr>
       </a:lvl7pPr>
-      <a:lvl8pPr lvl="7" marR="0" rtl="0" algn="l">
+      <a:lvl8pPr marR="0" lvl="7" algn="l" rtl="0">
         <a:lnSpc>
           <a:spcPct val="100000"/>
         </a:lnSpc>
@@ -5622,7 +6294,7 @@
           <a:srgbClr val="000000"/>
         </a:buClr>
         <a:buFont typeface="Arial"/>
-        <a:defRPr b="0" i="0" sz="1400" u="none" cap="none" strike="noStrike">
+        <a:defRPr sz="1400" b="0" i="0" u="none" strike="noStrike" cap="none">
           <a:solidFill>
             <a:srgbClr val="000000"/>
           </a:solidFill>
@@ -5632,7 +6304,7 @@
           <a:sym typeface="Arial"/>
         </a:defRPr>
       </a:lvl8pPr>
-      <a:lvl9pPr lvl="8" marR="0" rtl="0" algn="l">
+      <a:lvl9pPr marR="0" lvl="8" algn="l" rtl="0">
         <a:lnSpc>
           <a:spcPct val="100000"/>
         </a:lnSpc>
@@ -5646,7 +6318,7 @@
           <a:srgbClr val="000000"/>
         </a:buClr>
         <a:buFont typeface="Arial"/>
-        <a:defRPr b="0" i="0" sz="1400" u="none" cap="none" strike="noStrike">
+        <a:defRPr sz="1400" b="0" i="0" u="none" strike="noStrike" cap="none">
           <a:solidFill>
             <a:srgbClr val="000000"/>
           </a:solidFill>
@@ -5662,11 +6334,685 @@
 </file>
 
 <file path=ppt/slides/slide1.xml><?xml version="1.0" encoding="utf-8"?>
-<p:sld xmlns:a="http://schemas.openxmlformats.org/drawingml/2006/main" xmlns:r="http://schemas.openxmlformats.org/officeDocument/2006/relationships" xmlns:mc="http://schemas.openxmlformats.org/markup-compatibility/2006" xmlns:mv="urn:schemas-microsoft-com:mac:vml" xmlns:p="http://schemas.openxmlformats.org/presentationml/2006/main" xmlns:c="http://schemas.openxmlformats.org/drawingml/2006/chart" xmlns:dgm="http://schemas.openxmlformats.org/drawingml/2006/diagram" xmlns:o="urn:schemas-microsoft-com:office:office" xmlns:v="urn:schemas-microsoft-com:vml" xmlns:pvml="urn:schemas-microsoft-com:office:powerpoint" xmlns:com="http://schemas.openxmlformats.org/drawingml/2006/compatibility" xmlns:p14="http://schemas.microsoft.com/office/powerpoint/2010/main" xmlns:p15="http://schemas.microsoft.com/office/powerpoint/2012/main" xmlns:ahyp="http://schemas.microsoft.com/office/drawing/2018/hyperlinkcolor">
+<p:sld xmlns:a="http://schemas.openxmlformats.org/drawingml/2006/main" xmlns:r="http://schemas.openxmlformats.org/officeDocument/2006/relationships" xmlns:p="http://schemas.openxmlformats.org/presentationml/2006/main">
   <p:cSld>
     <p:spTree>
       <p:nvGrpSpPr>
-        <p:cNvPr id="53" name="Shape 53"/>
+        <p:cNvPr id="1" name="Shape 98"/>
+        <p:cNvGrpSpPr/>
+        <p:nvPr/>
+      </p:nvGrpSpPr>
+      <p:grpSpPr>
+        <a:xfrm>
+          <a:off x="0" y="0"/>
+          <a:ext cx="0" cy="0"/>
+          <a:chOff x="0" y="0"/>
+          <a:chExt cx="0" cy="0"/>
+        </a:xfrm>
+      </p:grpSpPr>
+      <p:sp>
+        <p:nvSpPr>
+          <p:cNvPr id="99" name="Google Shape;99;p25"/>
+          <p:cNvSpPr txBox="1">
+            <a:spLocks noGrp="1"/>
+          </p:cNvSpPr>
+          <p:nvPr>
+            <p:ph type="ctrTitle"/>
+          </p:nvPr>
+        </p:nvSpPr>
+        <p:spPr>
+          <a:xfrm>
+            <a:off x="311700" y="1450625"/>
+            <a:ext cx="3736800" cy="2007900"/>
+          </a:xfrm>
+          <a:prstGeom prst="rect">
+            <a:avLst/>
+          </a:prstGeom>
+        </p:spPr>
+        <p:txBody>
+          <a:bodyPr spcFirstLastPara="1" wrap="square" lIns="91425" tIns="91425" rIns="91425" bIns="91425" anchor="b" anchorCtr="0">
+            <a:noAutofit/>
+          </a:bodyPr>
+          <a:lstStyle/>
+          <a:p>
+            <a:pPr marL="0" lvl="0" indent="0" algn="ctr" rtl="0">
+              <a:spcBef>
+                <a:spcPts val="0"/>
+              </a:spcBef>
+              <a:spcAft>
+                <a:spcPts val="0"/>
+              </a:spcAft>
+              <a:buSzPts val="990"/>
+              <a:buNone/>
+            </a:pPr>
+            <a:r>
+              <a:rPr lang="en" sz="3180" dirty="0">
+                <a:latin typeface="Dosis"/>
+                <a:ea typeface="Dosis"/>
+                <a:cs typeface="Dosis"/>
+                <a:sym typeface="Dosis"/>
+              </a:rPr>
+              <a:t>Predict Clicked Ads Customer Classification by using Machine Learning</a:t>
+            </a:r>
+            <a:endParaRPr sz="3180" dirty="0">
+              <a:latin typeface="Dosis"/>
+              <a:ea typeface="Dosis"/>
+              <a:cs typeface="Dosis"/>
+              <a:sym typeface="Dosis"/>
+            </a:endParaRPr>
+          </a:p>
+        </p:txBody>
+      </p:sp>
+      <p:sp>
+        <p:nvSpPr>
+          <p:cNvPr id="7" name="Google Shape;100;p25">
+            <a:extLst>
+              <a:ext uri="{FF2B5EF4-FFF2-40B4-BE49-F238E27FC236}">
+                <a16:creationId xmlns:a16="http://schemas.microsoft.com/office/drawing/2014/main" id="{A2098770-471B-79AD-2361-25D7541008FB}"/>
+              </a:ext>
+            </a:extLst>
+          </p:cNvPr>
+          <p:cNvSpPr txBox="1"/>
+          <p:nvPr/>
+        </p:nvSpPr>
+        <p:spPr>
+          <a:xfrm>
+            <a:off x="5959950" y="908900"/>
+            <a:ext cx="2803050" cy="1051518"/>
+          </a:xfrm>
+          <a:prstGeom prst="rect">
+            <a:avLst/>
+          </a:prstGeom>
+          <a:noFill/>
+          <a:ln>
+            <a:noFill/>
+          </a:ln>
+        </p:spPr>
+        <p:txBody>
+          <a:bodyPr spcFirstLastPara="1" wrap="square" lIns="68575" tIns="34275" rIns="68575" bIns="34275" anchor="t" anchorCtr="0">
+            <a:noAutofit/>
+          </a:bodyPr>
+          <a:lstStyle/>
+          <a:p>
+            <a:pPr marL="0" marR="0" lvl="0" indent="0" algn="l" rtl="0">
+              <a:lnSpc>
+                <a:spcPct val="100000"/>
+              </a:lnSpc>
+              <a:spcBef>
+                <a:spcPts val="0"/>
+              </a:spcBef>
+              <a:spcAft>
+                <a:spcPts val="0"/>
+              </a:spcAft>
+              <a:buClr>
+                <a:srgbClr val="000000"/>
+              </a:buClr>
+              <a:buSzPts val="1100"/>
+              <a:buFont typeface="Arial"/>
+              <a:buNone/>
+            </a:pPr>
+            <a:r>
+              <a:rPr lang="en" sz="1200" b="1" dirty="0">
+                <a:latin typeface="Dosis"/>
+                <a:ea typeface="Dosis"/>
+                <a:cs typeface="Dosis"/>
+                <a:sym typeface="Dosis"/>
+              </a:rPr>
+              <a:t>Created by: </a:t>
+            </a:r>
+            <a:endParaRPr sz="1200" b="1" dirty="0">
+              <a:latin typeface="Dosis"/>
+              <a:ea typeface="Dosis"/>
+              <a:cs typeface="Dosis"/>
+              <a:sym typeface="Dosis"/>
+            </a:endParaRPr>
+          </a:p>
+          <a:p>
+            <a:pPr marL="0" marR="0" lvl="0" indent="0" algn="l" rtl="0">
+              <a:lnSpc>
+                <a:spcPct val="100000"/>
+              </a:lnSpc>
+              <a:spcBef>
+                <a:spcPts val="0"/>
+              </a:spcBef>
+              <a:spcAft>
+                <a:spcPts val="0"/>
+              </a:spcAft>
+              <a:buClr>
+                <a:srgbClr val="000000"/>
+              </a:buClr>
+              <a:buSzPts val="1100"/>
+              <a:buFont typeface="Arial"/>
+              <a:buNone/>
+            </a:pPr>
+            <a:r>
+              <a:rPr lang="en-US" sz="1200" b="1" dirty="0">
+                <a:latin typeface="Dosis"/>
+                <a:ea typeface="Dosis"/>
+                <a:cs typeface="Dosis"/>
+                <a:sym typeface="Dosis"/>
+              </a:rPr>
+              <a:t>Muhammad Cikal Merdeka</a:t>
+            </a:r>
+            <a:endParaRPr sz="1200" b="1" i="0" u="none" strike="noStrike" cap="none" dirty="0">
+              <a:solidFill>
+                <a:srgbClr val="000000"/>
+              </a:solidFill>
+              <a:latin typeface="Dosis"/>
+              <a:ea typeface="Dosis"/>
+              <a:cs typeface="Dosis"/>
+              <a:sym typeface="Dosis"/>
+            </a:endParaRPr>
+          </a:p>
+          <a:p>
+            <a:pPr marL="0" marR="0" lvl="0" indent="0" algn="l" rtl="0">
+              <a:lnSpc>
+                <a:spcPct val="100000"/>
+              </a:lnSpc>
+              <a:spcBef>
+                <a:spcPts val="0"/>
+              </a:spcBef>
+              <a:spcAft>
+                <a:spcPts val="0"/>
+              </a:spcAft>
+              <a:buClr>
+                <a:srgbClr val="000000"/>
+              </a:buClr>
+              <a:buSzPts val="1100"/>
+              <a:buFont typeface="Arial"/>
+              <a:buNone/>
+            </a:pPr>
+            <a:r>
+              <a:rPr lang="en-US" sz="1200" b="1" dirty="0">
+                <a:latin typeface="Dosis"/>
+                <a:ea typeface="Dosis"/>
+                <a:cs typeface="Dosis"/>
+                <a:sym typeface="Dosis"/>
+              </a:rPr>
+              <a:t>Email : </a:t>
+            </a:r>
+            <a:r>
+              <a:rPr lang="en-US" sz="1200" b="1" dirty="0">
+                <a:latin typeface="Dosis"/>
+                <a:ea typeface="Dosis"/>
+                <a:cs typeface="Dosis"/>
+                <a:sym typeface="Dosis"/>
+                <a:hlinkClick r:id="rId3"/>
+              </a:rPr>
+              <a:t>mcikalmerdeka@gmail.com</a:t>
+            </a:r>
+            <a:endParaRPr sz="1200" b="1" dirty="0">
+              <a:latin typeface="Dosis"/>
+              <a:ea typeface="Dosis"/>
+              <a:cs typeface="Dosis"/>
+              <a:sym typeface="Dosis"/>
+            </a:endParaRPr>
+          </a:p>
+          <a:p>
+            <a:pPr marL="0" marR="0" lvl="0" indent="0" algn="l" rtl="0">
+              <a:lnSpc>
+                <a:spcPct val="100000"/>
+              </a:lnSpc>
+              <a:spcBef>
+                <a:spcPts val="0"/>
+              </a:spcBef>
+              <a:spcAft>
+                <a:spcPts val="0"/>
+              </a:spcAft>
+              <a:buClr>
+                <a:srgbClr val="000000"/>
+              </a:buClr>
+              <a:buSzPts val="1100"/>
+              <a:buFont typeface="Arial"/>
+              <a:buNone/>
+            </a:pPr>
+            <a:r>
+              <a:rPr lang="en" sz="1200" b="1" dirty="0">
+                <a:latin typeface="Dosis"/>
+                <a:ea typeface="Dosis"/>
+                <a:cs typeface="Dosis"/>
+                <a:sym typeface="Dosis"/>
+              </a:rPr>
+              <a:t>LinkedIn : </a:t>
+            </a:r>
+            <a:r>
+              <a:rPr lang="en-ID" sz="1200" b="1" dirty="0">
+                <a:latin typeface="Dosis"/>
+                <a:ea typeface="Dosis"/>
+                <a:cs typeface="Dosis"/>
+                <a:sym typeface="Dosis"/>
+                <a:hlinkClick r:id="rId4"/>
+              </a:rPr>
+              <a:t>linkedin.com/in/</a:t>
+            </a:r>
+            <a:r>
+              <a:rPr lang="en-ID" sz="1200" b="1" dirty="0" err="1">
+                <a:latin typeface="Dosis"/>
+                <a:ea typeface="Dosis"/>
+                <a:cs typeface="Dosis"/>
+                <a:sym typeface="Dosis"/>
+                <a:hlinkClick r:id="rId4"/>
+              </a:rPr>
+              <a:t>mcikalmerdeka</a:t>
+            </a:r>
+            <a:endParaRPr lang="en" sz="1200" b="1" dirty="0">
+              <a:latin typeface="Dosis"/>
+              <a:ea typeface="Dosis"/>
+              <a:cs typeface="Dosis"/>
+              <a:sym typeface="Dosis"/>
+            </a:endParaRPr>
+          </a:p>
+          <a:p>
+            <a:pPr marL="0" marR="0" lvl="0" indent="0" algn="l" rtl="0">
+              <a:lnSpc>
+                <a:spcPct val="100000"/>
+              </a:lnSpc>
+              <a:spcBef>
+                <a:spcPts val="0"/>
+              </a:spcBef>
+              <a:spcAft>
+                <a:spcPts val="0"/>
+              </a:spcAft>
+              <a:buClr>
+                <a:srgbClr val="000000"/>
+              </a:buClr>
+              <a:buSzPts val="1100"/>
+              <a:buFont typeface="Arial"/>
+              <a:buNone/>
+            </a:pPr>
+            <a:r>
+              <a:rPr lang="en" sz="1200" b="1" dirty="0">
+                <a:latin typeface="Dosis"/>
+                <a:ea typeface="Dosis"/>
+                <a:cs typeface="Dosis"/>
+                <a:sym typeface="Dosis"/>
+              </a:rPr>
+              <a:t>Github : </a:t>
+            </a:r>
+            <a:r>
+              <a:rPr lang="en-ID" sz="1200" b="1" dirty="0">
+                <a:latin typeface="Dosis"/>
+                <a:ea typeface="Dosis"/>
+                <a:cs typeface="Dosis"/>
+                <a:sym typeface="Dosis"/>
+                <a:hlinkClick r:id="rId5"/>
+              </a:rPr>
+              <a:t>github.com/mcikalmerdeka</a:t>
+            </a:r>
+            <a:endParaRPr lang="en" sz="1200" b="1" dirty="0">
+              <a:latin typeface="Dosis"/>
+              <a:ea typeface="Dosis"/>
+              <a:cs typeface="Dosis"/>
+              <a:sym typeface="Dosis"/>
+            </a:endParaRPr>
+          </a:p>
+        </p:txBody>
+      </p:sp>
+      <p:pic>
+        <p:nvPicPr>
+          <p:cNvPr id="8" name="Google Shape;101;p25">
+            <a:extLst>
+              <a:ext uri="{FF2B5EF4-FFF2-40B4-BE49-F238E27FC236}">
+                <a16:creationId xmlns:a16="http://schemas.microsoft.com/office/drawing/2014/main" id="{6F5D6881-763B-7E6F-4019-0A6DE180D9E0}"/>
+              </a:ext>
+            </a:extLst>
+          </p:cNvPr>
+          <p:cNvPicPr preferRelativeResize="0"/>
+          <p:nvPr/>
+        </p:nvPicPr>
+        <p:blipFill>
+          <a:blip r:embed="rId6"/>
+          <a:srcRect l="8110" r="8110"/>
+          <a:stretch/>
+        </p:blipFill>
+        <p:spPr>
+          <a:xfrm>
+            <a:off x="4665150" y="685600"/>
+            <a:ext cx="1218600" cy="1218600"/>
+          </a:xfrm>
+          <a:prstGeom prst="roundRect">
+            <a:avLst>
+              <a:gd name="adj" fmla="val 50000"/>
+            </a:avLst>
+          </a:prstGeom>
+          <a:noFill/>
+          <a:ln w="9525" cap="flat" cmpd="sng">
+            <a:solidFill>
+              <a:schemeClr val="dk1"/>
+            </a:solidFill>
+            <a:prstDash val="solid"/>
+            <a:round/>
+            <a:headEnd type="none" w="sm" len="sm"/>
+            <a:tailEnd type="none" w="sm" len="sm"/>
+          </a:ln>
+        </p:spPr>
+      </p:pic>
+      <p:sp>
+        <p:nvSpPr>
+          <p:cNvPr id="9" name="Google Shape;102;p25">
+            <a:extLst>
+              <a:ext uri="{FF2B5EF4-FFF2-40B4-BE49-F238E27FC236}">
+                <a16:creationId xmlns:a16="http://schemas.microsoft.com/office/drawing/2014/main" id="{6D878980-40D7-97D1-8314-69F7FA326C61}"/>
+              </a:ext>
+            </a:extLst>
+          </p:cNvPr>
+          <p:cNvSpPr txBox="1">
+            <a:spLocks/>
+          </p:cNvSpPr>
+          <p:nvPr/>
+        </p:nvSpPr>
+        <p:spPr>
+          <a:xfrm>
+            <a:off x="4665150" y="2159900"/>
+            <a:ext cx="4167000" cy="2298000"/>
+          </a:xfrm>
+          <a:prstGeom prst="rect">
+            <a:avLst/>
+          </a:prstGeom>
+          <a:noFill/>
+          <a:ln>
+            <a:noFill/>
+          </a:ln>
+        </p:spPr>
+        <p:txBody>
+          <a:bodyPr spcFirstLastPara="1" wrap="square" lIns="91425" tIns="91425" rIns="91425" bIns="91425" anchor="t" anchorCtr="0">
+            <a:noAutofit/>
+          </a:bodyPr>
+          <a:lstStyle>
+            <a:defPPr marR="0" lvl="0" algn="l" rtl="0">
+              <a:lnSpc>
+                <a:spcPct val="100000"/>
+              </a:lnSpc>
+              <a:spcBef>
+                <a:spcPts val="0"/>
+              </a:spcBef>
+              <a:spcAft>
+                <a:spcPts val="0"/>
+              </a:spcAft>
+            </a:defPPr>
+            <a:lvl1pPr marL="457200" marR="0" lvl="0" indent="-342900" algn="ctr" rtl="0">
+              <a:lnSpc>
+                <a:spcPct val="100000"/>
+              </a:lnSpc>
+              <a:spcBef>
+                <a:spcPts val="0"/>
+              </a:spcBef>
+              <a:spcAft>
+                <a:spcPts val="0"/>
+              </a:spcAft>
+              <a:buClr>
+                <a:schemeClr val="dk1"/>
+              </a:buClr>
+              <a:buSzPts val="1200"/>
+              <a:buFont typeface="Arial"/>
+              <a:buNone/>
+              <a:defRPr sz="1200" b="0" i="0" u="none" strike="noStrike" cap="none">
+                <a:solidFill>
+                  <a:schemeClr val="dk1"/>
+                </a:solidFill>
+                <a:latin typeface="Arial"/>
+                <a:ea typeface="Arial"/>
+                <a:cs typeface="Arial"/>
+                <a:sym typeface="Arial"/>
+              </a:defRPr>
+            </a:lvl1pPr>
+            <a:lvl2pPr marL="914400" marR="0" lvl="1" indent="-317500" algn="ctr" rtl="0">
+              <a:lnSpc>
+                <a:spcPct val="100000"/>
+              </a:lnSpc>
+              <a:spcBef>
+                <a:spcPts val="0"/>
+              </a:spcBef>
+              <a:spcAft>
+                <a:spcPts val="0"/>
+              </a:spcAft>
+              <a:buClr>
+                <a:schemeClr val="dk1"/>
+              </a:buClr>
+              <a:buSzPts val="1200"/>
+              <a:buFont typeface="Arial"/>
+              <a:buNone/>
+              <a:defRPr sz="1200" b="0" i="0" u="none" strike="noStrike" cap="none">
+                <a:solidFill>
+                  <a:schemeClr val="dk1"/>
+                </a:solidFill>
+                <a:latin typeface="Arial"/>
+                <a:ea typeface="Arial"/>
+                <a:cs typeface="Arial"/>
+                <a:sym typeface="Arial"/>
+              </a:defRPr>
+            </a:lvl2pPr>
+            <a:lvl3pPr marL="1371600" marR="0" lvl="2" indent="-317500" algn="ctr" rtl="0">
+              <a:lnSpc>
+                <a:spcPct val="100000"/>
+              </a:lnSpc>
+              <a:spcBef>
+                <a:spcPts val="0"/>
+              </a:spcBef>
+              <a:spcAft>
+                <a:spcPts val="0"/>
+              </a:spcAft>
+              <a:buClr>
+                <a:schemeClr val="dk1"/>
+              </a:buClr>
+              <a:buSzPts val="1200"/>
+              <a:buFont typeface="Arial"/>
+              <a:buNone/>
+              <a:defRPr sz="1200" b="0" i="0" u="none" strike="noStrike" cap="none">
+                <a:solidFill>
+                  <a:schemeClr val="dk1"/>
+                </a:solidFill>
+                <a:latin typeface="Arial"/>
+                <a:ea typeface="Arial"/>
+                <a:cs typeface="Arial"/>
+                <a:sym typeface="Arial"/>
+              </a:defRPr>
+            </a:lvl3pPr>
+            <a:lvl4pPr marL="1828800" marR="0" lvl="3" indent="-317500" algn="ctr" rtl="0">
+              <a:lnSpc>
+                <a:spcPct val="100000"/>
+              </a:lnSpc>
+              <a:spcBef>
+                <a:spcPts val="0"/>
+              </a:spcBef>
+              <a:spcAft>
+                <a:spcPts val="0"/>
+              </a:spcAft>
+              <a:buClr>
+                <a:schemeClr val="dk1"/>
+              </a:buClr>
+              <a:buSzPts val="1200"/>
+              <a:buFont typeface="Arial"/>
+              <a:buNone/>
+              <a:defRPr sz="1200" b="0" i="0" u="none" strike="noStrike" cap="none">
+                <a:solidFill>
+                  <a:schemeClr val="dk1"/>
+                </a:solidFill>
+                <a:latin typeface="Arial"/>
+                <a:ea typeface="Arial"/>
+                <a:cs typeface="Arial"/>
+                <a:sym typeface="Arial"/>
+              </a:defRPr>
+            </a:lvl4pPr>
+            <a:lvl5pPr marL="2286000" marR="0" lvl="4" indent="-317500" algn="ctr" rtl="0">
+              <a:lnSpc>
+                <a:spcPct val="100000"/>
+              </a:lnSpc>
+              <a:spcBef>
+                <a:spcPts val="0"/>
+              </a:spcBef>
+              <a:spcAft>
+                <a:spcPts val="0"/>
+              </a:spcAft>
+              <a:buClr>
+                <a:schemeClr val="dk1"/>
+              </a:buClr>
+              <a:buSzPts val="1200"/>
+              <a:buFont typeface="Arial"/>
+              <a:buNone/>
+              <a:defRPr sz="1200" b="0" i="0" u="none" strike="noStrike" cap="none">
+                <a:solidFill>
+                  <a:schemeClr val="dk1"/>
+                </a:solidFill>
+                <a:latin typeface="Arial"/>
+                <a:ea typeface="Arial"/>
+                <a:cs typeface="Arial"/>
+                <a:sym typeface="Arial"/>
+              </a:defRPr>
+            </a:lvl5pPr>
+            <a:lvl6pPr marL="2743200" marR="0" lvl="5" indent="-317500" algn="ctr" rtl="0">
+              <a:lnSpc>
+                <a:spcPct val="100000"/>
+              </a:lnSpc>
+              <a:spcBef>
+                <a:spcPts val="0"/>
+              </a:spcBef>
+              <a:spcAft>
+                <a:spcPts val="0"/>
+              </a:spcAft>
+              <a:buClr>
+                <a:schemeClr val="dk1"/>
+              </a:buClr>
+              <a:buSzPts val="1200"/>
+              <a:buFont typeface="Arial"/>
+              <a:buNone/>
+              <a:defRPr sz="1200" b="0" i="0" u="none" strike="noStrike" cap="none">
+                <a:solidFill>
+                  <a:schemeClr val="dk1"/>
+                </a:solidFill>
+                <a:latin typeface="Arial"/>
+                <a:ea typeface="Arial"/>
+                <a:cs typeface="Arial"/>
+                <a:sym typeface="Arial"/>
+              </a:defRPr>
+            </a:lvl6pPr>
+            <a:lvl7pPr marL="3200400" marR="0" lvl="6" indent="-317500" algn="ctr" rtl="0">
+              <a:lnSpc>
+                <a:spcPct val="100000"/>
+              </a:lnSpc>
+              <a:spcBef>
+                <a:spcPts val="0"/>
+              </a:spcBef>
+              <a:spcAft>
+                <a:spcPts val="0"/>
+              </a:spcAft>
+              <a:buClr>
+                <a:schemeClr val="dk1"/>
+              </a:buClr>
+              <a:buSzPts val="1200"/>
+              <a:buFont typeface="Arial"/>
+              <a:buNone/>
+              <a:defRPr sz="1200" b="0" i="0" u="none" strike="noStrike" cap="none">
+                <a:solidFill>
+                  <a:schemeClr val="dk1"/>
+                </a:solidFill>
+                <a:latin typeface="Arial"/>
+                <a:ea typeface="Arial"/>
+                <a:cs typeface="Arial"/>
+                <a:sym typeface="Arial"/>
+              </a:defRPr>
+            </a:lvl7pPr>
+            <a:lvl8pPr marL="3657600" marR="0" lvl="7" indent="-317500" algn="ctr" rtl="0">
+              <a:lnSpc>
+                <a:spcPct val="100000"/>
+              </a:lnSpc>
+              <a:spcBef>
+                <a:spcPts val="0"/>
+              </a:spcBef>
+              <a:spcAft>
+                <a:spcPts val="0"/>
+              </a:spcAft>
+              <a:buClr>
+                <a:schemeClr val="dk1"/>
+              </a:buClr>
+              <a:buSzPts val="1200"/>
+              <a:buFont typeface="Arial"/>
+              <a:buNone/>
+              <a:defRPr sz="1200" b="0" i="0" u="none" strike="noStrike" cap="none">
+                <a:solidFill>
+                  <a:schemeClr val="dk1"/>
+                </a:solidFill>
+                <a:latin typeface="Arial"/>
+                <a:ea typeface="Arial"/>
+                <a:cs typeface="Arial"/>
+                <a:sym typeface="Arial"/>
+              </a:defRPr>
+            </a:lvl8pPr>
+            <a:lvl9pPr marL="4114800" marR="0" lvl="8" indent="-317500" algn="ctr" rtl="0">
+              <a:lnSpc>
+                <a:spcPct val="100000"/>
+              </a:lnSpc>
+              <a:spcBef>
+                <a:spcPts val="0"/>
+              </a:spcBef>
+              <a:spcAft>
+                <a:spcPts val="0"/>
+              </a:spcAft>
+              <a:buClr>
+                <a:schemeClr val="dk1"/>
+              </a:buClr>
+              <a:buSzPts val="1200"/>
+              <a:buFont typeface="Arial"/>
+              <a:buNone/>
+              <a:defRPr sz="1200" b="0" i="0" u="none" strike="noStrike" cap="none">
+                <a:solidFill>
+                  <a:schemeClr val="dk1"/>
+                </a:solidFill>
+                <a:latin typeface="Arial"/>
+                <a:ea typeface="Arial"/>
+                <a:cs typeface="Arial"/>
+                <a:sym typeface="Arial"/>
+              </a:defRPr>
+            </a:lvl9pPr>
+          </a:lstStyle>
+          <a:p>
+            <a:pPr marL="0" indent="0" algn="just">
+              <a:lnSpc>
+                <a:spcPct val="95000"/>
+              </a:lnSpc>
+              <a:spcAft>
+                <a:spcPts val="1200"/>
+              </a:spcAft>
+              <a:buSzPts val="1018"/>
+            </a:pPr>
+            <a:r>
+              <a:rPr lang="en-US" sz="1400" dirty="0">
+                <a:latin typeface="Dosis" pitchFamily="2" charset="0"/>
+              </a:rPr>
+              <a:t>Dedicated entry-level data scientist with analytical and experimental background of Physics. My graduation 2023, a pivotal year marked by significant advancements in artificial intelligence with the introduction of GPT-4 and other generative AI models, has fueled my curiosity and excitement to delve into the field of data. I have comprehensive grasp of data science methodology from business understanding to modelling process with proficiency in </a:t>
+            </a:r>
+            <a:r>
+              <a:rPr lang="en-US" sz="1400" b="1" dirty="0">
+                <a:latin typeface="Dosis" pitchFamily="2" charset="0"/>
+              </a:rPr>
+              <a:t>Python, SQL, Tableau, Power BI, Looker Studio and other tools</a:t>
+            </a:r>
+            <a:r>
+              <a:rPr lang="en-US" sz="1400" dirty="0">
+                <a:latin typeface="Dosis" pitchFamily="2" charset="0"/>
+              </a:rPr>
+              <a:t> related to data analytics workflow from several coursework and bootcamps. </a:t>
+            </a:r>
+            <a:endParaRPr lang="en-ID" sz="1400" dirty="0">
+              <a:latin typeface="Dosis" pitchFamily="2" charset="0"/>
+            </a:endParaRPr>
+          </a:p>
+        </p:txBody>
+      </p:sp>
+    </p:spTree>
+  </p:cSld>
+  <p:clrMapOvr>
+    <a:masterClrMapping/>
+  </p:clrMapOvr>
+</p:sld>
+</file>
+
+<file path=ppt/slides/slide2.xml><?xml version="1.0" encoding="utf-8"?>
+<p:sld xmlns:a="http://schemas.openxmlformats.org/drawingml/2006/main" xmlns:r="http://schemas.openxmlformats.org/officeDocument/2006/relationships" xmlns:p="http://schemas.openxmlformats.org/presentationml/2006/main">
+  <p:cSld>
+    <p:spTree>
+      <p:nvGrpSpPr>
+        <p:cNvPr id="1" name="Shape 53"/>
         <p:cNvGrpSpPr/>
         <p:nvPr/>
       </p:nvGrpSpPr>
@@ -5681,7 +7027,9 @@
       <p:sp>
         <p:nvSpPr>
           <p:cNvPr id="54" name="Google Shape;54;p13"/>
-          <p:cNvSpPr txBox="1"/>
+          <p:cNvSpPr txBox="1">
+            <a:spLocks noGrp="1"/>
+          </p:cNvSpPr>
           <p:nvPr>
             <p:ph type="title"/>
           </p:nvPr>
@@ -5696,12 +7044,12 @@
           </a:prstGeom>
         </p:spPr>
         <p:txBody>
-          <a:bodyPr anchorCtr="0" anchor="t" bIns="91425" lIns="91425" spcFirstLastPara="1" rIns="91425" wrap="square" tIns="91425">
+          <a:bodyPr spcFirstLastPara="1" wrap="square" lIns="91425" tIns="91425" rIns="91425" bIns="91425" anchor="t" anchorCtr="0">
             <a:noAutofit/>
           </a:bodyPr>
           <a:lstStyle/>
           <a:p>
-            <a:pPr indent="0" lvl="0" marL="0" rtl="0" algn="ctr">
+            <a:pPr marL="0" lvl="0" indent="0" algn="ctr" rtl="0">
               <a:spcBef>
                 <a:spcPts val="0"/>
               </a:spcBef>
@@ -5712,7 +7060,7 @@
               <a:buNone/>
             </a:pPr>
             <a:r>
-              <a:rPr b="1" lang="en" sz="1798">
+              <a:rPr lang="en" sz="1798" b="1">
                 <a:latin typeface="Roboto"/>
                 <a:ea typeface="Roboto"/>
                 <a:cs typeface="Roboto"/>
@@ -5734,297 +7082,22 @@
       </p:sp>
       <p:sp>
         <p:nvSpPr>
-          <p:cNvPr id="55" name="Google Shape;55;p13"/>
-          <p:cNvSpPr txBox="1"/>
-          <p:nvPr>
-            <p:ph idx="1" type="body"/>
-          </p:nvPr>
-        </p:nvSpPr>
-        <p:spPr>
-          <a:xfrm>
-            <a:off x="311700" y="823775"/>
-            <a:ext cx="8520600" cy="4098600"/>
-          </a:xfrm>
-          <a:prstGeom prst="rect">
-            <a:avLst/>
-          </a:prstGeom>
-        </p:spPr>
-        <p:txBody>
-          <a:bodyPr anchorCtr="0" anchor="t" bIns="91425" lIns="91425" spcFirstLastPara="1" rIns="91425" wrap="square" tIns="91425">
-            <a:normAutofit/>
-          </a:bodyPr>
-          <a:lstStyle/>
-          <a:p>
-            <a:pPr indent="-323850" lvl="0" marL="457200" rtl="0" algn="l">
-              <a:spcBef>
-                <a:spcPts val="0"/>
-              </a:spcBef>
-              <a:spcAft>
-                <a:spcPts val="0"/>
-              </a:spcAft>
-              <a:buClr>
-                <a:schemeClr val="dk1"/>
-              </a:buClr>
-              <a:buSzPts val="1500"/>
-              <a:buChar char="●"/>
-            </a:pPr>
-            <a:r>
-              <a:rPr lang="en" sz="1500">
-                <a:solidFill>
-                  <a:schemeClr val="dk1"/>
-                </a:solidFill>
-              </a:rPr>
-              <a:t>Tulislah proses model machine learning terdiri dari </a:t>
-            </a:r>
-            <a:endParaRPr b="1" i="1" sz="1500">
-              <a:solidFill>
-                <a:schemeClr val="dk1"/>
-              </a:solidFill>
-            </a:endParaRPr>
-          </a:p>
-          <a:p>
-            <a:pPr indent="-323850" lvl="0" marL="1085850" rtl="0" algn="l">
-              <a:spcBef>
-                <a:spcPts val="0"/>
-              </a:spcBef>
-              <a:spcAft>
-                <a:spcPts val="0"/>
-              </a:spcAft>
-              <a:buClr>
-                <a:schemeClr val="dk1"/>
-              </a:buClr>
-              <a:buSzPts val="1500"/>
-              <a:buAutoNum type="alphaLcPeriod"/>
-            </a:pPr>
-            <a:r>
-              <a:rPr b="1" lang="en" sz="1500">
-                <a:solidFill>
-                  <a:schemeClr val="dk1"/>
-                </a:solidFill>
-              </a:rPr>
-              <a:t>hasil </a:t>
-            </a:r>
-            <a:r>
-              <a:rPr b="1" i="1" lang="en" sz="1500">
-                <a:solidFill>
-                  <a:schemeClr val="dk1"/>
-                </a:solidFill>
-              </a:rPr>
-              <a:t>experiment 1</a:t>
-            </a:r>
-            <a:r>
-              <a:rPr lang="en" sz="1500">
-                <a:solidFill>
-                  <a:schemeClr val="dk1"/>
-                </a:solidFill>
-              </a:rPr>
-              <a:t> (sebelum normalisasi/standardisasi),</a:t>
-            </a:r>
-            <a:endParaRPr sz="1500">
-              <a:solidFill>
-                <a:schemeClr val="dk1"/>
-              </a:solidFill>
-            </a:endParaRPr>
-          </a:p>
-          <a:p>
-            <a:pPr indent="-323850" lvl="0" marL="1085850" rtl="0" algn="l">
-              <a:spcBef>
-                <a:spcPts val="0"/>
-              </a:spcBef>
-              <a:spcAft>
-                <a:spcPts val="0"/>
-              </a:spcAft>
-              <a:buClr>
-                <a:schemeClr val="dk1"/>
-              </a:buClr>
-              <a:buSzPts val="1500"/>
-              <a:buAutoNum type="alphaLcPeriod"/>
-            </a:pPr>
-            <a:r>
-              <a:rPr b="1" lang="en" sz="1500">
-                <a:solidFill>
-                  <a:schemeClr val="dk1"/>
-                </a:solidFill>
-              </a:rPr>
-              <a:t>hasil </a:t>
-            </a:r>
-            <a:r>
-              <a:rPr b="1" i="1" lang="en" sz="1500">
-                <a:solidFill>
-                  <a:schemeClr val="dk1"/>
-                </a:solidFill>
-              </a:rPr>
-              <a:t>experiment 2</a:t>
-            </a:r>
-            <a:r>
-              <a:rPr lang="en" sz="1500">
-                <a:solidFill>
-                  <a:schemeClr val="dk1"/>
-                </a:solidFill>
-              </a:rPr>
-              <a:t> (setelah</a:t>
-            </a:r>
-            <a:r>
-              <a:rPr lang="en" sz="1500">
-                <a:solidFill>
-                  <a:schemeClr val="dk1"/>
-                </a:solidFill>
-              </a:rPr>
-              <a:t> normalisasi/standardisasi).</a:t>
-            </a:r>
-            <a:endParaRPr sz="1500">
-              <a:solidFill>
-                <a:schemeClr val="dk1"/>
-              </a:solidFill>
-            </a:endParaRPr>
-          </a:p>
-          <a:p>
-            <a:pPr indent="-323850" lvl="0" marL="1085850" rtl="0" algn="l">
-              <a:spcBef>
-                <a:spcPts val="0"/>
-              </a:spcBef>
-              <a:spcAft>
-                <a:spcPts val="0"/>
-              </a:spcAft>
-              <a:buClr>
-                <a:schemeClr val="dk1"/>
-              </a:buClr>
-              <a:buSzPts val="1500"/>
-              <a:buAutoNum type="alphaLcPeriod"/>
-            </a:pPr>
-            <a:r>
-              <a:rPr lang="en" sz="1500">
-                <a:solidFill>
-                  <a:schemeClr val="dk1"/>
-                </a:solidFill>
-              </a:rPr>
-              <a:t>hasil tabel</a:t>
-            </a:r>
-            <a:r>
-              <a:rPr b="1" lang="en" sz="1500">
-                <a:solidFill>
-                  <a:schemeClr val="dk1"/>
-                </a:solidFill>
-              </a:rPr>
-              <a:t> confusion matrix </a:t>
-            </a:r>
-            <a:r>
-              <a:rPr lang="en" sz="1500">
-                <a:solidFill>
-                  <a:schemeClr val="dk1"/>
-                </a:solidFill>
-              </a:rPr>
-              <a:t>dari model tersebut.</a:t>
-            </a:r>
-            <a:endParaRPr sz="1500">
-              <a:solidFill>
-                <a:schemeClr val="dk1"/>
-              </a:solidFill>
-            </a:endParaRPr>
-          </a:p>
-          <a:p>
-            <a:pPr indent="-323850" lvl="0" marL="1085850" rtl="0" algn="l">
-              <a:spcBef>
-                <a:spcPts val="0"/>
-              </a:spcBef>
-              <a:spcAft>
-                <a:spcPts val="0"/>
-              </a:spcAft>
-              <a:buClr>
-                <a:schemeClr val="dk1"/>
-              </a:buClr>
-              <a:buSzPts val="1500"/>
-              <a:buAutoNum type="alphaLcPeriod"/>
-            </a:pPr>
-            <a:r>
-              <a:rPr lang="en" sz="1500">
-                <a:solidFill>
-                  <a:schemeClr val="dk1"/>
-                </a:solidFill>
-              </a:rPr>
-              <a:t>Daftar </a:t>
-            </a:r>
-            <a:r>
-              <a:rPr b="1" i="1" lang="en" sz="1500">
-                <a:solidFill>
-                  <a:schemeClr val="dk1"/>
-                </a:solidFill>
-              </a:rPr>
-              <a:t>Feature Important</a:t>
-            </a:r>
-            <a:r>
-              <a:rPr i="1" lang="en" sz="1500">
-                <a:solidFill>
-                  <a:schemeClr val="dk1"/>
-                </a:solidFill>
-              </a:rPr>
-              <a:t>.</a:t>
-            </a:r>
-            <a:endParaRPr i="1" sz="1500">
-              <a:solidFill>
-                <a:schemeClr val="dk1"/>
-              </a:solidFill>
-            </a:endParaRPr>
-          </a:p>
-          <a:p>
-            <a:pPr indent="0" lvl="0" marL="0" rtl="0" algn="l">
-              <a:spcBef>
-                <a:spcPts val="1200"/>
-              </a:spcBef>
-              <a:spcAft>
-                <a:spcPts val="0"/>
-              </a:spcAft>
-              <a:buNone/>
-            </a:pPr>
-            <a:r>
-              <a:t/>
-            </a:r>
-            <a:endParaRPr sz="1500">
-              <a:solidFill>
-                <a:schemeClr val="dk1"/>
-              </a:solidFill>
-            </a:endParaRPr>
-          </a:p>
-          <a:p>
-            <a:pPr indent="-323850" lvl="0" marL="457200" rtl="0" algn="l">
-              <a:spcBef>
-                <a:spcPts val="1200"/>
-              </a:spcBef>
-              <a:spcAft>
-                <a:spcPts val="0"/>
-              </a:spcAft>
-              <a:buClr>
-                <a:schemeClr val="dk1"/>
-              </a:buClr>
-              <a:buSzPts val="1500"/>
-              <a:buChar char="●"/>
-            </a:pPr>
-            <a:r>
-              <a:rPr lang="en" sz="1500">
-                <a:solidFill>
-                  <a:schemeClr val="dk1"/>
-                </a:solidFill>
-              </a:rPr>
-              <a:t>Tulislah hasil interpretasi dari model tersebut</a:t>
-            </a:r>
-            <a:endParaRPr sz="1500">
-              <a:solidFill>
-                <a:schemeClr val="dk1"/>
-              </a:solidFill>
-            </a:endParaRPr>
-          </a:p>
-        </p:txBody>
-      </p:sp>
-      <p:sp>
-        <p:nvSpPr>
-          <p:cNvPr id="56" name="Google Shape;56;p13"/>
-          <p:cNvSpPr txBox="1"/>
+          <p:cNvPr id="4" name="Google Shape;55;p13">
+            <a:extLst>
+              <a:ext uri="{FF2B5EF4-FFF2-40B4-BE49-F238E27FC236}">
+                <a16:creationId xmlns:a16="http://schemas.microsoft.com/office/drawing/2014/main" id="{83BD5160-1287-AF92-6E82-577EF3954113}"/>
+              </a:ext>
+            </a:extLst>
+          </p:cNvPr>
+          <p:cNvSpPr txBox="1">
+            <a:spLocks/>
+          </p:cNvSpPr>
           <p:nvPr/>
         </p:nvSpPr>
         <p:spPr>
           <a:xfrm>
-            <a:off x="4656000" y="4772700"/>
-            <a:ext cx="4488000" cy="354000"/>
+            <a:off x="177315" y="603429"/>
+            <a:ext cx="8779649" cy="442590"/>
           </a:xfrm>
           <a:prstGeom prst="rect">
             <a:avLst/>
@@ -6035,12 +7108,582 @@
           </a:ln>
         </p:spPr>
         <p:txBody>
-          <a:bodyPr anchorCtr="0" anchor="t" bIns="91425" lIns="91425" spcFirstLastPara="1" rIns="91425" wrap="square" tIns="91425">
+          <a:bodyPr spcFirstLastPara="1" wrap="square" lIns="91425" tIns="91425" rIns="91425" bIns="91425" anchor="t" anchorCtr="0">
+            <a:noAutofit/>
+          </a:bodyPr>
+          <a:lstStyle>
+            <a:defPPr marR="0" lvl="0" algn="l" rtl="0">
+              <a:lnSpc>
+                <a:spcPct val="100000"/>
+              </a:lnSpc>
+              <a:spcBef>
+                <a:spcPts val="0"/>
+              </a:spcBef>
+              <a:spcAft>
+                <a:spcPts val="0"/>
+              </a:spcAft>
+            </a:defPPr>
+            <a:lvl1pPr marL="457200" marR="0" lvl="0" indent="-342900" algn="l" rtl="0">
+              <a:lnSpc>
+                <a:spcPct val="115000"/>
+              </a:lnSpc>
+              <a:spcBef>
+                <a:spcPts val="0"/>
+              </a:spcBef>
+              <a:spcAft>
+                <a:spcPts val="0"/>
+              </a:spcAft>
+              <a:buClr>
+                <a:schemeClr val="dk2"/>
+              </a:buClr>
+              <a:buSzPts val="1800"/>
+              <a:buFont typeface="Arial"/>
+              <a:buChar char="●"/>
+              <a:defRPr sz="1800" b="0" i="0" u="none" strike="noStrike" cap="none">
+                <a:solidFill>
+                  <a:schemeClr val="dk2"/>
+                </a:solidFill>
+                <a:latin typeface="Arial"/>
+                <a:ea typeface="Arial"/>
+                <a:cs typeface="Arial"/>
+                <a:sym typeface="Arial"/>
+              </a:defRPr>
+            </a:lvl1pPr>
+            <a:lvl2pPr marL="914400" marR="0" lvl="1" indent="-317500" algn="l" rtl="0">
+              <a:lnSpc>
+                <a:spcPct val="115000"/>
+              </a:lnSpc>
+              <a:spcBef>
+                <a:spcPts val="0"/>
+              </a:spcBef>
+              <a:spcAft>
+                <a:spcPts val="0"/>
+              </a:spcAft>
+              <a:buClr>
+                <a:schemeClr val="dk2"/>
+              </a:buClr>
+              <a:buSzPts val="1400"/>
+              <a:buFont typeface="Arial"/>
+              <a:buChar char="○"/>
+              <a:defRPr sz="1400" b="0" i="0" u="none" strike="noStrike" cap="none">
+                <a:solidFill>
+                  <a:schemeClr val="dk2"/>
+                </a:solidFill>
+                <a:latin typeface="Arial"/>
+                <a:ea typeface="Arial"/>
+                <a:cs typeface="Arial"/>
+                <a:sym typeface="Arial"/>
+              </a:defRPr>
+            </a:lvl2pPr>
+            <a:lvl3pPr marL="1371600" marR="0" lvl="2" indent="-317500" algn="l" rtl="0">
+              <a:lnSpc>
+                <a:spcPct val="115000"/>
+              </a:lnSpc>
+              <a:spcBef>
+                <a:spcPts val="0"/>
+              </a:spcBef>
+              <a:spcAft>
+                <a:spcPts val="0"/>
+              </a:spcAft>
+              <a:buClr>
+                <a:schemeClr val="dk2"/>
+              </a:buClr>
+              <a:buSzPts val="1400"/>
+              <a:buFont typeface="Arial"/>
+              <a:buChar char="■"/>
+              <a:defRPr sz="1400" b="0" i="0" u="none" strike="noStrike" cap="none">
+                <a:solidFill>
+                  <a:schemeClr val="dk2"/>
+                </a:solidFill>
+                <a:latin typeface="Arial"/>
+                <a:ea typeface="Arial"/>
+                <a:cs typeface="Arial"/>
+                <a:sym typeface="Arial"/>
+              </a:defRPr>
+            </a:lvl3pPr>
+            <a:lvl4pPr marL="1828800" marR="0" lvl="3" indent="-317500" algn="l" rtl="0">
+              <a:lnSpc>
+                <a:spcPct val="115000"/>
+              </a:lnSpc>
+              <a:spcBef>
+                <a:spcPts val="0"/>
+              </a:spcBef>
+              <a:spcAft>
+                <a:spcPts val="0"/>
+              </a:spcAft>
+              <a:buClr>
+                <a:schemeClr val="dk2"/>
+              </a:buClr>
+              <a:buSzPts val="1400"/>
+              <a:buFont typeface="Arial"/>
+              <a:buChar char="●"/>
+              <a:defRPr sz="1400" b="0" i="0" u="none" strike="noStrike" cap="none">
+                <a:solidFill>
+                  <a:schemeClr val="dk2"/>
+                </a:solidFill>
+                <a:latin typeface="Arial"/>
+                <a:ea typeface="Arial"/>
+                <a:cs typeface="Arial"/>
+                <a:sym typeface="Arial"/>
+              </a:defRPr>
+            </a:lvl4pPr>
+            <a:lvl5pPr marL="2286000" marR="0" lvl="4" indent="-317500" algn="l" rtl="0">
+              <a:lnSpc>
+                <a:spcPct val="115000"/>
+              </a:lnSpc>
+              <a:spcBef>
+                <a:spcPts val="0"/>
+              </a:spcBef>
+              <a:spcAft>
+                <a:spcPts val="0"/>
+              </a:spcAft>
+              <a:buClr>
+                <a:schemeClr val="dk2"/>
+              </a:buClr>
+              <a:buSzPts val="1400"/>
+              <a:buFont typeface="Arial"/>
+              <a:buChar char="○"/>
+              <a:defRPr sz="1400" b="0" i="0" u="none" strike="noStrike" cap="none">
+                <a:solidFill>
+                  <a:schemeClr val="dk2"/>
+                </a:solidFill>
+                <a:latin typeface="Arial"/>
+                <a:ea typeface="Arial"/>
+                <a:cs typeface="Arial"/>
+                <a:sym typeface="Arial"/>
+              </a:defRPr>
+            </a:lvl5pPr>
+            <a:lvl6pPr marL="2743200" marR="0" lvl="5" indent="-317500" algn="l" rtl="0">
+              <a:lnSpc>
+                <a:spcPct val="115000"/>
+              </a:lnSpc>
+              <a:spcBef>
+                <a:spcPts val="0"/>
+              </a:spcBef>
+              <a:spcAft>
+                <a:spcPts val="0"/>
+              </a:spcAft>
+              <a:buClr>
+                <a:schemeClr val="dk2"/>
+              </a:buClr>
+              <a:buSzPts val="1400"/>
+              <a:buFont typeface="Arial"/>
+              <a:buChar char="■"/>
+              <a:defRPr sz="1400" b="0" i="0" u="none" strike="noStrike" cap="none">
+                <a:solidFill>
+                  <a:schemeClr val="dk2"/>
+                </a:solidFill>
+                <a:latin typeface="Arial"/>
+                <a:ea typeface="Arial"/>
+                <a:cs typeface="Arial"/>
+                <a:sym typeface="Arial"/>
+              </a:defRPr>
+            </a:lvl6pPr>
+            <a:lvl7pPr marL="3200400" marR="0" lvl="6" indent="-317500" algn="l" rtl="0">
+              <a:lnSpc>
+                <a:spcPct val="115000"/>
+              </a:lnSpc>
+              <a:spcBef>
+                <a:spcPts val="0"/>
+              </a:spcBef>
+              <a:spcAft>
+                <a:spcPts val="0"/>
+              </a:spcAft>
+              <a:buClr>
+                <a:schemeClr val="dk2"/>
+              </a:buClr>
+              <a:buSzPts val="1400"/>
+              <a:buFont typeface="Arial"/>
+              <a:buChar char="●"/>
+              <a:defRPr sz="1400" b="0" i="0" u="none" strike="noStrike" cap="none">
+                <a:solidFill>
+                  <a:schemeClr val="dk2"/>
+                </a:solidFill>
+                <a:latin typeface="Arial"/>
+                <a:ea typeface="Arial"/>
+                <a:cs typeface="Arial"/>
+                <a:sym typeface="Arial"/>
+              </a:defRPr>
+            </a:lvl7pPr>
+            <a:lvl8pPr marL="3657600" marR="0" lvl="7" indent="-317500" algn="l" rtl="0">
+              <a:lnSpc>
+                <a:spcPct val="115000"/>
+              </a:lnSpc>
+              <a:spcBef>
+                <a:spcPts val="0"/>
+              </a:spcBef>
+              <a:spcAft>
+                <a:spcPts val="0"/>
+              </a:spcAft>
+              <a:buClr>
+                <a:schemeClr val="dk2"/>
+              </a:buClr>
+              <a:buSzPts val="1400"/>
+              <a:buFont typeface="Arial"/>
+              <a:buChar char="○"/>
+              <a:defRPr sz="1400" b="0" i="0" u="none" strike="noStrike" cap="none">
+                <a:solidFill>
+                  <a:schemeClr val="dk2"/>
+                </a:solidFill>
+                <a:latin typeface="Arial"/>
+                <a:ea typeface="Arial"/>
+                <a:cs typeface="Arial"/>
+                <a:sym typeface="Arial"/>
+              </a:defRPr>
+            </a:lvl8pPr>
+            <a:lvl9pPr marL="4114800" marR="0" lvl="8" indent="-317500" algn="l" rtl="0">
+              <a:lnSpc>
+                <a:spcPct val="115000"/>
+              </a:lnSpc>
+              <a:spcBef>
+                <a:spcPts val="0"/>
+              </a:spcBef>
+              <a:spcAft>
+                <a:spcPts val="0"/>
+              </a:spcAft>
+              <a:buClr>
+                <a:schemeClr val="dk2"/>
+              </a:buClr>
+              <a:buSzPts val="1400"/>
+              <a:buFont typeface="Arial"/>
+              <a:buChar char="■"/>
+              <a:defRPr sz="1400" b="0" i="0" u="none" strike="noStrike" cap="none">
+                <a:solidFill>
+                  <a:schemeClr val="dk2"/>
+                </a:solidFill>
+                <a:latin typeface="Arial"/>
+                <a:ea typeface="Arial"/>
+                <a:cs typeface="Arial"/>
+                <a:sym typeface="Arial"/>
+              </a:defRPr>
+            </a:lvl9pPr>
+          </a:lstStyle>
+          <a:p>
+            <a:pPr marL="114300" indent="0">
+              <a:buNone/>
+            </a:pPr>
+            <a:r>
+              <a:rPr lang="en-US" sz="1400" b="1" dirty="0">
+                <a:solidFill>
+                  <a:schemeClr val="dk1"/>
+                </a:solidFill>
+              </a:rPr>
+              <a:t>Modelling Procedure Explanation</a:t>
+            </a:r>
+            <a:endParaRPr lang="en-US" sz="1300" dirty="0">
+              <a:solidFill>
+                <a:schemeClr val="tx1"/>
+              </a:solidFill>
+              <a:latin typeface="Dosis" pitchFamily="2" charset="0"/>
+            </a:endParaRPr>
+          </a:p>
+          <a:p>
+            <a:pPr marL="114300" indent="0">
+              <a:buNone/>
+            </a:pPr>
+            <a:endParaRPr lang="en-US" sz="1300" b="0" dirty="0">
+              <a:solidFill>
+                <a:schemeClr val="tx1"/>
+              </a:solidFill>
+              <a:effectLst/>
+              <a:latin typeface="Dosis" pitchFamily="2" charset="0"/>
+            </a:endParaRPr>
+          </a:p>
+          <a:p>
+            <a:pPr marL="114300" indent="0">
+              <a:buNone/>
+            </a:pPr>
+            <a:endParaRPr lang="en-US" sz="1300" b="0" dirty="0">
+              <a:solidFill>
+                <a:schemeClr val="tx1"/>
+              </a:solidFill>
+              <a:effectLst/>
+              <a:latin typeface="Dosis" pitchFamily="2" charset="0"/>
+            </a:endParaRPr>
+          </a:p>
+        </p:txBody>
+      </p:sp>
+      <p:sp>
+        <p:nvSpPr>
+          <p:cNvPr id="2" name="TextBox 1">
+            <a:extLst>
+              <a:ext uri="{FF2B5EF4-FFF2-40B4-BE49-F238E27FC236}">
+                <a16:creationId xmlns:a16="http://schemas.microsoft.com/office/drawing/2014/main" id="{C63ACC55-7CA5-CE99-233C-8037B85BDB6D}"/>
+              </a:ext>
+            </a:extLst>
+          </p:cNvPr>
+          <p:cNvSpPr txBox="1"/>
+          <p:nvPr/>
+        </p:nvSpPr>
+        <p:spPr>
+          <a:xfrm>
+            <a:off x="381000" y="1046019"/>
+            <a:ext cx="8243455" cy="3970318"/>
+          </a:xfrm>
+          <a:prstGeom prst="rect">
+            <a:avLst/>
+          </a:prstGeom>
+          <a:noFill/>
+        </p:spPr>
+        <p:txBody>
+          <a:bodyPr wrap="square" rtlCol="0">
             <a:spAutoFit/>
           </a:bodyPr>
           <a:lstStyle/>
           <a:p>
-            <a:pPr indent="0" lvl="0" marL="0" rtl="0" algn="r">
+            <a:pPr marL="285750" indent="-285750">
+              <a:buFont typeface="Wingdings" panose="05000000000000000000" pitchFamily="2" charset="2"/>
+              <a:buChar char="q"/>
+            </a:pPr>
+            <a:r>
+              <a:rPr lang="en-US" dirty="0">
+                <a:latin typeface="Dosis" pitchFamily="2" charset="0"/>
+              </a:rPr>
+              <a:t>In this case after we splitting the data 70-30 (train-test) for both </a:t>
+            </a:r>
+            <a:r>
+              <a:rPr lang="en-US" b="1" dirty="0">
+                <a:latin typeface="Dosis" pitchFamily="2" charset="0"/>
+              </a:rPr>
+              <a:t>case A (non-scaled data) </a:t>
+            </a:r>
+            <a:r>
+              <a:rPr lang="en-US" dirty="0">
+                <a:latin typeface="Dosis" pitchFamily="2" charset="0"/>
+              </a:rPr>
+              <a:t>and </a:t>
+            </a:r>
+            <a:r>
+              <a:rPr lang="en-US" b="1" dirty="0">
+                <a:latin typeface="Dosis" pitchFamily="2" charset="0"/>
+              </a:rPr>
+              <a:t>case B (scaled data)</a:t>
+            </a:r>
+            <a:r>
+              <a:rPr lang="en-US" dirty="0">
+                <a:latin typeface="Dosis" pitchFamily="2" charset="0"/>
+              </a:rPr>
+              <a:t>,</a:t>
+            </a:r>
+            <a:r>
+              <a:rPr lang="en-US" b="1" dirty="0">
+                <a:latin typeface="Dosis" pitchFamily="2" charset="0"/>
+              </a:rPr>
+              <a:t> </a:t>
+            </a:r>
+            <a:r>
+              <a:rPr lang="en-US" dirty="0">
+                <a:latin typeface="Dosis" pitchFamily="2" charset="0"/>
+              </a:rPr>
+              <a:t>we try modelling with several algorithms which are :</a:t>
+            </a:r>
+          </a:p>
+          <a:p>
+            <a:pPr marL="285750" indent="-285750">
+              <a:buFont typeface="Arial" panose="020B0604020202020204" pitchFamily="34" charset="0"/>
+              <a:buChar char="•"/>
+            </a:pPr>
+            <a:endParaRPr lang="en-ID" dirty="0">
+              <a:latin typeface="Dosis" pitchFamily="2" charset="0"/>
+            </a:endParaRPr>
+          </a:p>
+          <a:p>
+            <a:pPr marL="285750" lvl="2" indent="-285750">
+              <a:buFont typeface="Arial" panose="020B0604020202020204" pitchFamily="34" charset="0"/>
+              <a:buChar char="•"/>
+            </a:pPr>
+            <a:r>
+              <a:rPr lang="en-ID" dirty="0">
+                <a:latin typeface="Dosis" pitchFamily="2" charset="0"/>
+              </a:rPr>
+              <a:t>Logistic Regression</a:t>
+            </a:r>
+          </a:p>
+          <a:p>
+            <a:pPr marL="285750" indent="-285750">
+              <a:buFont typeface="Arial" panose="020B0604020202020204" pitchFamily="34" charset="0"/>
+              <a:buChar char="•"/>
+            </a:pPr>
+            <a:r>
+              <a:rPr lang="en-ID" dirty="0">
+                <a:latin typeface="Dosis" pitchFamily="2" charset="0"/>
+              </a:rPr>
+              <a:t>K-Nearest </a:t>
+            </a:r>
+            <a:r>
+              <a:rPr lang="en-ID" dirty="0" err="1">
+                <a:latin typeface="Dosis" pitchFamily="2" charset="0"/>
+              </a:rPr>
+              <a:t>Neighbors</a:t>
+            </a:r>
+            <a:endParaRPr lang="en-ID" dirty="0">
+              <a:latin typeface="Dosis" pitchFamily="2" charset="0"/>
+            </a:endParaRPr>
+          </a:p>
+          <a:p>
+            <a:pPr marL="285750" indent="-285750">
+              <a:buFont typeface="Arial" panose="020B0604020202020204" pitchFamily="34" charset="0"/>
+              <a:buChar char="•"/>
+            </a:pPr>
+            <a:r>
+              <a:rPr lang="en-ID" dirty="0">
+                <a:latin typeface="Dosis" pitchFamily="2" charset="0"/>
+              </a:rPr>
+              <a:t>Decision Tree</a:t>
+            </a:r>
+          </a:p>
+          <a:p>
+            <a:pPr marL="285750" indent="-285750">
+              <a:buFont typeface="Arial" panose="020B0604020202020204" pitchFamily="34" charset="0"/>
+              <a:buChar char="•"/>
+            </a:pPr>
+            <a:r>
+              <a:rPr lang="en-ID" dirty="0">
+                <a:latin typeface="Dosis" pitchFamily="2" charset="0"/>
+              </a:rPr>
+              <a:t>Random Forest</a:t>
+            </a:r>
+          </a:p>
+          <a:p>
+            <a:pPr marL="285750" indent="-285750">
+              <a:buFont typeface="Arial" panose="020B0604020202020204" pitchFamily="34" charset="0"/>
+              <a:buChar char="•"/>
+            </a:pPr>
+            <a:r>
+              <a:rPr lang="en-ID" dirty="0">
+                <a:latin typeface="Dosis" pitchFamily="2" charset="0"/>
+              </a:rPr>
+              <a:t>Gradient Boosting</a:t>
+            </a:r>
+          </a:p>
+          <a:p>
+            <a:pPr marL="285750" indent="-285750">
+              <a:buFont typeface="Arial" panose="020B0604020202020204" pitchFamily="34" charset="0"/>
+              <a:buChar char="•"/>
+            </a:pPr>
+            <a:r>
+              <a:rPr lang="en-ID" dirty="0" err="1">
+                <a:latin typeface="Dosis" pitchFamily="2" charset="0"/>
+              </a:rPr>
+              <a:t>XGBoost</a:t>
+            </a:r>
+            <a:endParaRPr lang="en-ID" dirty="0">
+              <a:latin typeface="Dosis" pitchFamily="2" charset="0"/>
+            </a:endParaRPr>
+          </a:p>
+          <a:p>
+            <a:endParaRPr lang="en-ID" dirty="0">
+              <a:latin typeface="Dosis" pitchFamily="2" charset="0"/>
+            </a:endParaRPr>
+          </a:p>
+          <a:p>
+            <a:pPr marL="285750" indent="-285750">
+              <a:buFont typeface="Wingdings" panose="05000000000000000000" pitchFamily="2" charset="2"/>
+              <a:buChar char="q"/>
+            </a:pPr>
+            <a:r>
+              <a:rPr lang="en-ID" dirty="0">
+                <a:latin typeface="Dosis" pitchFamily="2" charset="0"/>
+              </a:rPr>
+              <a:t>In both case A and case B, after initial train with default hyperparameter (vanilla models), the result shows overfitting on most of the models. To overcome this problem, hyperparameter tuning in conducted and the </a:t>
+            </a:r>
+            <a:r>
+              <a:rPr lang="en-US" dirty="0">
+                <a:latin typeface="Dosis" pitchFamily="2" charset="0"/>
+              </a:rPr>
+              <a:t>overfitting has been significantly reduced. </a:t>
+            </a:r>
+            <a:r>
+              <a:rPr lang="en-US" b="1" dirty="0">
+                <a:latin typeface="Dosis" pitchFamily="2" charset="0"/>
+              </a:rPr>
+              <a:t>The result that will be shown on the next slides are tuned models performance</a:t>
+            </a:r>
+            <a:r>
+              <a:rPr lang="en-US" dirty="0">
+                <a:latin typeface="Dosis" pitchFamily="2" charset="0"/>
+              </a:rPr>
+              <a:t>.</a:t>
+            </a:r>
+          </a:p>
+          <a:p>
+            <a:endParaRPr lang="en-US" dirty="0">
+              <a:latin typeface="Dosis" pitchFamily="2" charset="0"/>
+            </a:endParaRPr>
+          </a:p>
+          <a:p>
+            <a:pPr marL="285750" indent="-285750">
+              <a:buFont typeface="Wingdings" panose="05000000000000000000" pitchFamily="2" charset="2"/>
+              <a:buChar char="q"/>
+            </a:pPr>
+            <a:r>
+              <a:rPr lang="en-US" dirty="0">
+                <a:latin typeface="Dosis" pitchFamily="2" charset="0"/>
+              </a:rPr>
+              <a:t>The main evaluation metric we will use is </a:t>
+            </a:r>
+            <a:r>
+              <a:rPr lang="en-US" b="1" dirty="0">
+                <a:latin typeface="Dosis" pitchFamily="2" charset="0"/>
+              </a:rPr>
+              <a:t>Accuracy</a:t>
+            </a:r>
+            <a:r>
+              <a:rPr lang="en-US" dirty="0">
+                <a:latin typeface="Dosis" pitchFamily="2" charset="0"/>
+              </a:rPr>
+              <a:t> because of balanced target. As for the secondary evaluation metric we will be using </a:t>
+            </a:r>
+            <a:r>
+              <a:rPr lang="en-US" b="1" dirty="0">
+                <a:latin typeface="Dosis" pitchFamily="2" charset="0"/>
+              </a:rPr>
+              <a:t>Recall</a:t>
+            </a:r>
+            <a:r>
+              <a:rPr lang="en-US" dirty="0">
+                <a:latin typeface="Dosis" pitchFamily="2" charset="0"/>
+              </a:rPr>
+              <a:t> because in business context we want to reduce the number of customers/users that is predicted not clicked on the ad while actually he/she wanted to clicked on the ad (False Negative) in order to maximize profit.</a:t>
+            </a:r>
+            <a:endParaRPr lang="en-ID" dirty="0">
+              <a:latin typeface="Dosis" pitchFamily="2" charset="0"/>
+            </a:endParaRPr>
+          </a:p>
+        </p:txBody>
+      </p:sp>
+      <p:sp>
+        <p:nvSpPr>
+          <p:cNvPr id="3" name="Google Shape;115;p27">
+            <a:extLst>
+              <a:ext uri="{FF2B5EF4-FFF2-40B4-BE49-F238E27FC236}">
+                <a16:creationId xmlns:a16="http://schemas.microsoft.com/office/drawing/2014/main" id="{D25A897D-59E7-CE68-243A-234443FA17CB}"/>
+              </a:ext>
+            </a:extLst>
+          </p:cNvPr>
+          <p:cNvSpPr txBox="1"/>
+          <p:nvPr/>
+        </p:nvSpPr>
+        <p:spPr>
+          <a:xfrm>
+            <a:off x="4656000" y="4772700"/>
+            <a:ext cx="4488000" cy="353913"/>
+          </a:xfrm>
+          <a:prstGeom prst="rect">
+            <a:avLst/>
+          </a:prstGeom>
+          <a:noFill/>
+          <a:ln>
+            <a:noFill/>
+          </a:ln>
+        </p:spPr>
+        <p:txBody>
+          <a:bodyPr spcFirstLastPara="1" wrap="square" lIns="91425" tIns="91425" rIns="91425" bIns="91425" anchor="t" anchorCtr="0">
+            <a:spAutoFit/>
+          </a:bodyPr>
+          <a:lstStyle/>
+          <a:p>
+            <a:pPr marL="0" lvl="0" indent="0" algn="r" rtl="0">
               <a:lnSpc>
                 <a:spcPct val="100000"/>
               </a:lnSpc>
@@ -6053,22 +7696,586 @@
               <a:buNone/>
             </a:pPr>
             <a:r>
-              <a:rPr lang="en" sz="1100">
+              <a:rPr lang="en-US" sz="1100" dirty="0">
                 <a:solidFill>
                   <a:srgbClr val="000000"/>
                 </a:solidFill>
               </a:rPr>
-              <a:t>Untuk selengkapnya, dapat melihat jupyter notebook </a:t>
+              <a:t>For more details, you can view the </a:t>
             </a:r>
             <a:r>
-              <a:rPr lang="en" sz="1100"/>
-              <a:t>disini</a:t>
+              <a:rPr lang="en-US" sz="1100" dirty="0" err="1">
+                <a:solidFill>
+                  <a:srgbClr val="000000"/>
+                </a:solidFill>
+              </a:rPr>
+              <a:t>Jupyter</a:t>
             </a:r>
-            <a:endParaRPr sz="1100">
+            <a:r>
+              <a:rPr lang="en-US" sz="1100" dirty="0">
+                <a:solidFill>
+                  <a:srgbClr val="000000"/>
+                </a:solidFill>
+              </a:rPr>
+              <a:t> notebook </a:t>
+            </a:r>
+            <a:r>
+              <a:rPr lang="en-US" sz="1100" dirty="0">
+                <a:solidFill>
+                  <a:srgbClr val="000000"/>
+                </a:solidFill>
+                <a:hlinkClick r:id="rId3"/>
+              </a:rPr>
+              <a:t>here</a:t>
+            </a:r>
+            <a:r>
+              <a:rPr lang="en-US" sz="1100" dirty="0">
+                <a:solidFill>
+                  <a:srgbClr val="000000"/>
+                </a:solidFill>
+              </a:rPr>
+              <a:t>.</a:t>
+            </a:r>
+          </a:p>
+        </p:txBody>
+      </p:sp>
+    </p:spTree>
+    <p:extLst>
+      <p:ext uri="{BB962C8B-B14F-4D97-AF65-F5344CB8AC3E}">
+        <p14:creationId xmlns:p14="http://schemas.microsoft.com/office/powerpoint/2010/main" val="3766893281"/>
+      </p:ext>
+    </p:extLst>
+  </p:cSld>
+  <p:clrMapOvr>
+    <a:masterClrMapping/>
+  </p:clrMapOvr>
+</p:sld>
+</file>
+
+<file path=ppt/slides/slide3.xml><?xml version="1.0" encoding="utf-8"?>
+<p:sld xmlns:a="http://schemas.openxmlformats.org/drawingml/2006/main" xmlns:r="http://schemas.openxmlformats.org/officeDocument/2006/relationships" xmlns:p="http://schemas.openxmlformats.org/presentationml/2006/main">
+  <p:cSld>
+    <p:spTree>
+      <p:nvGrpSpPr>
+        <p:cNvPr id="1" name="Shape 53"/>
+        <p:cNvGrpSpPr/>
+        <p:nvPr/>
+      </p:nvGrpSpPr>
+      <p:grpSpPr>
+        <a:xfrm>
+          <a:off x="0" y="0"/>
+          <a:ext cx="0" cy="0"/>
+          <a:chOff x="0" y="0"/>
+          <a:chExt cx="0" cy="0"/>
+        </a:xfrm>
+      </p:grpSpPr>
+      <p:sp>
+        <p:nvSpPr>
+          <p:cNvPr id="54" name="Google Shape;54;p13"/>
+          <p:cNvSpPr txBox="1">
+            <a:spLocks noGrp="1"/>
+          </p:cNvSpPr>
+          <p:nvPr>
+            <p:ph type="title"/>
+          </p:nvPr>
+        </p:nvSpPr>
+        <p:spPr>
+          <a:xfrm>
+            <a:off x="0" y="37175"/>
+            <a:ext cx="8180700" cy="523200"/>
+          </a:xfrm>
+          <a:prstGeom prst="rect">
+            <a:avLst/>
+          </a:prstGeom>
+        </p:spPr>
+        <p:txBody>
+          <a:bodyPr spcFirstLastPara="1" wrap="square" lIns="91425" tIns="91425" rIns="91425" bIns="91425" anchor="t" anchorCtr="0">
+            <a:noAutofit/>
+          </a:bodyPr>
+          <a:lstStyle/>
+          <a:p>
+            <a:pPr marL="0" lvl="0" indent="0" algn="ctr" rtl="0">
+              <a:spcBef>
+                <a:spcPts val="0"/>
+              </a:spcBef>
+              <a:spcAft>
+                <a:spcPts val="0"/>
+              </a:spcAft>
+              <a:buSzPts val="990"/>
+              <a:buNone/>
+            </a:pPr>
+            <a:r>
+              <a:rPr lang="en" sz="1798" b="1">
+                <a:latin typeface="Roboto"/>
+                <a:ea typeface="Roboto"/>
+                <a:cs typeface="Roboto"/>
+                <a:sym typeface="Roboto"/>
+              </a:rPr>
+              <a:t>Data Modeling</a:t>
+            </a:r>
+            <a:endParaRPr sz="1798">
               <a:solidFill>
-                <a:srgbClr val="000000"/>
+                <a:schemeClr val="lt1"/>
               </a:solidFill>
+              <a:latin typeface="Roboto"/>
+              <a:ea typeface="Roboto"/>
+              <a:cs typeface="Roboto"/>
+              <a:sym typeface="Roboto"/>
             </a:endParaRPr>
+          </a:p>
+        </p:txBody>
+      </p:sp>
+      <p:sp>
+        <p:nvSpPr>
+          <p:cNvPr id="4" name="Google Shape;55;p13">
+            <a:extLst>
+              <a:ext uri="{FF2B5EF4-FFF2-40B4-BE49-F238E27FC236}">
+                <a16:creationId xmlns:a16="http://schemas.microsoft.com/office/drawing/2014/main" id="{83BD5160-1287-AF92-6E82-577EF3954113}"/>
+              </a:ext>
+            </a:extLst>
+          </p:cNvPr>
+          <p:cNvSpPr txBox="1">
+            <a:spLocks/>
+          </p:cNvSpPr>
+          <p:nvPr/>
+        </p:nvSpPr>
+        <p:spPr>
+          <a:xfrm>
+            <a:off x="177315" y="603429"/>
+            <a:ext cx="8779649" cy="442590"/>
+          </a:xfrm>
+          <a:prstGeom prst="rect">
+            <a:avLst/>
+          </a:prstGeom>
+          <a:noFill/>
+          <a:ln>
+            <a:noFill/>
+          </a:ln>
+        </p:spPr>
+        <p:txBody>
+          <a:bodyPr spcFirstLastPara="1" wrap="square" lIns="91425" tIns="91425" rIns="91425" bIns="91425" anchor="t" anchorCtr="0">
+            <a:noAutofit/>
+          </a:bodyPr>
+          <a:lstStyle>
+            <a:defPPr marR="0" lvl="0" algn="l" rtl="0">
+              <a:lnSpc>
+                <a:spcPct val="100000"/>
+              </a:lnSpc>
+              <a:spcBef>
+                <a:spcPts val="0"/>
+              </a:spcBef>
+              <a:spcAft>
+                <a:spcPts val="0"/>
+              </a:spcAft>
+            </a:defPPr>
+            <a:lvl1pPr marL="457200" marR="0" lvl="0" indent="-342900" algn="l" rtl="0">
+              <a:lnSpc>
+                <a:spcPct val="115000"/>
+              </a:lnSpc>
+              <a:spcBef>
+                <a:spcPts val="0"/>
+              </a:spcBef>
+              <a:spcAft>
+                <a:spcPts val="0"/>
+              </a:spcAft>
+              <a:buClr>
+                <a:schemeClr val="dk2"/>
+              </a:buClr>
+              <a:buSzPts val="1800"/>
+              <a:buFont typeface="Arial"/>
+              <a:buChar char="●"/>
+              <a:defRPr sz="1800" b="0" i="0" u="none" strike="noStrike" cap="none">
+                <a:solidFill>
+                  <a:schemeClr val="dk2"/>
+                </a:solidFill>
+                <a:latin typeface="Arial"/>
+                <a:ea typeface="Arial"/>
+                <a:cs typeface="Arial"/>
+                <a:sym typeface="Arial"/>
+              </a:defRPr>
+            </a:lvl1pPr>
+            <a:lvl2pPr marL="914400" marR="0" lvl="1" indent="-317500" algn="l" rtl="0">
+              <a:lnSpc>
+                <a:spcPct val="115000"/>
+              </a:lnSpc>
+              <a:spcBef>
+                <a:spcPts val="0"/>
+              </a:spcBef>
+              <a:spcAft>
+                <a:spcPts val="0"/>
+              </a:spcAft>
+              <a:buClr>
+                <a:schemeClr val="dk2"/>
+              </a:buClr>
+              <a:buSzPts val="1400"/>
+              <a:buFont typeface="Arial"/>
+              <a:buChar char="○"/>
+              <a:defRPr sz="1400" b="0" i="0" u="none" strike="noStrike" cap="none">
+                <a:solidFill>
+                  <a:schemeClr val="dk2"/>
+                </a:solidFill>
+                <a:latin typeface="Arial"/>
+                <a:ea typeface="Arial"/>
+                <a:cs typeface="Arial"/>
+                <a:sym typeface="Arial"/>
+              </a:defRPr>
+            </a:lvl2pPr>
+            <a:lvl3pPr marL="1371600" marR="0" lvl="2" indent="-317500" algn="l" rtl="0">
+              <a:lnSpc>
+                <a:spcPct val="115000"/>
+              </a:lnSpc>
+              <a:spcBef>
+                <a:spcPts val="0"/>
+              </a:spcBef>
+              <a:spcAft>
+                <a:spcPts val="0"/>
+              </a:spcAft>
+              <a:buClr>
+                <a:schemeClr val="dk2"/>
+              </a:buClr>
+              <a:buSzPts val="1400"/>
+              <a:buFont typeface="Arial"/>
+              <a:buChar char="■"/>
+              <a:defRPr sz="1400" b="0" i="0" u="none" strike="noStrike" cap="none">
+                <a:solidFill>
+                  <a:schemeClr val="dk2"/>
+                </a:solidFill>
+                <a:latin typeface="Arial"/>
+                <a:ea typeface="Arial"/>
+                <a:cs typeface="Arial"/>
+                <a:sym typeface="Arial"/>
+              </a:defRPr>
+            </a:lvl3pPr>
+            <a:lvl4pPr marL="1828800" marR="0" lvl="3" indent="-317500" algn="l" rtl="0">
+              <a:lnSpc>
+                <a:spcPct val="115000"/>
+              </a:lnSpc>
+              <a:spcBef>
+                <a:spcPts val="0"/>
+              </a:spcBef>
+              <a:spcAft>
+                <a:spcPts val="0"/>
+              </a:spcAft>
+              <a:buClr>
+                <a:schemeClr val="dk2"/>
+              </a:buClr>
+              <a:buSzPts val="1400"/>
+              <a:buFont typeface="Arial"/>
+              <a:buChar char="●"/>
+              <a:defRPr sz="1400" b="0" i="0" u="none" strike="noStrike" cap="none">
+                <a:solidFill>
+                  <a:schemeClr val="dk2"/>
+                </a:solidFill>
+                <a:latin typeface="Arial"/>
+                <a:ea typeface="Arial"/>
+                <a:cs typeface="Arial"/>
+                <a:sym typeface="Arial"/>
+              </a:defRPr>
+            </a:lvl4pPr>
+            <a:lvl5pPr marL="2286000" marR="0" lvl="4" indent="-317500" algn="l" rtl="0">
+              <a:lnSpc>
+                <a:spcPct val="115000"/>
+              </a:lnSpc>
+              <a:spcBef>
+                <a:spcPts val="0"/>
+              </a:spcBef>
+              <a:spcAft>
+                <a:spcPts val="0"/>
+              </a:spcAft>
+              <a:buClr>
+                <a:schemeClr val="dk2"/>
+              </a:buClr>
+              <a:buSzPts val="1400"/>
+              <a:buFont typeface="Arial"/>
+              <a:buChar char="○"/>
+              <a:defRPr sz="1400" b="0" i="0" u="none" strike="noStrike" cap="none">
+                <a:solidFill>
+                  <a:schemeClr val="dk2"/>
+                </a:solidFill>
+                <a:latin typeface="Arial"/>
+                <a:ea typeface="Arial"/>
+                <a:cs typeface="Arial"/>
+                <a:sym typeface="Arial"/>
+              </a:defRPr>
+            </a:lvl5pPr>
+            <a:lvl6pPr marL="2743200" marR="0" lvl="5" indent="-317500" algn="l" rtl="0">
+              <a:lnSpc>
+                <a:spcPct val="115000"/>
+              </a:lnSpc>
+              <a:spcBef>
+                <a:spcPts val="0"/>
+              </a:spcBef>
+              <a:spcAft>
+                <a:spcPts val="0"/>
+              </a:spcAft>
+              <a:buClr>
+                <a:schemeClr val="dk2"/>
+              </a:buClr>
+              <a:buSzPts val="1400"/>
+              <a:buFont typeface="Arial"/>
+              <a:buChar char="■"/>
+              <a:defRPr sz="1400" b="0" i="0" u="none" strike="noStrike" cap="none">
+                <a:solidFill>
+                  <a:schemeClr val="dk2"/>
+                </a:solidFill>
+                <a:latin typeface="Arial"/>
+                <a:ea typeface="Arial"/>
+                <a:cs typeface="Arial"/>
+                <a:sym typeface="Arial"/>
+              </a:defRPr>
+            </a:lvl6pPr>
+            <a:lvl7pPr marL="3200400" marR="0" lvl="6" indent="-317500" algn="l" rtl="0">
+              <a:lnSpc>
+                <a:spcPct val="115000"/>
+              </a:lnSpc>
+              <a:spcBef>
+                <a:spcPts val="0"/>
+              </a:spcBef>
+              <a:spcAft>
+                <a:spcPts val="0"/>
+              </a:spcAft>
+              <a:buClr>
+                <a:schemeClr val="dk2"/>
+              </a:buClr>
+              <a:buSzPts val="1400"/>
+              <a:buFont typeface="Arial"/>
+              <a:buChar char="●"/>
+              <a:defRPr sz="1400" b="0" i="0" u="none" strike="noStrike" cap="none">
+                <a:solidFill>
+                  <a:schemeClr val="dk2"/>
+                </a:solidFill>
+                <a:latin typeface="Arial"/>
+                <a:ea typeface="Arial"/>
+                <a:cs typeface="Arial"/>
+                <a:sym typeface="Arial"/>
+              </a:defRPr>
+            </a:lvl7pPr>
+            <a:lvl8pPr marL="3657600" marR="0" lvl="7" indent="-317500" algn="l" rtl="0">
+              <a:lnSpc>
+                <a:spcPct val="115000"/>
+              </a:lnSpc>
+              <a:spcBef>
+                <a:spcPts val="0"/>
+              </a:spcBef>
+              <a:spcAft>
+                <a:spcPts val="0"/>
+              </a:spcAft>
+              <a:buClr>
+                <a:schemeClr val="dk2"/>
+              </a:buClr>
+              <a:buSzPts val="1400"/>
+              <a:buFont typeface="Arial"/>
+              <a:buChar char="○"/>
+              <a:defRPr sz="1400" b="0" i="0" u="none" strike="noStrike" cap="none">
+                <a:solidFill>
+                  <a:schemeClr val="dk2"/>
+                </a:solidFill>
+                <a:latin typeface="Arial"/>
+                <a:ea typeface="Arial"/>
+                <a:cs typeface="Arial"/>
+                <a:sym typeface="Arial"/>
+              </a:defRPr>
+            </a:lvl8pPr>
+            <a:lvl9pPr marL="4114800" marR="0" lvl="8" indent="-317500" algn="l" rtl="0">
+              <a:lnSpc>
+                <a:spcPct val="115000"/>
+              </a:lnSpc>
+              <a:spcBef>
+                <a:spcPts val="0"/>
+              </a:spcBef>
+              <a:spcAft>
+                <a:spcPts val="0"/>
+              </a:spcAft>
+              <a:buClr>
+                <a:schemeClr val="dk2"/>
+              </a:buClr>
+              <a:buSzPts val="1400"/>
+              <a:buFont typeface="Arial"/>
+              <a:buChar char="■"/>
+              <a:defRPr sz="1400" b="0" i="0" u="none" strike="noStrike" cap="none">
+                <a:solidFill>
+                  <a:schemeClr val="dk2"/>
+                </a:solidFill>
+                <a:latin typeface="Arial"/>
+                <a:ea typeface="Arial"/>
+                <a:cs typeface="Arial"/>
+                <a:sym typeface="Arial"/>
+              </a:defRPr>
+            </a:lvl9pPr>
+          </a:lstStyle>
+          <a:p>
+            <a:pPr marL="114300" indent="0">
+              <a:buNone/>
+            </a:pPr>
+            <a:r>
+              <a:rPr lang="en-US" sz="1400" b="1" dirty="0">
+                <a:solidFill>
+                  <a:schemeClr val="dk1"/>
+                </a:solidFill>
+              </a:rPr>
+              <a:t>Models Performance Before Feature Scaling</a:t>
+            </a:r>
+            <a:endParaRPr lang="en-US" sz="1300" dirty="0">
+              <a:solidFill>
+                <a:schemeClr val="tx1"/>
+              </a:solidFill>
+              <a:latin typeface="Dosis" pitchFamily="2" charset="0"/>
+            </a:endParaRPr>
+          </a:p>
+          <a:p>
+            <a:pPr marL="114300" indent="0">
+              <a:buNone/>
+            </a:pPr>
+            <a:endParaRPr lang="en-US" sz="1300" b="0" dirty="0">
+              <a:solidFill>
+                <a:schemeClr val="tx1"/>
+              </a:solidFill>
+              <a:effectLst/>
+              <a:latin typeface="Dosis" pitchFamily="2" charset="0"/>
+            </a:endParaRPr>
+          </a:p>
+          <a:p>
+            <a:pPr marL="114300" indent="0">
+              <a:buNone/>
+            </a:pPr>
+            <a:endParaRPr lang="en-US" sz="1300" b="0" dirty="0">
+              <a:solidFill>
+                <a:schemeClr val="tx1"/>
+              </a:solidFill>
+              <a:effectLst/>
+              <a:latin typeface="Dosis" pitchFamily="2" charset="0"/>
+            </a:endParaRPr>
+          </a:p>
+        </p:txBody>
+      </p:sp>
+      <p:pic>
+        <p:nvPicPr>
+          <p:cNvPr id="6" name="Picture 5">
+            <a:extLst>
+              <a:ext uri="{FF2B5EF4-FFF2-40B4-BE49-F238E27FC236}">
+                <a16:creationId xmlns:a16="http://schemas.microsoft.com/office/drawing/2014/main" id="{F22A4EB0-24BE-AF83-DB80-F5DED52E0317}"/>
+              </a:ext>
+            </a:extLst>
+          </p:cNvPr>
+          <p:cNvPicPr>
+            <a:picLocks noChangeAspect="1"/>
+          </p:cNvPicPr>
+          <p:nvPr/>
+        </p:nvPicPr>
+        <p:blipFill>
+          <a:blip r:embed="rId3"/>
+          <a:stretch>
+            <a:fillRect/>
+          </a:stretch>
+        </p:blipFill>
+        <p:spPr>
+          <a:xfrm>
+            <a:off x="363838" y="1177626"/>
+            <a:ext cx="8416324" cy="1482459"/>
+          </a:xfrm>
+          <a:prstGeom prst="rect">
+            <a:avLst/>
+          </a:prstGeom>
+        </p:spPr>
+      </p:pic>
+      <p:sp>
+        <p:nvSpPr>
+          <p:cNvPr id="7" name="TextBox 6">
+            <a:extLst>
+              <a:ext uri="{FF2B5EF4-FFF2-40B4-BE49-F238E27FC236}">
+                <a16:creationId xmlns:a16="http://schemas.microsoft.com/office/drawing/2014/main" id="{DF4940DE-248E-176B-BBD6-6873916DE329}"/>
+              </a:ext>
+            </a:extLst>
+          </p:cNvPr>
+          <p:cNvSpPr txBox="1"/>
+          <p:nvPr/>
+        </p:nvSpPr>
+        <p:spPr>
+          <a:xfrm>
+            <a:off x="293410" y="2791692"/>
+            <a:ext cx="8663554" cy="1815882"/>
+          </a:xfrm>
+          <a:prstGeom prst="rect">
+            <a:avLst/>
+          </a:prstGeom>
+          <a:noFill/>
+        </p:spPr>
+        <p:txBody>
+          <a:bodyPr wrap="square" rtlCol="0">
+            <a:spAutoFit/>
+          </a:bodyPr>
+          <a:lstStyle/>
+          <a:p>
+            <a:pPr marL="285750" indent="-285750">
+              <a:buFont typeface="Arial" panose="020B0604020202020204" pitchFamily="34" charset="0"/>
+              <a:buChar char="•"/>
+            </a:pPr>
+            <a:r>
+              <a:rPr lang="en-US" dirty="0">
+                <a:latin typeface="Dosis" pitchFamily="2" charset="0"/>
+              </a:rPr>
+              <a:t>Decision Tree model had the lowest fit time of all the models but the accuracy is second lowest accuracy overall.</a:t>
+            </a:r>
+          </a:p>
+          <a:p>
+            <a:pPr marL="285750" indent="-285750">
+              <a:buFont typeface="Arial" panose="020B0604020202020204" pitchFamily="34" charset="0"/>
+              <a:buChar char="•"/>
+            </a:pPr>
+            <a:endParaRPr lang="en-US" dirty="0">
+              <a:latin typeface="Dosis" pitchFamily="2" charset="0"/>
+            </a:endParaRPr>
+          </a:p>
+          <a:p>
+            <a:pPr marL="285750" indent="-285750">
+              <a:buFont typeface="Arial" panose="020B0604020202020204" pitchFamily="34" charset="0"/>
+              <a:buChar char="•"/>
+            </a:pPr>
+            <a:r>
+              <a:rPr lang="en-US" dirty="0" err="1">
+                <a:latin typeface="Dosis" pitchFamily="2" charset="0"/>
+              </a:rPr>
+              <a:t>XGBoost</a:t>
+            </a:r>
+            <a:r>
+              <a:rPr lang="en-US" dirty="0">
+                <a:latin typeface="Dosis" pitchFamily="2" charset="0"/>
+              </a:rPr>
+              <a:t> model had the highest cross validated accuracy but Gradient Boosting has the highest cross validated recall. In the case of non-scaled data the 2 algorithm showed the best performance.</a:t>
+            </a:r>
+          </a:p>
+          <a:p>
+            <a:pPr marL="285750" indent="-285750">
+              <a:buFont typeface="Arial" panose="020B0604020202020204" pitchFamily="34" charset="0"/>
+              <a:buChar char="•"/>
+            </a:pPr>
+            <a:endParaRPr lang="en-US" dirty="0">
+              <a:latin typeface="Dosis" pitchFamily="2" charset="0"/>
+            </a:endParaRPr>
+          </a:p>
+          <a:p>
+            <a:pPr marL="285750" indent="-285750">
+              <a:buFont typeface="Arial" panose="020B0604020202020204" pitchFamily="34" charset="0"/>
+              <a:buChar char="•"/>
+            </a:pPr>
+            <a:r>
+              <a:rPr lang="en-US" dirty="0">
+                <a:latin typeface="Dosis" pitchFamily="2" charset="0"/>
+              </a:rPr>
+              <a:t>Due to the non-scaled data, distance based algorithms like K-Nearest </a:t>
+            </a:r>
+            <a:r>
+              <a:rPr lang="en-US" dirty="0" err="1">
+                <a:latin typeface="Dosis" pitchFamily="2" charset="0"/>
+              </a:rPr>
+              <a:t>Neighbours</a:t>
+            </a:r>
+            <a:r>
+              <a:rPr lang="en-US" dirty="0">
+                <a:latin typeface="Dosis" pitchFamily="2" charset="0"/>
+              </a:rPr>
+              <a:t> suffered heavily as the accuracy and recall scores is the lowest of all models tested. Linear algorithms like Logistic Regression also suffered from this case in which the fitted time became the second longest.</a:t>
+            </a:r>
           </a:p>
         </p:txBody>
       </p:sp>
@@ -6080,8 +8287,1878 @@
 </p:sld>
 </file>
 
+<file path=ppt/slides/slide4.xml><?xml version="1.0" encoding="utf-8"?>
+<p:sld xmlns:a="http://schemas.openxmlformats.org/drawingml/2006/main" xmlns:r="http://schemas.openxmlformats.org/officeDocument/2006/relationships" xmlns:p="http://schemas.openxmlformats.org/presentationml/2006/main">
+  <p:cSld>
+    <p:spTree>
+      <p:nvGrpSpPr>
+        <p:cNvPr id="1" name="Shape 53"/>
+        <p:cNvGrpSpPr/>
+        <p:nvPr/>
+      </p:nvGrpSpPr>
+      <p:grpSpPr>
+        <a:xfrm>
+          <a:off x="0" y="0"/>
+          <a:ext cx="0" cy="0"/>
+          <a:chOff x="0" y="0"/>
+          <a:chExt cx="0" cy="0"/>
+        </a:xfrm>
+      </p:grpSpPr>
+      <p:sp>
+        <p:nvSpPr>
+          <p:cNvPr id="54" name="Google Shape;54;p13"/>
+          <p:cNvSpPr txBox="1">
+            <a:spLocks noGrp="1"/>
+          </p:cNvSpPr>
+          <p:nvPr>
+            <p:ph type="title"/>
+          </p:nvPr>
+        </p:nvSpPr>
+        <p:spPr>
+          <a:xfrm>
+            <a:off x="0" y="37175"/>
+            <a:ext cx="8180700" cy="523200"/>
+          </a:xfrm>
+          <a:prstGeom prst="rect">
+            <a:avLst/>
+          </a:prstGeom>
+        </p:spPr>
+        <p:txBody>
+          <a:bodyPr spcFirstLastPara="1" wrap="square" lIns="91425" tIns="91425" rIns="91425" bIns="91425" anchor="t" anchorCtr="0">
+            <a:noAutofit/>
+          </a:bodyPr>
+          <a:lstStyle/>
+          <a:p>
+            <a:pPr marL="0" lvl="0" indent="0" algn="ctr" rtl="0">
+              <a:spcBef>
+                <a:spcPts val="0"/>
+              </a:spcBef>
+              <a:spcAft>
+                <a:spcPts val="0"/>
+              </a:spcAft>
+              <a:buSzPts val="990"/>
+              <a:buNone/>
+            </a:pPr>
+            <a:r>
+              <a:rPr lang="en" sz="1798" b="1">
+                <a:latin typeface="Roboto"/>
+                <a:ea typeface="Roboto"/>
+                <a:cs typeface="Roboto"/>
+                <a:sym typeface="Roboto"/>
+              </a:rPr>
+              <a:t>Data Modeling</a:t>
+            </a:r>
+            <a:endParaRPr sz="1798">
+              <a:solidFill>
+                <a:schemeClr val="lt1"/>
+              </a:solidFill>
+              <a:latin typeface="Roboto"/>
+              <a:ea typeface="Roboto"/>
+              <a:cs typeface="Roboto"/>
+              <a:sym typeface="Roboto"/>
+            </a:endParaRPr>
+          </a:p>
+        </p:txBody>
+      </p:sp>
+      <p:sp>
+        <p:nvSpPr>
+          <p:cNvPr id="4" name="Google Shape;55;p13">
+            <a:extLst>
+              <a:ext uri="{FF2B5EF4-FFF2-40B4-BE49-F238E27FC236}">
+                <a16:creationId xmlns:a16="http://schemas.microsoft.com/office/drawing/2014/main" id="{83BD5160-1287-AF92-6E82-577EF3954113}"/>
+              </a:ext>
+            </a:extLst>
+          </p:cNvPr>
+          <p:cNvSpPr txBox="1">
+            <a:spLocks/>
+          </p:cNvSpPr>
+          <p:nvPr/>
+        </p:nvSpPr>
+        <p:spPr>
+          <a:xfrm>
+            <a:off x="177315" y="603429"/>
+            <a:ext cx="8779649" cy="442590"/>
+          </a:xfrm>
+          <a:prstGeom prst="rect">
+            <a:avLst/>
+          </a:prstGeom>
+          <a:noFill/>
+          <a:ln>
+            <a:noFill/>
+          </a:ln>
+        </p:spPr>
+        <p:txBody>
+          <a:bodyPr spcFirstLastPara="1" wrap="square" lIns="91425" tIns="91425" rIns="91425" bIns="91425" anchor="t" anchorCtr="0">
+            <a:noAutofit/>
+          </a:bodyPr>
+          <a:lstStyle>
+            <a:defPPr marR="0" lvl="0" algn="l" rtl="0">
+              <a:lnSpc>
+                <a:spcPct val="100000"/>
+              </a:lnSpc>
+              <a:spcBef>
+                <a:spcPts val="0"/>
+              </a:spcBef>
+              <a:spcAft>
+                <a:spcPts val="0"/>
+              </a:spcAft>
+            </a:defPPr>
+            <a:lvl1pPr marL="457200" marR="0" lvl="0" indent="-342900" algn="l" rtl="0">
+              <a:lnSpc>
+                <a:spcPct val="115000"/>
+              </a:lnSpc>
+              <a:spcBef>
+                <a:spcPts val="0"/>
+              </a:spcBef>
+              <a:spcAft>
+                <a:spcPts val="0"/>
+              </a:spcAft>
+              <a:buClr>
+                <a:schemeClr val="dk2"/>
+              </a:buClr>
+              <a:buSzPts val="1800"/>
+              <a:buFont typeface="Arial"/>
+              <a:buChar char="●"/>
+              <a:defRPr sz="1800" b="0" i="0" u="none" strike="noStrike" cap="none">
+                <a:solidFill>
+                  <a:schemeClr val="dk2"/>
+                </a:solidFill>
+                <a:latin typeface="Arial"/>
+                <a:ea typeface="Arial"/>
+                <a:cs typeface="Arial"/>
+                <a:sym typeface="Arial"/>
+              </a:defRPr>
+            </a:lvl1pPr>
+            <a:lvl2pPr marL="914400" marR="0" lvl="1" indent="-317500" algn="l" rtl="0">
+              <a:lnSpc>
+                <a:spcPct val="115000"/>
+              </a:lnSpc>
+              <a:spcBef>
+                <a:spcPts val="0"/>
+              </a:spcBef>
+              <a:spcAft>
+                <a:spcPts val="0"/>
+              </a:spcAft>
+              <a:buClr>
+                <a:schemeClr val="dk2"/>
+              </a:buClr>
+              <a:buSzPts val="1400"/>
+              <a:buFont typeface="Arial"/>
+              <a:buChar char="○"/>
+              <a:defRPr sz="1400" b="0" i="0" u="none" strike="noStrike" cap="none">
+                <a:solidFill>
+                  <a:schemeClr val="dk2"/>
+                </a:solidFill>
+                <a:latin typeface="Arial"/>
+                <a:ea typeface="Arial"/>
+                <a:cs typeface="Arial"/>
+                <a:sym typeface="Arial"/>
+              </a:defRPr>
+            </a:lvl2pPr>
+            <a:lvl3pPr marL="1371600" marR="0" lvl="2" indent="-317500" algn="l" rtl="0">
+              <a:lnSpc>
+                <a:spcPct val="115000"/>
+              </a:lnSpc>
+              <a:spcBef>
+                <a:spcPts val="0"/>
+              </a:spcBef>
+              <a:spcAft>
+                <a:spcPts val="0"/>
+              </a:spcAft>
+              <a:buClr>
+                <a:schemeClr val="dk2"/>
+              </a:buClr>
+              <a:buSzPts val="1400"/>
+              <a:buFont typeface="Arial"/>
+              <a:buChar char="■"/>
+              <a:defRPr sz="1400" b="0" i="0" u="none" strike="noStrike" cap="none">
+                <a:solidFill>
+                  <a:schemeClr val="dk2"/>
+                </a:solidFill>
+                <a:latin typeface="Arial"/>
+                <a:ea typeface="Arial"/>
+                <a:cs typeface="Arial"/>
+                <a:sym typeface="Arial"/>
+              </a:defRPr>
+            </a:lvl3pPr>
+            <a:lvl4pPr marL="1828800" marR="0" lvl="3" indent="-317500" algn="l" rtl="0">
+              <a:lnSpc>
+                <a:spcPct val="115000"/>
+              </a:lnSpc>
+              <a:spcBef>
+                <a:spcPts val="0"/>
+              </a:spcBef>
+              <a:spcAft>
+                <a:spcPts val="0"/>
+              </a:spcAft>
+              <a:buClr>
+                <a:schemeClr val="dk2"/>
+              </a:buClr>
+              <a:buSzPts val="1400"/>
+              <a:buFont typeface="Arial"/>
+              <a:buChar char="●"/>
+              <a:defRPr sz="1400" b="0" i="0" u="none" strike="noStrike" cap="none">
+                <a:solidFill>
+                  <a:schemeClr val="dk2"/>
+                </a:solidFill>
+                <a:latin typeface="Arial"/>
+                <a:ea typeface="Arial"/>
+                <a:cs typeface="Arial"/>
+                <a:sym typeface="Arial"/>
+              </a:defRPr>
+            </a:lvl4pPr>
+            <a:lvl5pPr marL="2286000" marR="0" lvl="4" indent="-317500" algn="l" rtl="0">
+              <a:lnSpc>
+                <a:spcPct val="115000"/>
+              </a:lnSpc>
+              <a:spcBef>
+                <a:spcPts val="0"/>
+              </a:spcBef>
+              <a:spcAft>
+                <a:spcPts val="0"/>
+              </a:spcAft>
+              <a:buClr>
+                <a:schemeClr val="dk2"/>
+              </a:buClr>
+              <a:buSzPts val="1400"/>
+              <a:buFont typeface="Arial"/>
+              <a:buChar char="○"/>
+              <a:defRPr sz="1400" b="0" i="0" u="none" strike="noStrike" cap="none">
+                <a:solidFill>
+                  <a:schemeClr val="dk2"/>
+                </a:solidFill>
+                <a:latin typeface="Arial"/>
+                <a:ea typeface="Arial"/>
+                <a:cs typeface="Arial"/>
+                <a:sym typeface="Arial"/>
+              </a:defRPr>
+            </a:lvl5pPr>
+            <a:lvl6pPr marL="2743200" marR="0" lvl="5" indent="-317500" algn="l" rtl="0">
+              <a:lnSpc>
+                <a:spcPct val="115000"/>
+              </a:lnSpc>
+              <a:spcBef>
+                <a:spcPts val="0"/>
+              </a:spcBef>
+              <a:spcAft>
+                <a:spcPts val="0"/>
+              </a:spcAft>
+              <a:buClr>
+                <a:schemeClr val="dk2"/>
+              </a:buClr>
+              <a:buSzPts val="1400"/>
+              <a:buFont typeface="Arial"/>
+              <a:buChar char="■"/>
+              <a:defRPr sz="1400" b="0" i="0" u="none" strike="noStrike" cap="none">
+                <a:solidFill>
+                  <a:schemeClr val="dk2"/>
+                </a:solidFill>
+                <a:latin typeface="Arial"/>
+                <a:ea typeface="Arial"/>
+                <a:cs typeface="Arial"/>
+                <a:sym typeface="Arial"/>
+              </a:defRPr>
+            </a:lvl6pPr>
+            <a:lvl7pPr marL="3200400" marR="0" lvl="6" indent="-317500" algn="l" rtl="0">
+              <a:lnSpc>
+                <a:spcPct val="115000"/>
+              </a:lnSpc>
+              <a:spcBef>
+                <a:spcPts val="0"/>
+              </a:spcBef>
+              <a:spcAft>
+                <a:spcPts val="0"/>
+              </a:spcAft>
+              <a:buClr>
+                <a:schemeClr val="dk2"/>
+              </a:buClr>
+              <a:buSzPts val="1400"/>
+              <a:buFont typeface="Arial"/>
+              <a:buChar char="●"/>
+              <a:defRPr sz="1400" b="0" i="0" u="none" strike="noStrike" cap="none">
+                <a:solidFill>
+                  <a:schemeClr val="dk2"/>
+                </a:solidFill>
+                <a:latin typeface="Arial"/>
+                <a:ea typeface="Arial"/>
+                <a:cs typeface="Arial"/>
+                <a:sym typeface="Arial"/>
+              </a:defRPr>
+            </a:lvl7pPr>
+            <a:lvl8pPr marL="3657600" marR="0" lvl="7" indent="-317500" algn="l" rtl="0">
+              <a:lnSpc>
+                <a:spcPct val="115000"/>
+              </a:lnSpc>
+              <a:spcBef>
+                <a:spcPts val="0"/>
+              </a:spcBef>
+              <a:spcAft>
+                <a:spcPts val="0"/>
+              </a:spcAft>
+              <a:buClr>
+                <a:schemeClr val="dk2"/>
+              </a:buClr>
+              <a:buSzPts val="1400"/>
+              <a:buFont typeface="Arial"/>
+              <a:buChar char="○"/>
+              <a:defRPr sz="1400" b="0" i="0" u="none" strike="noStrike" cap="none">
+                <a:solidFill>
+                  <a:schemeClr val="dk2"/>
+                </a:solidFill>
+                <a:latin typeface="Arial"/>
+                <a:ea typeface="Arial"/>
+                <a:cs typeface="Arial"/>
+                <a:sym typeface="Arial"/>
+              </a:defRPr>
+            </a:lvl8pPr>
+            <a:lvl9pPr marL="4114800" marR="0" lvl="8" indent="-317500" algn="l" rtl="0">
+              <a:lnSpc>
+                <a:spcPct val="115000"/>
+              </a:lnSpc>
+              <a:spcBef>
+                <a:spcPts val="0"/>
+              </a:spcBef>
+              <a:spcAft>
+                <a:spcPts val="0"/>
+              </a:spcAft>
+              <a:buClr>
+                <a:schemeClr val="dk2"/>
+              </a:buClr>
+              <a:buSzPts val="1400"/>
+              <a:buFont typeface="Arial"/>
+              <a:buChar char="■"/>
+              <a:defRPr sz="1400" b="0" i="0" u="none" strike="noStrike" cap="none">
+                <a:solidFill>
+                  <a:schemeClr val="dk2"/>
+                </a:solidFill>
+                <a:latin typeface="Arial"/>
+                <a:ea typeface="Arial"/>
+                <a:cs typeface="Arial"/>
+                <a:sym typeface="Arial"/>
+              </a:defRPr>
+            </a:lvl9pPr>
+          </a:lstStyle>
+          <a:p>
+            <a:pPr marL="114300" indent="0">
+              <a:buNone/>
+            </a:pPr>
+            <a:r>
+              <a:rPr lang="en-US" sz="1400" b="1" dirty="0">
+                <a:solidFill>
+                  <a:schemeClr val="dk1"/>
+                </a:solidFill>
+              </a:rPr>
+              <a:t>Models Performance After Feature Scaling</a:t>
+            </a:r>
+            <a:endParaRPr lang="en-US" sz="1300" dirty="0">
+              <a:solidFill>
+                <a:schemeClr val="tx1"/>
+              </a:solidFill>
+              <a:latin typeface="Dosis" pitchFamily="2" charset="0"/>
+            </a:endParaRPr>
+          </a:p>
+          <a:p>
+            <a:pPr marL="114300" indent="0">
+              <a:buNone/>
+            </a:pPr>
+            <a:endParaRPr lang="en-US" sz="1300" b="0" dirty="0">
+              <a:solidFill>
+                <a:schemeClr val="tx1"/>
+              </a:solidFill>
+              <a:effectLst/>
+              <a:latin typeface="Dosis" pitchFamily="2" charset="0"/>
+            </a:endParaRPr>
+          </a:p>
+          <a:p>
+            <a:pPr marL="114300" indent="0">
+              <a:buNone/>
+            </a:pPr>
+            <a:endParaRPr lang="en-US" sz="1300" b="0" dirty="0">
+              <a:solidFill>
+                <a:schemeClr val="tx1"/>
+              </a:solidFill>
+              <a:effectLst/>
+              <a:latin typeface="Dosis" pitchFamily="2" charset="0"/>
+            </a:endParaRPr>
+          </a:p>
+        </p:txBody>
+      </p:sp>
+      <p:pic>
+        <p:nvPicPr>
+          <p:cNvPr id="9" name="Picture 8">
+            <a:extLst>
+              <a:ext uri="{FF2B5EF4-FFF2-40B4-BE49-F238E27FC236}">
+                <a16:creationId xmlns:a16="http://schemas.microsoft.com/office/drawing/2014/main" id="{87ECF6A8-98D7-6079-C93E-607E3BEE29ED}"/>
+              </a:ext>
+            </a:extLst>
+          </p:cNvPr>
+          <p:cNvPicPr>
+            <a:picLocks noChangeAspect="1"/>
+          </p:cNvPicPr>
+          <p:nvPr/>
+        </p:nvPicPr>
+        <p:blipFill>
+          <a:blip r:embed="rId3"/>
+          <a:stretch>
+            <a:fillRect/>
+          </a:stretch>
+        </p:blipFill>
+        <p:spPr>
+          <a:xfrm>
+            <a:off x="358739" y="1089073"/>
+            <a:ext cx="8416800" cy="1501557"/>
+          </a:xfrm>
+          <a:prstGeom prst="rect">
+            <a:avLst/>
+          </a:prstGeom>
+        </p:spPr>
+      </p:pic>
+      <p:sp>
+        <p:nvSpPr>
+          <p:cNvPr id="3" name="TextBox 2">
+            <a:extLst>
+              <a:ext uri="{FF2B5EF4-FFF2-40B4-BE49-F238E27FC236}">
+                <a16:creationId xmlns:a16="http://schemas.microsoft.com/office/drawing/2014/main" id="{B2F48DB6-F3C0-97BB-71A0-EEDFFD891E56}"/>
+              </a:ext>
+            </a:extLst>
+          </p:cNvPr>
+          <p:cNvSpPr txBox="1"/>
+          <p:nvPr/>
+        </p:nvSpPr>
+        <p:spPr>
+          <a:xfrm>
+            <a:off x="293410" y="2729346"/>
+            <a:ext cx="8663554" cy="2246769"/>
+          </a:xfrm>
+          <a:prstGeom prst="rect">
+            <a:avLst/>
+          </a:prstGeom>
+          <a:noFill/>
+        </p:spPr>
+        <p:txBody>
+          <a:bodyPr wrap="square" rtlCol="0">
+            <a:spAutoFit/>
+          </a:bodyPr>
+          <a:lstStyle/>
+          <a:p>
+            <a:pPr marL="285750" indent="-285750">
+              <a:buFont typeface="Arial" panose="020B0604020202020204" pitchFamily="34" charset="0"/>
+              <a:buChar char="•"/>
+            </a:pPr>
+            <a:r>
+              <a:rPr lang="en-US" dirty="0">
+                <a:latin typeface="Dosis" pitchFamily="2" charset="0"/>
+              </a:rPr>
+              <a:t>The overall fit time of all models decrease after </a:t>
+            </a:r>
+            <a:r>
+              <a:rPr lang="en-US" dirty="0" err="1">
+                <a:latin typeface="Dosis" pitchFamily="2" charset="0"/>
+              </a:rPr>
+              <a:t>scalling</a:t>
+            </a:r>
+            <a:r>
+              <a:rPr lang="en-US" dirty="0">
+                <a:latin typeface="Dosis" pitchFamily="2" charset="0"/>
+              </a:rPr>
+              <a:t> is applied, this is because it's now easier for the algorithm to do the </a:t>
+            </a:r>
+            <a:r>
+              <a:rPr lang="en-US" dirty="0" err="1">
+                <a:latin typeface="Dosis" pitchFamily="2" charset="0"/>
+              </a:rPr>
+              <a:t>calcuation</a:t>
+            </a:r>
+            <a:r>
+              <a:rPr lang="en-US" dirty="0">
+                <a:latin typeface="Dosis" pitchFamily="2" charset="0"/>
+              </a:rPr>
+              <a:t>. Logistic Regression model now had the highest cross validated accuracy, while Gradient Boosting model still has the highest cross validated recall.</a:t>
+            </a:r>
+          </a:p>
+          <a:p>
+            <a:pPr marL="285750" indent="-285750">
+              <a:buFont typeface="Arial" panose="020B0604020202020204" pitchFamily="34" charset="0"/>
+              <a:buChar char="•"/>
+            </a:pPr>
+            <a:endParaRPr lang="en-US" dirty="0">
+              <a:latin typeface="Dosis" pitchFamily="2" charset="0"/>
+            </a:endParaRPr>
+          </a:p>
+          <a:p>
+            <a:pPr marL="285750" indent="-285750">
+              <a:buFont typeface="Arial" panose="020B0604020202020204" pitchFamily="34" charset="0"/>
+              <a:buChar char="•"/>
+            </a:pPr>
+            <a:r>
+              <a:rPr lang="en-US" dirty="0">
+                <a:latin typeface="Dosis" pitchFamily="2" charset="0"/>
+              </a:rPr>
+              <a:t>With normalized data, the previously poor performing distance based and linear models have shone through. The performance of K-Nearest </a:t>
+            </a:r>
+            <a:r>
+              <a:rPr lang="en-US" dirty="0" err="1">
+                <a:latin typeface="Dosis" pitchFamily="2" charset="0"/>
+              </a:rPr>
+              <a:t>Neighbours</a:t>
+            </a:r>
+            <a:r>
+              <a:rPr lang="en-US" dirty="0">
+                <a:latin typeface="Dosis" pitchFamily="2" charset="0"/>
+              </a:rPr>
+              <a:t> improved really significant while for the Logistic Regression not only the performance in accuracy and recall increased but also the fit time became much faster. </a:t>
+            </a:r>
+          </a:p>
+          <a:p>
+            <a:pPr marL="285750" indent="-285750">
+              <a:buFont typeface="Arial" panose="020B0604020202020204" pitchFamily="34" charset="0"/>
+              <a:buChar char="•"/>
+            </a:pPr>
+            <a:endParaRPr lang="en-US" dirty="0">
+              <a:latin typeface="Dosis" pitchFamily="2" charset="0"/>
+            </a:endParaRPr>
+          </a:p>
+          <a:p>
+            <a:pPr marL="285750" indent="-285750">
+              <a:buFont typeface="Arial" panose="020B0604020202020204" pitchFamily="34" charset="0"/>
+              <a:buChar char="•"/>
+            </a:pPr>
+            <a:r>
+              <a:rPr lang="en-US" b="1" dirty="0">
+                <a:latin typeface="Dosis" pitchFamily="2" charset="0"/>
+              </a:rPr>
+              <a:t>By taking consideration of not only the above evaluation metrics but also the simplicity, explainability and fit and elapsed times, the model that will be chosen is the </a:t>
+            </a:r>
+            <a:r>
+              <a:rPr lang="en-US" b="1" dirty="0">
+                <a:solidFill>
+                  <a:srgbClr val="FF0000"/>
+                </a:solidFill>
+                <a:latin typeface="Dosis" pitchFamily="2" charset="0"/>
+              </a:rPr>
+              <a:t>Logistic Regression</a:t>
+            </a:r>
+            <a:r>
+              <a:rPr lang="en-US" b="1" dirty="0">
+                <a:latin typeface="Dosis" pitchFamily="2" charset="0"/>
+              </a:rPr>
+              <a:t> model with scaled data.</a:t>
+            </a:r>
+          </a:p>
+        </p:txBody>
+      </p:sp>
+    </p:spTree>
+    <p:extLst>
+      <p:ext uri="{BB962C8B-B14F-4D97-AF65-F5344CB8AC3E}">
+        <p14:creationId xmlns:p14="http://schemas.microsoft.com/office/powerpoint/2010/main" val="662916549"/>
+      </p:ext>
+    </p:extLst>
+  </p:cSld>
+  <p:clrMapOvr>
+    <a:masterClrMapping/>
+  </p:clrMapOvr>
+</p:sld>
+</file>
+
+<file path=ppt/slides/slide5.xml><?xml version="1.0" encoding="utf-8"?>
+<p:sld xmlns:a="http://schemas.openxmlformats.org/drawingml/2006/main" xmlns:r="http://schemas.openxmlformats.org/officeDocument/2006/relationships" xmlns:p="http://schemas.openxmlformats.org/presentationml/2006/main">
+  <p:cSld>
+    <p:spTree>
+      <p:nvGrpSpPr>
+        <p:cNvPr id="1" name="Shape 53"/>
+        <p:cNvGrpSpPr/>
+        <p:nvPr/>
+      </p:nvGrpSpPr>
+      <p:grpSpPr>
+        <a:xfrm>
+          <a:off x="0" y="0"/>
+          <a:ext cx="0" cy="0"/>
+          <a:chOff x="0" y="0"/>
+          <a:chExt cx="0" cy="0"/>
+        </a:xfrm>
+      </p:grpSpPr>
+      <p:sp>
+        <p:nvSpPr>
+          <p:cNvPr id="54" name="Google Shape;54;p13"/>
+          <p:cNvSpPr txBox="1">
+            <a:spLocks noGrp="1"/>
+          </p:cNvSpPr>
+          <p:nvPr>
+            <p:ph type="title"/>
+          </p:nvPr>
+        </p:nvSpPr>
+        <p:spPr>
+          <a:xfrm>
+            <a:off x="0" y="37175"/>
+            <a:ext cx="8180700" cy="523200"/>
+          </a:xfrm>
+          <a:prstGeom prst="rect">
+            <a:avLst/>
+          </a:prstGeom>
+        </p:spPr>
+        <p:txBody>
+          <a:bodyPr spcFirstLastPara="1" wrap="square" lIns="91425" tIns="91425" rIns="91425" bIns="91425" anchor="t" anchorCtr="0">
+            <a:noAutofit/>
+          </a:bodyPr>
+          <a:lstStyle/>
+          <a:p>
+            <a:pPr marL="0" lvl="0" indent="0" algn="ctr" rtl="0">
+              <a:spcBef>
+                <a:spcPts val="0"/>
+              </a:spcBef>
+              <a:spcAft>
+                <a:spcPts val="0"/>
+              </a:spcAft>
+              <a:buSzPts val="990"/>
+              <a:buNone/>
+            </a:pPr>
+            <a:r>
+              <a:rPr lang="en" sz="1798" b="1">
+                <a:latin typeface="Roboto"/>
+                <a:ea typeface="Roboto"/>
+                <a:cs typeface="Roboto"/>
+                <a:sym typeface="Roboto"/>
+              </a:rPr>
+              <a:t>Data Modeling</a:t>
+            </a:r>
+            <a:endParaRPr sz="1798">
+              <a:solidFill>
+                <a:schemeClr val="lt1"/>
+              </a:solidFill>
+              <a:latin typeface="Roboto"/>
+              <a:ea typeface="Roboto"/>
+              <a:cs typeface="Roboto"/>
+              <a:sym typeface="Roboto"/>
+            </a:endParaRPr>
+          </a:p>
+        </p:txBody>
+      </p:sp>
+      <p:sp>
+        <p:nvSpPr>
+          <p:cNvPr id="4" name="Google Shape;55;p13">
+            <a:extLst>
+              <a:ext uri="{FF2B5EF4-FFF2-40B4-BE49-F238E27FC236}">
+                <a16:creationId xmlns:a16="http://schemas.microsoft.com/office/drawing/2014/main" id="{83BD5160-1287-AF92-6E82-577EF3954113}"/>
+              </a:ext>
+            </a:extLst>
+          </p:cNvPr>
+          <p:cNvSpPr txBox="1">
+            <a:spLocks/>
+          </p:cNvSpPr>
+          <p:nvPr/>
+        </p:nvSpPr>
+        <p:spPr>
+          <a:xfrm>
+            <a:off x="177315" y="603429"/>
+            <a:ext cx="8779649" cy="442590"/>
+          </a:xfrm>
+          <a:prstGeom prst="rect">
+            <a:avLst/>
+          </a:prstGeom>
+          <a:noFill/>
+          <a:ln>
+            <a:noFill/>
+          </a:ln>
+        </p:spPr>
+        <p:txBody>
+          <a:bodyPr spcFirstLastPara="1" wrap="square" lIns="91425" tIns="91425" rIns="91425" bIns="91425" anchor="t" anchorCtr="0">
+            <a:noAutofit/>
+          </a:bodyPr>
+          <a:lstStyle>
+            <a:defPPr marR="0" lvl="0" algn="l" rtl="0">
+              <a:lnSpc>
+                <a:spcPct val="100000"/>
+              </a:lnSpc>
+              <a:spcBef>
+                <a:spcPts val="0"/>
+              </a:spcBef>
+              <a:spcAft>
+                <a:spcPts val="0"/>
+              </a:spcAft>
+            </a:defPPr>
+            <a:lvl1pPr marL="457200" marR="0" lvl="0" indent="-342900" algn="l" rtl="0">
+              <a:lnSpc>
+                <a:spcPct val="115000"/>
+              </a:lnSpc>
+              <a:spcBef>
+                <a:spcPts val="0"/>
+              </a:spcBef>
+              <a:spcAft>
+                <a:spcPts val="0"/>
+              </a:spcAft>
+              <a:buClr>
+                <a:schemeClr val="dk2"/>
+              </a:buClr>
+              <a:buSzPts val="1800"/>
+              <a:buFont typeface="Arial"/>
+              <a:buChar char="●"/>
+              <a:defRPr sz="1800" b="0" i="0" u="none" strike="noStrike" cap="none">
+                <a:solidFill>
+                  <a:schemeClr val="dk2"/>
+                </a:solidFill>
+                <a:latin typeface="Arial"/>
+                <a:ea typeface="Arial"/>
+                <a:cs typeface="Arial"/>
+                <a:sym typeface="Arial"/>
+              </a:defRPr>
+            </a:lvl1pPr>
+            <a:lvl2pPr marL="914400" marR="0" lvl="1" indent="-317500" algn="l" rtl="0">
+              <a:lnSpc>
+                <a:spcPct val="115000"/>
+              </a:lnSpc>
+              <a:spcBef>
+                <a:spcPts val="0"/>
+              </a:spcBef>
+              <a:spcAft>
+                <a:spcPts val="0"/>
+              </a:spcAft>
+              <a:buClr>
+                <a:schemeClr val="dk2"/>
+              </a:buClr>
+              <a:buSzPts val="1400"/>
+              <a:buFont typeface="Arial"/>
+              <a:buChar char="○"/>
+              <a:defRPr sz="1400" b="0" i="0" u="none" strike="noStrike" cap="none">
+                <a:solidFill>
+                  <a:schemeClr val="dk2"/>
+                </a:solidFill>
+                <a:latin typeface="Arial"/>
+                <a:ea typeface="Arial"/>
+                <a:cs typeface="Arial"/>
+                <a:sym typeface="Arial"/>
+              </a:defRPr>
+            </a:lvl2pPr>
+            <a:lvl3pPr marL="1371600" marR="0" lvl="2" indent="-317500" algn="l" rtl="0">
+              <a:lnSpc>
+                <a:spcPct val="115000"/>
+              </a:lnSpc>
+              <a:spcBef>
+                <a:spcPts val="0"/>
+              </a:spcBef>
+              <a:spcAft>
+                <a:spcPts val="0"/>
+              </a:spcAft>
+              <a:buClr>
+                <a:schemeClr val="dk2"/>
+              </a:buClr>
+              <a:buSzPts val="1400"/>
+              <a:buFont typeface="Arial"/>
+              <a:buChar char="■"/>
+              <a:defRPr sz="1400" b="0" i="0" u="none" strike="noStrike" cap="none">
+                <a:solidFill>
+                  <a:schemeClr val="dk2"/>
+                </a:solidFill>
+                <a:latin typeface="Arial"/>
+                <a:ea typeface="Arial"/>
+                <a:cs typeface="Arial"/>
+                <a:sym typeface="Arial"/>
+              </a:defRPr>
+            </a:lvl3pPr>
+            <a:lvl4pPr marL="1828800" marR="0" lvl="3" indent="-317500" algn="l" rtl="0">
+              <a:lnSpc>
+                <a:spcPct val="115000"/>
+              </a:lnSpc>
+              <a:spcBef>
+                <a:spcPts val="0"/>
+              </a:spcBef>
+              <a:spcAft>
+                <a:spcPts val="0"/>
+              </a:spcAft>
+              <a:buClr>
+                <a:schemeClr val="dk2"/>
+              </a:buClr>
+              <a:buSzPts val="1400"/>
+              <a:buFont typeface="Arial"/>
+              <a:buChar char="●"/>
+              <a:defRPr sz="1400" b="0" i="0" u="none" strike="noStrike" cap="none">
+                <a:solidFill>
+                  <a:schemeClr val="dk2"/>
+                </a:solidFill>
+                <a:latin typeface="Arial"/>
+                <a:ea typeface="Arial"/>
+                <a:cs typeface="Arial"/>
+                <a:sym typeface="Arial"/>
+              </a:defRPr>
+            </a:lvl4pPr>
+            <a:lvl5pPr marL="2286000" marR="0" lvl="4" indent="-317500" algn="l" rtl="0">
+              <a:lnSpc>
+                <a:spcPct val="115000"/>
+              </a:lnSpc>
+              <a:spcBef>
+                <a:spcPts val="0"/>
+              </a:spcBef>
+              <a:spcAft>
+                <a:spcPts val="0"/>
+              </a:spcAft>
+              <a:buClr>
+                <a:schemeClr val="dk2"/>
+              </a:buClr>
+              <a:buSzPts val="1400"/>
+              <a:buFont typeface="Arial"/>
+              <a:buChar char="○"/>
+              <a:defRPr sz="1400" b="0" i="0" u="none" strike="noStrike" cap="none">
+                <a:solidFill>
+                  <a:schemeClr val="dk2"/>
+                </a:solidFill>
+                <a:latin typeface="Arial"/>
+                <a:ea typeface="Arial"/>
+                <a:cs typeface="Arial"/>
+                <a:sym typeface="Arial"/>
+              </a:defRPr>
+            </a:lvl5pPr>
+            <a:lvl6pPr marL="2743200" marR="0" lvl="5" indent="-317500" algn="l" rtl="0">
+              <a:lnSpc>
+                <a:spcPct val="115000"/>
+              </a:lnSpc>
+              <a:spcBef>
+                <a:spcPts val="0"/>
+              </a:spcBef>
+              <a:spcAft>
+                <a:spcPts val="0"/>
+              </a:spcAft>
+              <a:buClr>
+                <a:schemeClr val="dk2"/>
+              </a:buClr>
+              <a:buSzPts val="1400"/>
+              <a:buFont typeface="Arial"/>
+              <a:buChar char="■"/>
+              <a:defRPr sz="1400" b="0" i="0" u="none" strike="noStrike" cap="none">
+                <a:solidFill>
+                  <a:schemeClr val="dk2"/>
+                </a:solidFill>
+                <a:latin typeface="Arial"/>
+                <a:ea typeface="Arial"/>
+                <a:cs typeface="Arial"/>
+                <a:sym typeface="Arial"/>
+              </a:defRPr>
+            </a:lvl6pPr>
+            <a:lvl7pPr marL="3200400" marR="0" lvl="6" indent="-317500" algn="l" rtl="0">
+              <a:lnSpc>
+                <a:spcPct val="115000"/>
+              </a:lnSpc>
+              <a:spcBef>
+                <a:spcPts val="0"/>
+              </a:spcBef>
+              <a:spcAft>
+                <a:spcPts val="0"/>
+              </a:spcAft>
+              <a:buClr>
+                <a:schemeClr val="dk2"/>
+              </a:buClr>
+              <a:buSzPts val="1400"/>
+              <a:buFont typeface="Arial"/>
+              <a:buChar char="●"/>
+              <a:defRPr sz="1400" b="0" i="0" u="none" strike="noStrike" cap="none">
+                <a:solidFill>
+                  <a:schemeClr val="dk2"/>
+                </a:solidFill>
+                <a:latin typeface="Arial"/>
+                <a:ea typeface="Arial"/>
+                <a:cs typeface="Arial"/>
+                <a:sym typeface="Arial"/>
+              </a:defRPr>
+            </a:lvl7pPr>
+            <a:lvl8pPr marL="3657600" marR="0" lvl="7" indent="-317500" algn="l" rtl="0">
+              <a:lnSpc>
+                <a:spcPct val="115000"/>
+              </a:lnSpc>
+              <a:spcBef>
+                <a:spcPts val="0"/>
+              </a:spcBef>
+              <a:spcAft>
+                <a:spcPts val="0"/>
+              </a:spcAft>
+              <a:buClr>
+                <a:schemeClr val="dk2"/>
+              </a:buClr>
+              <a:buSzPts val="1400"/>
+              <a:buFont typeface="Arial"/>
+              <a:buChar char="○"/>
+              <a:defRPr sz="1400" b="0" i="0" u="none" strike="noStrike" cap="none">
+                <a:solidFill>
+                  <a:schemeClr val="dk2"/>
+                </a:solidFill>
+                <a:latin typeface="Arial"/>
+                <a:ea typeface="Arial"/>
+                <a:cs typeface="Arial"/>
+                <a:sym typeface="Arial"/>
+              </a:defRPr>
+            </a:lvl8pPr>
+            <a:lvl9pPr marL="4114800" marR="0" lvl="8" indent="-317500" algn="l" rtl="0">
+              <a:lnSpc>
+                <a:spcPct val="115000"/>
+              </a:lnSpc>
+              <a:spcBef>
+                <a:spcPts val="0"/>
+              </a:spcBef>
+              <a:spcAft>
+                <a:spcPts val="0"/>
+              </a:spcAft>
+              <a:buClr>
+                <a:schemeClr val="dk2"/>
+              </a:buClr>
+              <a:buSzPts val="1400"/>
+              <a:buFont typeface="Arial"/>
+              <a:buChar char="■"/>
+              <a:defRPr sz="1400" b="0" i="0" u="none" strike="noStrike" cap="none">
+                <a:solidFill>
+                  <a:schemeClr val="dk2"/>
+                </a:solidFill>
+                <a:latin typeface="Arial"/>
+                <a:ea typeface="Arial"/>
+                <a:cs typeface="Arial"/>
+                <a:sym typeface="Arial"/>
+              </a:defRPr>
+            </a:lvl9pPr>
+          </a:lstStyle>
+          <a:p>
+            <a:pPr marL="114300" indent="0">
+              <a:buNone/>
+            </a:pPr>
+            <a:r>
+              <a:rPr lang="en-US" sz="1400" b="1" dirty="0">
+                <a:solidFill>
+                  <a:schemeClr val="dk1"/>
+                </a:solidFill>
+                <a:latin typeface="Dosis" pitchFamily="2" charset="0"/>
+              </a:rPr>
+              <a:t>Selected Model – Confusion Matrix </a:t>
+            </a:r>
+            <a:endParaRPr lang="en-US" sz="1300" b="0" dirty="0">
+              <a:solidFill>
+                <a:schemeClr val="tx1"/>
+              </a:solidFill>
+              <a:effectLst/>
+              <a:latin typeface="Dosis" pitchFamily="2" charset="0"/>
+            </a:endParaRPr>
+          </a:p>
+          <a:p>
+            <a:pPr marL="114300" indent="0">
+              <a:buNone/>
+            </a:pPr>
+            <a:endParaRPr lang="en-US" sz="1300" b="0" dirty="0">
+              <a:solidFill>
+                <a:schemeClr val="tx1"/>
+              </a:solidFill>
+              <a:effectLst/>
+              <a:latin typeface="Dosis" pitchFamily="2" charset="0"/>
+            </a:endParaRPr>
+          </a:p>
+        </p:txBody>
+      </p:sp>
+      <p:pic>
+        <p:nvPicPr>
+          <p:cNvPr id="6" name="Picture 5">
+            <a:extLst>
+              <a:ext uri="{FF2B5EF4-FFF2-40B4-BE49-F238E27FC236}">
+                <a16:creationId xmlns:a16="http://schemas.microsoft.com/office/drawing/2014/main" id="{D27A8B43-41F5-9047-4B89-84579A7C7374}"/>
+              </a:ext>
+            </a:extLst>
+          </p:cNvPr>
+          <p:cNvPicPr>
+            <a:picLocks noChangeAspect="1"/>
+          </p:cNvPicPr>
+          <p:nvPr/>
+        </p:nvPicPr>
+        <p:blipFill>
+          <a:blip r:embed="rId3"/>
+          <a:stretch>
+            <a:fillRect/>
+          </a:stretch>
+        </p:blipFill>
+        <p:spPr>
+          <a:xfrm>
+            <a:off x="1715093" y="1154824"/>
+            <a:ext cx="4750513" cy="2498825"/>
+          </a:xfrm>
+          <a:prstGeom prst="rect">
+            <a:avLst/>
+          </a:prstGeom>
+        </p:spPr>
+      </p:pic>
+      <p:sp>
+        <p:nvSpPr>
+          <p:cNvPr id="9" name="TextBox 8">
+            <a:extLst>
+              <a:ext uri="{FF2B5EF4-FFF2-40B4-BE49-F238E27FC236}">
+                <a16:creationId xmlns:a16="http://schemas.microsoft.com/office/drawing/2014/main" id="{0CD323CF-D0EE-4EA0-5C79-DB937440A79A}"/>
+              </a:ext>
+            </a:extLst>
+          </p:cNvPr>
+          <p:cNvSpPr txBox="1"/>
+          <p:nvPr/>
+        </p:nvSpPr>
+        <p:spPr>
+          <a:xfrm>
+            <a:off x="292541" y="3862495"/>
+            <a:ext cx="8560514" cy="1169551"/>
+          </a:xfrm>
+          <a:prstGeom prst="rect">
+            <a:avLst/>
+          </a:prstGeom>
+          <a:noFill/>
+        </p:spPr>
+        <p:txBody>
+          <a:bodyPr wrap="square" rtlCol="0">
+            <a:spAutoFit/>
+          </a:bodyPr>
+          <a:lstStyle/>
+          <a:p>
+            <a:pPr marL="285750" indent="-285750">
+              <a:buFont typeface="Arial" panose="020B0604020202020204" pitchFamily="34" charset="0"/>
+              <a:buChar char="•"/>
+            </a:pPr>
+            <a:r>
+              <a:rPr lang="en-US" dirty="0">
+                <a:latin typeface="Dosis" pitchFamily="2" charset="0"/>
+              </a:rPr>
+              <a:t>From the test set confusion matrix above, from 144 people that clicked on an ad the algorithm correctly classified 140 of them and incorrectly classified 4 of them.</a:t>
+            </a:r>
+          </a:p>
+          <a:p>
+            <a:pPr marL="285750" indent="-285750">
+              <a:buFont typeface="Arial" panose="020B0604020202020204" pitchFamily="34" charset="0"/>
+              <a:buChar char="•"/>
+            </a:pPr>
+            <a:endParaRPr lang="en-US" dirty="0">
+              <a:latin typeface="Dosis" pitchFamily="2" charset="0"/>
+            </a:endParaRPr>
+          </a:p>
+          <a:p>
+            <a:pPr marL="285750" indent="-285750">
+              <a:buFont typeface="Arial" panose="020B0604020202020204" pitchFamily="34" charset="0"/>
+              <a:buChar char="•"/>
+            </a:pPr>
+            <a:r>
+              <a:rPr lang="en-US" dirty="0">
+                <a:latin typeface="Dosis" pitchFamily="2" charset="0"/>
+              </a:rPr>
+              <a:t>Similarly, out of 154 people that did not click on an ad the algorithm correctly classified 150 of them and only incorrectly classified only 4.</a:t>
+            </a:r>
+            <a:endParaRPr lang="en-ID" dirty="0">
+              <a:latin typeface="Dosis" pitchFamily="2" charset="0"/>
+            </a:endParaRPr>
+          </a:p>
+        </p:txBody>
+      </p:sp>
+    </p:spTree>
+    <p:extLst>
+      <p:ext uri="{BB962C8B-B14F-4D97-AF65-F5344CB8AC3E}">
+        <p14:creationId xmlns:p14="http://schemas.microsoft.com/office/powerpoint/2010/main" val="1702986999"/>
+      </p:ext>
+    </p:extLst>
+  </p:cSld>
+  <p:clrMapOvr>
+    <a:masterClrMapping/>
+  </p:clrMapOvr>
+</p:sld>
+</file>
+
+<file path=ppt/slides/slide6.xml><?xml version="1.0" encoding="utf-8"?>
+<p:sld xmlns:a="http://schemas.openxmlformats.org/drawingml/2006/main" xmlns:r="http://schemas.openxmlformats.org/officeDocument/2006/relationships" xmlns:p="http://schemas.openxmlformats.org/presentationml/2006/main">
+  <p:cSld>
+    <p:spTree>
+      <p:nvGrpSpPr>
+        <p:cNvPr id="1" name="Shape 53"/>
+        <p:cNvGrpSpPr/>
+        <p:nvPr/>
+      </p:nvGrpSpPr>
+      <p:grpSpPr>
+        <a:xfrm>
+          <a:off x="0" y="0"/>
+          <a:ext cx="0" cy="0"/>
+          <a:chOff x="0" y="0"/>
+          <a:chExt cx="0" cy="0"/>
+        </a:xfrm>
+      </p:grpSpPr>
+      <p:sp>
+        <p:nvSpPr>
+          <p:cNvPr id="54" name="Google Shape;54;p13"/>
+          <p:cNvSpPr txBox="1">
+            <a:spLocks noGrp="1"/>
+          </p:cNvSpPr>
+          <p:nvPr>
+            <p:ph type="title"/>
+          </p:nvPr>
+        </p:nvSpPr>
+        <p:spPr>
+          <a:xfrm>
+            <a:off x="0" y="37175"/>
+            <a:ext cx="8180700" cy="523200"/>
+          </a:xfrm>
+          <a:prstGeom prst="rect">
+            <a:avLst/>
+          </a:prstGeom>
+        </p:spPr>
+        <p:txBody>
+          <a:bodyPr spcFirstLastPara="1" wrap="square" lIns="91425" tIns="91425" rIns="91425" bIns="91425" anchor="t" anchorCtr="0">
+            <a:noAutofit/>
+          </a:bodyPr>
+          <a:lstStyle/>
+          <a:p>
+            <a:pPr marL="0" lvl="0" indent="0" algn="ctr" rtl="0">
+              <a:spcBef>
+                <a:spcPts val="0"/>
+              </a:spcBef>
+              <a:spcAft>
+                <a:spcPts val="0"/>
+              </a:spcAft>
+              <a:buSzPts val="990"/>
+              <a:buNone/>
+            </a:pPr>
+            <a:r>
+              <a:rPr lang="en" sz="1798" b="1">
+                <a:latin typeface="Roboto"/>
+                <a:ea typeface="Roboto"/>
+                <a:cs typeface="Roboto"/>
+                <a:sym typeface="Roboto"/>
+              </a:rPr>
+              <a:t>Data Modeling</a:t>
+            </a:r>
+            <a:endParaRPr sz="1798">
+              <a:solidFill>
+                <a:schemeClr val="lt1"/>
+              </a:solidFill>
+              <a:latin typeface="Roboto"/>
+              <a:ea typeface="Roboto"/>
+              <a:cs typeface="Roboto"/>
+              <a:sym typeface="Roboto"/>
+            </a:endParaRPr>
+          </a:p>
+        </p:txBody>
+      </p:sp>
+      <p:sp>
+        <p:nvSpPr>
+          <p:cNvPr id="4" name="Google Shape;55;p13">
+            <a:extLst>
+              <a:ext uri="{FF2B5EF4-FFF2-40B4-BE49-F238E27FC236}">
+                <a16:creationId xmlns:a16="http://schemas.microsoft.com/office/drawing/2014/main" id="{83BD5160-1287-AF92-6E82-577EF3954113}"/>
+              </a:ext>
+            </a:extLst>
+          </p:cNvPr>
+          <p:cNvSpPr txBox="1">
+            <a:spLocks/>
+          </p:cNvSpPr>
+          <p:nvPr/>
+        </p:nvSpPr>
+        <p:spPr>
+          <a:xfrm>
+            <a:off x="177315" y="603429"/>
+            <a:ext cx="8779649" cy="442590"/>
+          </a:xfrm>
+          <a:prstGeom prst="rect">
+            <a:avLst/>
+          </a:prstGeom>
+          <a:noFill/>
+          <a:ln>
+            <a:noFill/>
+          </a:ln>
+        </p:spPr>
+        <p:txBody>
+          <a:bodyPr spcFirstLastPara="1" wrap="square" lIns="91425" tIns="91425" rIns="91425" bIns="91425" anchor="t" anchorCtr="0">
+            <a:noAutofit/>
+          </a:bodyPr>
+          <a:lstStyle>
+            <a:defPPr marR="0" lvl="0" algn="l" rtl="0">
+              <a:lnSpc>
+                <a:spcPct val="100000"/>
+              </a:lnSpc>
+              <a:spcBef>
+                <a:spcPts val="0"/>
+              </a:spcBef>
+              <a:spcAft>
+                <a:spcPts val="0"/>
+              </a:spcAft>
+            </a:defPPr>
+            <a:lvl1pPr marL="457200" marR="0" lvl="0" indent="-342900" algn="l" rtl="0">
+              <a:lnSpc>
+                <a:spcPct val="115000"/>
+              </a:lnSpc>
+              <a:spcBef>
+                <a:spcPts val="0"/>
+              </a:spcBef>
+              <a:spcAft>
+                <a:spcPts val="0"/>
+              </a:spcAft>
+              <a:buClr>
+                <a:schemeClr val="dk2"/>
+              </a:buClr>
+              <a:buSzPts val="1800"/>
+              <a:buFont typeface="Arial"/>
+              <a:buChar char="●"/>
+              <a:defRPr sz="1800" b="0" i="0" u="none" strike="noStrike" cap="none">
+                <a:solidFill>
+                  <a:schemeClr val="dk2"/>
+                </a:solidFill>
+                <a:latin typeface="Arial"/>
+                <a:ea typeface="Arial"/>
+                <a:cs typeface="Arial"/>
+                <a:sym typeface="Arial"/>
+              </a:defRPr>
+            </a:lvl1pPr>
+            <a:lvl2pPr marL="914400" marR="0" lvl="1" indent="-317500" algn="l" rtl="0">
+              <a:lnSpc>
+                <a:spcPct val="115000"/>
+              </a:lnSpc>
+              <a:spcBef>
+                <a:spcPts val="0"/>
+              </a:spcBef>
+              <a:spcAft>
+                <a:spcPts val="0"/>
+              </a:spcAft>
+              <a:buClr>
+                <a:schemeClr val="dk2"/>
+              </a:buClr>
+              <a:buSzPts val="1400"/>
+              <a:buFont typeface="Arial"/>
+              <a:buChar char="○"/>
+              <a:defRPr sz="1400" b="0" i="0" u="none" strike="noStrike" cap="none">
+                <a:solidFill>
+                  <a:schemeClr val="dk2"/>
+                </a:solidFill>
+                <a:latin typeface="Arial"/>
+                <a:ea typeface="Arial"/>
+                <a:cs typeface="Arial"/>
+                <a:sym typeface="Arial"/>
+              </a:defRPr>
+            </a:lvl2pPr>
+            <a:lvl3pPr marL="1371600" marR="0" lvl="2" indent="-317500" algn="l" rtl="0">
+              <a:lnSpc>
+                <a:spcPct val="115000"/>
+              </a:lnSpc>
+              <a:spcBef>
+                <a:spcPts val="0"/>
+              </a:spcBef>
+              <a:spcAft>
+                <a:spcPts val="0"/>
+              </a:spcAft>
+              <a:buClr>
+                <a:schemeClr val="dk2"/>
+              </a:buClr>
+              <a:buSzPts val="1400"/>
+              <a:buFont typeface="Arial"/>
+              <a:buChar char="■"/>
+              <a:defRPr sz="1400" b="0" i="0" u="none" strike="noStrike" cap="none">
+                <a:solidFill>
+                  <a:schemeClr val="dk2"/>
+                </a:solidFill>
+                <a:latin typeface="Arial"/>
+                <a:ea typeface="Arial"/>
+                <a:cs typeface="Arial"/>
+                <a:sym typeface="Arial"/>
+              </a:defRPr>
+            </a:lvl3pPr>
+            <a:lvl4pPr marL="1828800" marR="0" lvl="3" indent="-317500" algn="l" rtl="0">
+              <a:lnSpc>
+                <a:spcPct val="115000"/>
+              </a:lnSpc>
+              <a:spcBef>
+                <a:spcPts val="0"/>
+              </a:spcBef>
+              <a:spcAft>
+                <a:spcPts val="0"/>
+              </a:spcAft>
+              <a:buClr>
+                <a:schemeClr val="dk2"/>
+              </a:buClr>
+              <a:buSzPts val="1400"/>
+              <a:buFont typeface="Arial"/>
+              <a:buChar char="●"/>
+              <a:defRPr sz="1400" b="0" i="0" u="none" strike="noStrike" cap="none">
+                <a:solidFill>
+                  <a:schemeClr val="dk2"/>
+                </a:solidFill>
+                <a:latin typeface="Arial"/>
+                <a:ea typeface="Arial"/>
+                <a:cs typeface="Arial"/>
+                <a:sym typeface="Arial"/>
+              </a:defRPr>
+            </a:lvl4pPr>
+            <a:lvl5pPr marL="2286000" marR="0" lvl="4" indent="-317500" algn="l" rtl="0">
+              <a:lnSpc>
+                <a:spcPct val="115000"/>
+              </a:lnSpc>
+              <a:spcBef>
+                <a:spcPts val="0"/>
+              </a:spcBef>
+              <a:spcAft>
+                <a:spcPts val="0"/>
+              </a:spcAft>
+              <a:buClr>
+                <a:schemeClr val="dk2"/>
+              </a:buClr>
+              <a:buSzPts val="1400"/>
+              <a:buFont typeface="Arial"/>
+              <a:buChar char="○"/>
+              <a:defRPr sz="1400" b="0" i="0" u="none" strike="noStrike" cap="none">
+                <a:solidFill>
+                  <a:schemeClr val="dk2"/>
+                </a:solidFill>
+                <a:latin typeface="Arial"/>
+                <a:ea typeface="Arial"/>
+                <a:cs typeface="Arial"/>
+                <a:sym typeface="Arial"/>
+              </a:defRPr>
+            </a:lvl5pPr>
+            <a:lvl6pPr marL="2743200" marR="0" lvl="5" indent="-317500" algn="l" rtl="0">
+              <a:lnSpc>
+                <a:spcPct val="115000"/>
+              </a:lnSpc>
+              <a:spcBef>
+                <a:spcPts val="0"/>
+              </a:spcBef>
+              <a:spcAft>
+                <a:spcPts val="0"/>
+              </a:spcAft>
+              <a:buClr>
+                <a:schemeClr val="dk2"/>
+              </a:buClr>
+              <a:buSzPts val="1400"/>
+              <a:buFont typeface="Arial"/>
+              <a:buChar char="■"/>
+              <a:defRPr sz="1400" b="0" i="0" u="none" strike="noStrike" cap="none">
+                <a:solidFill>
+                  <a:schemeClr val="dk2"/>
+                </a:solidFill>
+                <a:latin typeface="Arial"/>
+                <a:ea typeface="Arial"/>
+                <a:cs typeface="Arial"/>
+                <a:sym typeface="Arial"/>
+              </a:defRPr>
+            </a:lvl6pPr>
+            <a:lvl7pPr marL="3200400" marR="0" lvl="6" indent="-317500" algn="l" rtl="0">
+              <a:lnSpc>
+                <a:spcPct val="115000"/>
+              </a:lnSpc>
+              <a:spcBef>
+                <a:spcPts val="0"/>
+              </a:spcBef>
+              <a:spcAft>
+                <a:spcPts val="0"/>
+              </a:spcAft>
+              <a:buClr>
+                <a:schemeClr val="dk2"/>
+              </a:buClr>
+              <a:buSzPts val="1400"/>
+              <a:buFont typeface="Arial"/>
+              <a:buChar char="●"/>
+              <a:defRPr sz="1400" b="0" i="0" u="none" strike="noStrike" cap="none">
+                <a:solidFill>
+                  <a:schemeClr val="dk2"/>
+                </a:solidFill>
+                <a:latin typeface="Arial"/>
+                <a:ea typeface="Arial"/>
+                <a:cs typeface="Arial"/>
+                <a:sym typeface="Arial"/>
+              </a:defRPr>
+            </a:lvl7pPr>
+            <a:lvl8pPr marL="3657600" marR="0" lvl="7" indent="-317500" algn="l" rtl="0">
+              <a:lnSpc>
+                <a:spcPct val="115000"/>
+              </a:lnSpc>
+              <a:spcBef>
+                <a:spcPts val="0"/>
+              </a:spcBef>
+              <a:spcAft>
+                <a:spcPts val="0"/>
+              </a:spcAft>
+              <a:buClr>
+                <a:schemeClr val="dk2"/>
+              </a:buClr>
+              <a:buSzPts val="1400"/>
+              <a:buFont typeface="Arial"/>
+              <a:buChar char="○"/>
+              <a:defRPr sz="1400" b="0" i="0" u="none" strike="noStrike" cap="none">
+                <a:solidFill>
+                  <a:schemeClr val="dk2"/>
+                </a:solidFill>
+                <a:latin typeface="Arial"/>
+                <a:ea typeface="Arial"/>
+                <a:cs typeface="Arial"/>
+                <a:sym typeface="Arial"/>
+              </a:defRPr>
+            </a:lvl8pPr>
+            <a:lvl9pPr marL="4114800" marR="0" lvl="8" indent="-317500" algn="l" rtl="0">
+              <a:lnSpc>
+                <a:spcPct val="115000"/>
+              </a:lnSpc>
+              <a:spcBef>
+                <a:spcPts val="0"/>
+              </a:spcBef>
+              <a:spcAft>
+                <a:spcPts val="0"/>
+              </a:spcAft>
+              <a:buClr>
+                <a:schemeClr val="dk2"/>
+              </a:buClr>
+              <a:buSzPts val="1400"/>
+              <a:buFont typeface="Arial"/>
+              <a:buChar char="■"/>
+              <a:defRPr sz="1400" b="0" i="0" u="none" strike="noStrike" cap="none">
+                <a:solidFill>
+                  <a:schemeClr val="dk2"/>
+                </a:solidFill>
+                <a:latin typeface="Arial"/>
+                <a:ea typeface="Arial"/>
+                <a:cs typeface="Arial"/>
+                <a:sym typeface="Arial"/>
+              </a:defRPr>
+            </a:lvl9pPr>
+          </a:lstStyle>
+          <a:p>
+            <a:pPr marL="114300" indent="0">
+              <a:buNone/>
+            </a:pPr>
+            <a:r>
+              <a:rPr lang="en-US" sz="1400" b="1" dirty="0">
+                <a:solidFill>
+                  <a:schemeClr val="dk1"/>
+                </a:solidFill>
+                <a:latin typeface="Dosis" pitchFamily="2" charset="0"/>
+              </a:rPr>
+              <a:t>Selected Model – Feature Importance Score (Top 4)</a:t>
+            </a:r>
+            <a:endParaRPr lang="en-US" sz="1300" dirty="0">
+              <a:solidFill>
+                <a:schemeClr val="tx1"/>
+              </a:solidFill>
+              <a:latin typeface="Dosis" pitchFamily="2" charset="0"/>
+            </a:endParaRPr>
+          </a:p>
+          <a:p>
+            <a:pPr marL="114300" indent="0">
+              <a:buNone/>
+            </a:pPr>
+            <a:endParaRPr lang="en-US" sz="1300" b="0" dirty="0">
+              <a:solidFill>
+                <a:schemeClr val="tx1"/>
+              </a:solidFill>
+              <a:effectLst/>
+              <a:latin typeface="Dosis" pitchFamily="2" charset="0"/>
+            </a:endParaRPr>
+          </a:p>
+          <a:p>
+            <a:pPr marL="114300" indent="0">
+              <a:buNone/>
+            </a:pPr>
+            <a:endParaRPr lang="en-US" sz="1300" b="0" dirty="0">
+              <a:solidFill>
+                <a:schemeClr val="tx1"/>
+              </a:solidFill>
+              <a:effectLst/>
+              <a:latin typeface="Dosis" pitchFamily="2" charset="0"/>
+            </a:endParaRPr>
+          </a:p>
+        </p:txBody>
+      </p:sp>
+      <p:sp>
+        <p:nvSpPr>
+          <p:cNvPr id="2" name="TextBox 1">
+            <a:extLst>
+              <a:ext uri="{FF2B5EF4-FFF2-40B4-BE49-F238E27FC236}">
+                <a16:creationId xmlns:a16="http://schemas.microsoft.com/office/drawing/2014/main" id="{C586512F-36F4-33DE-1DAF-86A9B497F9F1}"/>
+              </a:ext>
+            </a:extLst>
+          </p:cNvPr>
+          <p:cNvSpPr txBox="1"/>
+          <p:nvPr/>
+        </p:nvSpPr>
+        <p:spPr>
+          <a:xfrm>
+            <a:off x="4939146" y="1246910"/>
+            <a:ext cx="3650344" cy="2893100"/>
+          </a:xfrm>
+          <a:prstGeom prst="rect">
+            <a:avLst/>
+          </a:prstGeom>
+          <a:noFill/>
+        </p:spPr>
+        <p:txBody>
+          <a:bodyPr wrap="square" rtlCol="0">
+            <a:spAutoFit/>
+          </a:bodyPr>
+          <a:lstStyle/>
+          <a:p>
+            <a:pPr marL="285750" indent="-285750">
+              <a:buFont typeface="Arial" panose="020B0604020202020204" pitchFamily="34" charset="0"/>
+              <a:buChar char="•"/>
+            </a:pPr>
+            <a:r>
+              <a:rPr lang="en-US" dirty="0">
+                <a:latin typeface="Dosis" pitchFamily="2" charset="0"/>
+              </a:rPr>
+              <a:t>Feature importance of logistic regression model can simply be analyzed from its coefficient. The coefficients represent the change in the log odds for a one-unit change in the feature variable.</a:t>
+            </a:r>
+          </a:p>
+          <a:p>
+            <a:endParaRPr lang="en-US" dirty="0">
+              <a:latin typeface="Dosis" pitchFamily="2" charset="0"/>
+            </a:endParaRPr>
+          </a:p>
+          <a:p>
+            <a:pPr marL="285750" indent="-285750">
+              <a:buFont typeface="Arial" panose="020B0604020202020204" pitchFamily="34" charset="0"/>
+              <a:buChar char="•"/>
+            </a:pPr>
+            <a:r>
+              <a:rPr lang="en-US" dirty="0">
+                <a:latin typeface="Dosis" pitchFamily="2" charset="0"/>
+              </a:rPr>
+              <a:t>The lower the Daily Internet Usage, Daily Time Spent on Site, and Area Income, the higher the chances that the customer will click on an ad and vice versa.</a:t>
+            </a:r>
+          </a:p>
+          <a:p>
+            <a:pPr marL="285750" indent="-285750">
+              <a:buFont typeface="Arial" panose="020B0604020202020204" pitchFamily="34" charset="0"/>
+              <a:buChar char="•"/>
+            </a:pPr>
+            <a:endParaRPr lang="en-US" dirty="0">
+              <a:latin typeface="Dosis" pitchFamily="2" charset="0"/>
+            </a:endParaRPr>
+          </a:p>
+          <a:p>
+            <a:pPr marL="285750" indent="-285750">
+              <a:buFont typeface="Arial" panose="020B0604020202020204" pitchFamily="34" charset="0"/>
+              <a:buChar char="•"/>
+            </a:pPr>
+            <a:r>
+              <a:rPr lang="en-US" dirty="0">
+                <a:latin typeface="Dosis" pitchFamily="2" charset="0"/>
+              </a:rPr>
+              <a:t>The higher the Age, the bigger the odds that the customer will click on an ad and vice versa.</a:t>
+            </a:r>
+            <a:endParaRPr lang="en-ID" dirty="0">
+              <a:latin typeface="Dosis" pitchFamily="2" charset="0"/>
+            </a:endParaRPr>
+          </a:p>
+        </p:txBody>
+      </p:sp>
+      <p:pic>
+        <p:nvPicPr>
+          <p:cNvPr id="5" name="Picture 4">
+            <a:extLst>
+              <a:ext uri="{FF2B5EF4-FFF2-40B4-BE49-F238E27FC236}">
+                <a16:creationId xmlns:a16="http://schemas.microsoft.com/office/drawing/2014/main" id="{59EDB06D-0CF3-D378-7815-F17D461D3CCB}"/>
+              </a:ext>
+            </a:extLst>
+          </p:cNvPr>
+          <p:cNvPicPr>
+            <a:picLocks noChangeAspect="1"/>
+          </p:cNvPicPr>
+          <p:nvPr/>
+        </p:nvPicPr>
+        <p:blipFill>
+          <a:blip r:embed="rId3"/>
+          <a:stretch>
+            <a:fillRect/>
+          </a:stretch>
+        </p:blipFill>
+        <p:spPr>
+          <a:xfrm>
+            <a:off x="388295" y="1246910"/>
+            <a:ext cx="4178844" cy="2944090"/>
+          </a:xfrm>
+          <a:prstGeom prst="rect">
+            <a:avLst/>
+          </a:prstGeom>
+        </p:spPr>
+      </p:pic>
+    </p:spTree>
+    <p:extLst>
+      <p:ext uri="{BB962C8B-B14F-4D97-AF65-F5344CB8AC3E}">
+        <p14:creationId xmlns:p14="http://schemas.microsoft.com/office/powerpoint/2010/main" val="2750422357"/>
+      </p:ext>
+    </p:extLst>
+  </p:cSld>
+  <p:clrMapOvr>
+    <a:masterClrMapping/>
+  </p:clrMapOvr>
+</p:sld>
+</file>
+
 <file path=ppt/theme/theme1.xml><?xml version="1.0" encoding="utf-8"?>
-<a:theme xmlns:a="http://schemas.openxmlformats.org/drawingml/2006/main" xmlns:r="http://schemas.openxmlformats.org/officeDocument/2006/relationships">
+<a:theme xmlns:a="http://schemas.openxmlformats.org/drawingml/2006/main" name="Simple Light">
+  <a:themeElements>
+    <a:clrScheme name="Simple Light">
+      <a:dk1>
+        <a:srgbClr val="000000"/>
+      </a:dk1>
+      <a:lt1>
+        <a:srgbClr val="FFFFFF"/>
+      </a:lt1>
+      <a:dk2>
+        <a:srgbClr val="595959"/>
+      </a:dk2>
+      <a:lt2>
+        <a:srgbClr val="EEEEEE"/>
+      </a:lt2>
+      <a:accent1>
+        <a:srgbClr val="4285F4"/>
+      </a:accent1>
+      <a:accent2>
+        <a:srgbClr val="212121"/>
+      </a:accent2>
+      <a:accent3>
+        <a:srgbClr val="78909C"/>
+      </a:accent3>
+      <a:accent4>
+        <a:srgbClr val="FFAB40"/>
+      </a:accent4>
+      <a:accent5>
+        <a:srgbClr val="0097A7"/>
+      </a:accent5>
+      <a:accent6>
+        <a:srgbClr val="EEFF41"/>
+      </a:accent6>
+      <a:hlink>
+        <a:srgbClr val="0097A7"/>
+      </a:hlink>
+      <a:folHlink>
+        <a:srgbClr val="0097A7"/>
+      </a:folHlink>
+    </a:clrScheme>
+    <a:fontScheme name="Office">
+      <a:majorFont>
+        <a:latin typeface="Arial"/>
+        <a:ea typeface=""/>
+        <a:cs typeface=""/>
+        <a:font script="Jpan" typeface="ＭＳ Ｐゴシック"/>
+        <a:font script="Hang" typeface="맑은 고딕"/>
+        <a:font script="Hans" typeface="宋体"/>
+        <a:font script="Hant" typeface="新細明體"/>
+        <a:font script="Arab" typeface="Times New Roman"/>
+        <a:font script="Hebr" typeface="Times New Roman"/>
+        <a:font script="Thai" typeface="Angsana New"/>
+        <a:font script="Ethi" typeface="Nyala"/>
+        <a:font script="Beng" typeface="Vrinda"/>
+        <a:font script="Gujr" typeface="Shruti"/>
+        <a:font script="Khmr" typeface="MoolBoran"/>
+        <a:font script="Knda" typeface="Tunga"/>
+        <a:font script="Guru" typeface="Raavi"/>
+        <a:font script="Cans" typeface="Euphemia"/>
+        <a:font script="Cher" typeface="Plantagenet Cherokee"/>
+        <a:font script="Yiii" typeface="Microsoft Yi Baiti"/>
+        <a:font script="Tibt" typeface="Microsoft Himalaya"/>
+        <a:font script="Thaa" typeface="MV Boli"/>
+        <a:font script="Deva" typeface="Mangal"/>
+        <a:font script="Telu" typeface="Gautami"/>
+        <a:font script="Taml" typeface="Latha"/>
+        <a:font script="Syrc" typeface="Estrangelo Edessa"/>
+        <a:font script="Orya" typeface="Kalinga"/>
+        <a:font script="Mlym" typeface="Kartika"/>
+        <a:font script="Laoo" typeface="DokChampa"/>
+        <a:font script="Sinh" typeface="Iskoola Pota"/>
+        <a:font script="Mong" typeface="Mongolian Baiti"/>
+        <a:font script="Viet" typeface="Times New Roman"/>
+        <a:font script="Uigh" typeface="Microsoft Uighur"/>
+        <a:font script="Geor" typeface="Sylfaen"/>
+      </a:majorFont>
+      <a:minorFont>
+        <a:latin typeface="Arial"/>
+        <a:ea typeface=""/>
+        <a:cs typeface=""/>
+        <a:font script="Jpan" typeface="ＭＳ Ｐゴシック"/>
+        <a:font script="Hang" typeface="맑은 고딕"/>
+        <a:font script="Hans" typeface="宋体"/>
+        <a:font script="Hant" typeface="新細明體"/>
+        <a:font script="Arab" typeface="Arial"/>
+        <a:font script="Hebr" typeface="Arial"/>
+        <a:font script="Thai" typeface="Cordia New"/>
+        <a:font script="Ethi" typeface="Nyala"/>
+        <a:font script="Beng" typeface="Vrinda"/>
+        <a:font script="Gujr" typeface="Shruti"/>
+        <a:font script="Khmr" typeface="DaunPenh"/>
+        <a:font script="Knda" typeface="Tunga"/>
+        <a:font script="Guru" typeface="Raavi"/>
+        <a:font script="Cans" typeface="Euphemia"/>
+        <a:font script="Cher" typeface="Plantagenet Cherokee"/>
+        <a:font script="Yiii" typeface="Microsoft Yi Baiti"/>
+        <a:font script="Tibt" typeface="Microsoft Himalaya"/>
+        <a:font script="Thaa" typeface="MV Boli"/>
+        <a:font script="Deva" typeface="Mangal"/>
+        <a:font script="Telu" typeface="Gautami"/>
+        <a:font script="Taml" typeface="Latha"/>
+        <a:font script="Syrc" typeface="Estrangelo Edessa"/>
+        <a:font script="Orya" typeface="Kalinga"/>
+        <a:font script="Mlym" typeface="Kartika"/>
+        <a:font script="Laoo" typeface="DokChampa"/>
+        <a:font script="Sinh" typeface="Iskoola Pota"/>
+        <a:font script="Mong" typeface="Mongolian Baiti"/>
+        <a:font script="Viet" typeface="Arial"/>
+        <a:font script="Uigh" typeface="Microsoft Uighur"/>
+        <a:font script="Geor" typeface="Sylfaen"/>
+      </a:minorFont>
+    </a:fontScheme>
+    <a:fmtScheme name="Office">
+      <a:fillStyleLst>
+        <a:solidFill>
+          <a:schemeClr val="phClr"/>
+        </a:solidFill>
+        <a:gradFill rotWithShape="1">
+          <a:gsLst>
+            <a:gs pos="0">
+              <a:schemeClr val="phClr">
+                <a:tint val="50000"/>
+                <a:satMod val="300000"/>
+              </a:schemeClr>
+            </a:gs>
+            <a:gs pos="35000">
+              <a:schemeClr val="phClr">
+                <a:tint val="37000"/>
+                <a:satMod val="300000"/>
+              </a:schemeClr>
+            </a:gs>
+            <a:gs pos="100000">
+              <a:schemeClr val="phClr">
+                <a:tint val="15000"/>
+                <a:satMod val="350000"/>
+              </a:schemeClr>
+            </a:gs>
+          </a:gsLst>
+          <a:lin ang="16200000" scaled="1"/>
+        </a:gradFill>
+        <a:gradFill rotWithShape="1">
+          <a:gsLst>
+            <a:gs pos="0">
+              <a:schemeClr val="phClr">
+                <a:tint val="100000"/>
+                <a:shade val="100000"/>
+                <a:satMod val="130000"/>
+              </a:schemeClr>
+            </a:gs>
+            <a:gs pos="100000">
+              <a:schemeClr val="phClr">
+                <a:tint val="50000"/>
+                <a:shade val="100000"/>
+                <a:satMod val="350000"/>
+              </a:schemeClr>
+            </a:gs>
+          </a:gsLst>
+          <a:lin ang="16200000" scaled="0"/>
+        </a:gradFill>
+      </a:fillStyleLst>
+      <a:lnStyleLst>
+        <a:ln w="9525" cap="flat" cmpd="sng" algn="ctr">
+          <a:solidFill>
+            <a:schemeClr val="phClr">
+              <a:shade val="95000"/>
+              <a:satMod val="105000"/>
+            </a:schemeClr>
+          </a:solidFill>
+          <a:prstDash val="solid"/>
+        </a:ln>
+        <a:ln w="25400" cap="flat" cmpd="sng" algn="ctr">
+          <a:solidFill>
+            <a:schemeClr val="phClr"/>
+          </a:solidFill>
+          <a:prstDash val="solid"/>
+        </a:ln>
+        <a:ln w="38100" cap="flat" cmpd="sng" algn="ctr">
+          <a:solidFill>
+            <a:schemeClr val="phClr"/>
+          </a:solidFill>
+          <a:prstDash val="solid"/>
+        </a:ln>
+      </a:lnStyleLst>
+      <a:effectStyleLst>
+        <a:effectStyle>
+          <a:effectLst>
+            <a:outerShdw blurRad="40000" dist="20000" dir="5400000" rotWithShape="0">
+              <a:srgbClr val="000000">
+                <a:alpha val="38000"/>
+              </a:srgbClr>
+            </a:outerShdw>
+          </a:effectLst>
+        </a:effectStyle>
+        <a:effectStyle>
+          <a:effectLst>
+            <a:outerShdw blurRad="40000" dist="23000" dir="5400000" rotWithShape="0">
+              <a:srgbClr val="000000">
+                <a:alpha val="35000"/>
+              </a:srgbClr>
+            </a:outerShdw>
+          </a:effectLst>
+        </a:effectStyle>
+        <a:effectStyle>
+          <a:effectLst>
+            <a:outerShdw blurRad="40000" dist="23000" dir="5400000" rotWithShape="0">
+              <a:srgbClr val="000000">
+                <a:alpha val="35000"/>
+              </a:srgbClr>
+            </a:outerShdw>
+          </a:effectLst>
+          <a:scene3d>
+            <a:camera prst="orthographicFront">
+              <a:rot lat="0" lon="0" rev="0"/>
+            </a:camera>
+            <a:lightRig rig="threePt" dir="t">
+              <a:rot lat="0" lon="0" rev="1200000"/>
+            </a:lightRig>
+          </a:scene3d>
+          <a:sp3d>
+            <a:bevelT w="63500" h="25400"/>
+          </a:sp3d>
+        </a:effectStyle>
+      </a:effectStyleLst>
+      <a:bgFillStyleLst>
+        <a:solidFill>
+          <a:schemeClr val="phClr"/>
+        </a:solidFill>
+        <a:gradFill rotWithShape="1">
+          <a:gsLst>
+            <a:gs pos="0">
+              <a:schemeClr val="phClr">
+                <a:tint val="40000"/>
+                <a:satMod val="350000"/>
+              </a:schemeClr>
+            </a:gs>
+            <a:gs pos="40000">
+              <a:schemeClr val="phClr">
+                <a:tint val="45000"/>
+                <a:shade val="99000"/>
+                <a:satMod val="350000"/>
+              </a:schemeClr>
+            </a:gs>
+            <a:gs pos="100000">
+              <a:schemeClr val="phClr">
+                <a:shade val="20000"/>
+                <a:satMod val="255000"/>
+              </a:schemeClr>
+            </a:gs>
+          </a:gsLst>
+          <a:path path="circle">
+            <a:fillToRect l="50000" t="-80000" r="50000" b="180000"/>
+          </a:path>
+        </a:gradFill>
+        <a:gradFill rotWithShape="1">
+          <a:gsLst>
+            <a:gs pos="0">
+              <a:schemeClr val="phClr">
+                <a:tint val="80000"/>
+                <a:satMod val="300000"/>
+              </a:schemeClr>
+            </a:gs>
+            <a:gs pos="100000">
+              <a:schemeClr val="phClr">
+                <a:shade val="30000"/>
+                <a:satMod val="200000"/>
+              </a:schemeClr>
+            </a:gs>
+          </a:gsLst>
+          <a:path path="circle">
+            <a:fillToRect l="50000" t="50000" r="50000" b="50000"/>
+          </a:path>
+        </a:gradFill>
+      </a:bgFillStyleLst>
+    </a:fmtScheme>
+  </a:themeElements>
+  <a:objectDefaults/>
+  <a:extraClrSchemeLst/>
+</a:theme>
+</file>
+
+<file path=ppt/theme/theme2.xml><?xml version="1.0" encoding="utf-8"?>
+<a:theme xmlns:a="http://schemas.openxmlformats.org/drawingml/2006/main">
   <a:themeElements>
     <a:clrScheme name="Default">
       <a:dk1>
@@ -6356,284 +10433,7 @@
       </a:bgFillStyleLst>
     </a:fmtScheme>
   </a:themeElements>
-</a:theme>
-</file>
-
-<file path=ppt/theme/theme2.xml><?xml version="1.0" encoding="utf-8"?>
-<a:theme xmlns:a="http://schemas.openxmlformats.org/drawingml/2006/main" xmlns:r="http://schemas.openxmlformats.org/officeDocument/2006/relationships" name="Simple Light">
-  <a:themeElements>
-    <a:clrScheme name="Simple Light">
-      <a:dk1>
-        <a:srgbClr val="000000"/>
-      </a:dk1>
-      <a:lt1>
-        <a:srgbClr val="FFFFFF"/>
-      </a:lt1>
-      <a:dk2>
-        <a:srgbClr val="595959"/>
-      </a:dk2>
-      <a:lt2>
-        <a:srgbClr val="EEEEEE"/>
-      </a:lt2>
-      <a:accent1>
-        <a:srgbClr val="4285F4"/>
-      </a:accent1>
-      <a:accent2>
-        <a:srgbClr val="212121"/>
-      </a:accent2>
-      <a:accent3>
-        <a:srgbClr val="78909C"/>
-      </a:accent3>
-      <a:accent4>
-        <a:srgbClr val="FFAB40"/>
-      </a:accent4>
-      <a:accent5>
-        <a:srgbClr val="0097A7"/>
-      </a:accent5>
-      <a:accent6>
-        <a:srgbClr val="EEFF41"/>
-      </a:accent6>
-      <a:hlink>
-        <a:srgbClr val="0097A7"/>
-      </a:hlink>
-      <a:folHlink>
-        <a:srgbClr val="0097A7"/>
-      </a:folHlink>
-    </a:clrScheme>
-    <a:fontScheme name="Office">
-      <a:majorFont>
-        <a:latin typeface="Arial"/>
-        <a:ea typeface=""/>
-        <a:cs typeface=""/>
-        <a:font script="Jpan" typeface="ＭＳ Ｐゴシック"/>
-        <a:font script="Hang" typeface="맑은 고딕"/>
-        <a:font script="Hans" typeface="宋体"/>
-        <a:font script="Hant" typeface="新細明體"/>
-        <a:font script="Arab" typeface="Times New Roman"/>
-        <a:font script="Hebr" typeface="Times New Roman"/>
-        <a:font script="Thai" typeface="Angsana New"/>
-        <a:font script="Ethi" typeface="Nyala"/>
-        <a:font script="Beng" typeface="Vrinda"/>
-        <a:font script="Gujr" typeface="Shruti"/>
-        <a:font script="Khmr" typeface="MoolBoran"/>
-        <a:font script="Knda" typeface="Tunga"/>
-        <a:font script="Guru" typeface="Raavi"/>
-        <a:font script="Cans" typeface="Euphemia"/>
-        <a:font script="Cher" typeface="Plantagenet Cherokee"/>
-        <a:font script="Yiii" typeface="Microsoft Yi Baiti"/>
-        <a:font script="Tibt" typeface="Microsoft Himalaya"/>
-        <a:font script="Thaa" typeface="MV Boli"/>
-        <a:font script="Deva" typeface="Mangal"/>
-        <a:font script="Telu" typeface="Gautami"/>
-        <a:font script="Taml" typeface="Latha"/>
-        <a:font script="Syrc" typeface="Estrangelo Edessa"/>
-        <a:font script="Orya" typeface="Kalinga"/>
-        <a:font script="Mlym" typeface="Kartika"/>
-        <a:font script="Laoo" typeface="DokChampa"/>
-        <a:font script="Sinh" typeface="Iskoola Pota"/>
-        <a:font script="Mong" typeface="Mongolian Baiti"/>
-        <a:font script="Viet" typeface="Times New Roman"/>
-        <a:font script="Uigh" typeface="Microsoft Uighur"/>
-        <a:font script="Geor" typeface="Sylfaen"/>
-      </a:majorFont>
-      <a:minorFont>
-        <a:latin typeface="Arial"/>
-        <a:ea typeface=""/>
-        <a:cs typeface=""/>
-        <a:font script="Jpan" typeface="ＭＳ Ｐゴシック"/>
-        <a:font script="Hang" typeface="맑은 고딕"/>
-        <a:font script="Hans" typeface="宋体"/>
-        <a:font script="Hant" typeface="新細明體"/>
-        <a:font script="Arab" typeface="Arial"/>
-        <a:font script="Hebr" typeface="Arial"/>
-        <a:font script="Thai" typeface="Cordia New"/>
-        <a:font script="Ethi" typeface="Nyala"/>
-        <a:font script="Beng" typeface="Vrinda"/>
-        <a:font script="Gujr" typeface="Shruti"/>
-        <a:font script="Khmr" typeface="DaunPenh"/>
-        <a:font script="Knda" typeface="Tunga"/>
-        <a:font script="Guru" typeface="Raavi"/>
-        <a:font script="Cans" typeface="Euphemia"/>
-        <a:font script="Cher" typeface="Plantagenet Cherokee"/>
-        <a:font script="Yiii" typeface="Microsoft Yi Baiti"/>
-        <a:font script="Tibt" typeface="Microsoft Himalaya"/>
-        <a:font script="Thaa" typeface="MV Boli"/>
-        <a:font script="Deva" typeface="Mangal"/>
-        <a:font script="Telu" typeface="Gautami"/>
-        <a:font script="Taml" typeface="Latha"/>
-        <a:font script="Syrc" typeface="Estrangelo Edessa"/>
-        <a:font script="Orya" typeface="Kalinga"/>
-        <a:font script="Mlym" typeface="Kartika"/>
-        <a:font script="Laoo" typeface="DokChampa"/>
-        <a:font script="Sinh" typeface="Iskoola Pota"/>
-        <a:font script="Mong" typeface="Mongolian Baiti"/>
-        <a:font script="Viet" typeface="Arial"/>
-        <a:font script="Uigh" typeface="Microsoft Uighur"/>
-        <a:font script="Geor" typeface="Sylfaen"/>
-      </a:minorFont>
-    </a:fontScheme>
-    <a:fmtScheme name="Office">
-      <a:fillStyleLst>
-        <a:solidFill>
-          <a:schemeClr val="phClr"/>
-        </a:solidFill>
-        <a:gradFill rotWithShape="1">
-          <a:gsLst>
-            <a:gs pos="0">
-              <a:schemeClr val="phClr">
-                <a:tint val="50000"/>
-                <a:satMod val="300000"/>
-              </a:schemeClr>
-            </a:gs>
-            <a:gs pos="35000">
-              <a:schemeClr val="phClr">
-                <a:tint val="37000"/>
-                <a:satMod val="300000"/>
-              </a:schemeClr>
-            </a:gs>
-            <a:gs pos="100000">
-              <a:schemeClr val="phClr">
-                <a:tint val="15000"/>
-                <a:satMod val="350000"/>
-              </a:schemeClr>
-            </a:gs>
-          </a:gsLst>
-          <a:lin ang="16200000" scaled="1"/>
-        </a:gradFill>
-        <a:gradFill rotWithShape="1">
-          <a:gsLst>
-            <a:gs pos="0">
-              <a:schemeClr val="phClr">
-                <a:tint val="100000"/>
-                <a:shade val="100000"/>
-                <a:satMod val="130000"/>
-              </a:schemeClr>
-            </a:gs>
-            <a:gs pos="100000">
-              <a:schemeClr val="phClr">
-                <a:tint val="50000"/>
-                <a:shade val="100000"/>
-                <a:satMod val="350000"/>
-              </a:schemeClr>
-            </a:gs>
-          </a:gsLst>
-          <a:lin ang="16200000" scaled="0"/>
-        </a:gradFill>
-      </a:fillStyleLst>
-      <a:lnStyleLst>
-        <a:ln w="9525" cap="flat" cmpd="sng" algn="ctr">
-          <a:solidFill>
-            <a:schemeClr val="phClr">
-              <a:shade val="95000"/>
-              <a:satMod val="105000"/>
-            </a:schemeClr>
-          </a:solidFill>
-          <a:prstDash val="solid"/>
-        </a:ln>
-        <a:ln w="25400" cap="flat" cmpd="sng" algn="ctr">
-          <a:solidFill>
-            <a:schemeClr val="phClr"/>
-          </a:solidFill>
-          <a:prstDash val="solid"/>
-        </a:ln>
-        <a:ln w="38100" cap="flat" cmpd="sng" algn="ctr">
-          <a:solidFill>
-            <a:schemeClr val="phClr"/>
-          </a:solidFill>
-          <a:prstDash val="solid"/>
-        </a:ln>
-      </a:lnStyleLst>
-      <a:effectStyleLst>
-        <a:effectStyle>
-          <a:effectLst>
-            <a:outerShdw blurRad="40000" dist="20000" dir="5400000" rotWithShape="0">
-              <a:srgbClr val="000000">
-                <a:alpha val="38000"/>
-              </a:srgbClr>
-            </a:outerShdw>
-          </a:effectLst>
-        </a:effectStyle>
-        <a:effectStyle>
-          <a:effectLst>
-            <a:outerShdw blurRad="40000" dist="23000" dir="5400000" rotWithShape="0">
-              <a:srgbClr val="000000">
-                <a:alpha val="35000"/>
-              </a:srgbClr>
-            </a:outerShdw>
-          </a:effectLst>
-        </a:effectStyle>
-        <a:effectStyle>
-          <a:effectLst>
-            <a:outerShdw blurRad="40000" dist="23000" dir="5400000" rotWithShape="0">
-              <a:srgbClr val="000000">
-                <a:alpha val="35000"/>
-              </a:srgbClr>
-            </a:outerShdw>
-          </a:effectLst>
-          <a:scene3d>
-            <a:camera prst="orthographicFront">
-              <a:rot lat="0" lon="0" rev="0"/>
-            </a:camera>
-            <a:lightRig rig="threePt" dir="t">
-              <a:rot lat="0" lon="0" rev="1200000"/>
-            </a:lightRig>
-          </a:scene3d>
-          <a:sp3d>
-            <a:bevelT w="63500" h="25400"/>
-          </a:sp3d>
-        </a:effectStyle>
-      </a:effectStyleLst>
-      <a:bgFillStyleLst>
-        <a:solidFill>
-          <a:schemeClr val="phClr"/>
-        </a:solidFill>
-        <a:gradFill rotWithShape="1">
-          <a:gsLst>
-            <a:gs pos="0">
-              <a:schemeClr val="phClr">
-                <a:tint val="40000"/>
-                <a:satMod val="350000"/>
-              </a:schemeClr>
-            </a:gs>
-            <a:gs pos="40000">
-              <a:schemeClr val="phClr">
-                <a:tint val="45000"/>
-                <a:shade val="99000"/>
-                <a:satMod val="350000"/>
-              </a:schemeClr>
-            </a:gs>
-            <a:gs pos="100000">
-              <a:schemeClr val="phClr">
-                <a:shade val="20000"/>
-                <a:satMod val="255000"/>
-              </a:schemeClr>
-            </a:gs>
-          </a:gsLst>
-          <a:path path="circle">
-            <a:fillToRect l="50000" t="-80000" r="50000" b="180000"/>
-          </a:path>
-        </a:gradFill>
-        <a:gradFill rotWithShape="1">
-          <a:gsLst>
-            <a:gs pos="0">
-              <a:schemeClr val="phClr">
-                <a:tint val="80000"/>
-                <a:satMod val="300000"/>
-              </a:schemeClr>
-            </a:gs>
-            <a:gs pos="100000">
-              <a:schemeClr val="phClr">
-                <a:shade val="30000"/>
-                <a:satMod val="200000"/>
-              </a:schemeClr>
-            </a:gs>
-          </a:gsLst>
-          <a:path path="circle">
-            <a:fillToRect l="50000" t="50000" r="50000" b="50000"/>
-          </a:path>
-        </a:gradFill>
-      </a:bgFillStyleLst>
-    </a:fmtScheme>
-  </a:themeElements>
+  <a:objectDefaults/>
+  <a:extraClrSchemeLst/>
 </a:theme>
 </file>